--- a/presentacion/presentacion_miguel_indalecio_garcia_lopez.pptx
+++ b/presentacion/presentacion_miguel_indalecio_garcia_lopez.pptx
@@ -38,23 +38,24 @@
     <p:sldId id="290" r:id="rId32"/>
     <p:sldId id="293" r:id="rId33"/>
     <p:sldId id="291" r:id="rId34"/>
-    <p:sldId id="281" r:id="rId35"/>
-    <p:sldId id="292" r:id="rId36"/>
-    <p:sldId id="272" r:id="rId37"/>
-    <p:sldId id="294" r:id="rId38"/>
-    <p:sldId id="296" r:id="rId39"/>
-    <p:sldId id="295" r:id="rId40"/>
-    <p:sldId id="298" r:id="rId41"/>
-    <p:sldId id="297" r:id="rId42"/>
-    <p:sldId id="300" r:id="rId43"/>
-    <p:sldId id="301" r:id="rId44"/>
-    <p:sldId id="302" r:id="rId45"/>
-    <p:sldId id="303" r:id="rId46"/>
-    <p:sldId id="304" r:id="rId47"/>
-    <p:sldId id="305" r:id="rId48"/>
-    <p:sldId id="306" r:id="rId49"/>
-    <p:sldId id="307" r:id="rId50"/>
-    <p:sldId id="308" r:id="rId51"/>
+    <p:sldId id="309" r:id="rId35"/>
+    <p:sldId id="281" r:id="rId36"/>
+    <p:sldId id="292" r:id="rId37"/>
+    <p:sldId id="272" r:id="rId38"/>
+    <p:sldId id="294" r:id="rId39"/>
+    <p:sldId id="296" r:id="rId40"/>
+    <p:sldId id="295" r:id="rId41"/>
+    <p:sldId id="298" r:id="rId42"/>
+    <p:sldId id="297" r:id="rId43"/>
+    <p:sldId id="300" r:id="rId44"/>
+    <p:sldId id="301" r:id="rId45"/>
+    <p:sldId id="302" r:id="rId46"/>
+    <p:sldId id="303" r:id="rId47"/>
+    <p:sldId id="304" r:id="rId48"/>
+    <p:sldId id="305" r:id="rId49"/>
+    <p:sldId id="306" r:id="rId50"/>
+    <p:sldId id="307" r:id="rId51"/>
+    <p:sldId id="308" r:id="rId52"/>
   </p:sldIdLst>
   <p:sldSz cx="9144000" cy="6858000" type="screen4x3"/>
   <p:notesSz cx="6858000" cy="9144000"/>
@@ -338,7 +339,7 @@
             <a:fld id="{045C9ACF-B5BA-4A7D-9AFB-510D50510C08}" type="datetimeFigureOut">
               <a:rPr lang="es-ES" smtClean="0"/>
               <a:pPr/>
-              <a:t>23/05/2016</a:t>
+              <a:t>24/05/2016</a:t>
             </a:fld>
             <a:endParaRPr lang="es-ES"/>
           </a:p>
@@ -505,7 +506,7 @@
             <a:fld id="{045C9ACF-B5BA-4A7D-9AFB-510D50510C08}" type="datetimeFigureOut">
               <a:rPr lang="es-ES" smtClean="0"/>
               <a:pPr/>
-              <a:t>23/05/2016</a:t>
+              <a:t>24/05/2016</a:t>
             </a:fld>
             <a:endParaRPr lang="es-ES"/>
           </a:p>
@@ -682,7 +683,7 @@
             <a:fld id="{045C9ACF-B5BA-4A7D-9AFB-510D50510C08}" type="datetimeFigureOut">
               <a:rPr lang="es-ES" smtClean="0"/>
               <a:pPr/>
-              <a:t>23/05/2016</a:t>
+              <a:t>24/05/2016</a:t>
             </a:fld>
             <a:endParaRPr lang="es-ES"/>
           </a:p>
@@ -849,7 +850,7 @@
             <a:fld id="{045C9ACF-B5BA-4A7D-9AFB-510D50510C08}" type="datetimeFigureOut">
               <a:rPr lang="es-ES" smtClean="0"/>
               <a:pPr/>
-              <a:t>23/05/2016</a:t>
+              <a:t>24/05/2016</a:t>
             </a:fld>
             <a:endParaRPr lang="es-ES"/>
           </a:p>
@@ -1092,7 +1093,7 @@
             <a:fld id="{045C9ACF-B5BA-4A7D-9AFB-510D50510C08}" type="datetimeFigureOut">
               <a:rPr lang="es-ES" smtClean="0"/>
               <a:pPr/>
-              <a:t>23/05/2016</a:t>
+              <a:t>24/05/2016</a:t>
             </a:fld>
             <a:endParaRPr lang="es-ES"/>
           </a:p>
@@ -1377,7 +1378,7 @@
             <a:fld id="{045C9ACF-B5BA-4A7D-9AFB-510D50510C08}" type="datetimeFigureOut">
               <a:rPr lang="es-ES" smtClean="0"/>
               <a:pPr/>
-              <a:t>23/05/2016</a:t>
+              <a:t>24/05/2016</a:t>
             </a:fld>
             <a:endParaRPr lang="es-ES"/>
           </a:p>
@@ -1796,7 +1797,7 @@
             <a:fld id="{045C9ACF-B5BA-4A7D-9AFB-510D50510C08}" type="datetimeFigureOut">
               <a:rPr lang="es-ES" smtClean="0"/>
               <a:pPr/>
-              <a:t>23/05/2016</a:t>
+              <a:t>24/05/2016</a:t>
             </a:fld>
             <a:endParaRPr lang="es-ES"/>
           </a:p>
@@ -1911,7 +1912,7 @@
             <a:fld id="{045C9ACF-B5BA-4A7D-9AFB-510D50510C08}" type="datetimeFigureOut">
               <a:rPr lang="es-ES" smtClean="0"/>
               <a:pPr/>
-              <a:t>23/05/2016</a:t>
+              <a:t>24/05/2016</a:t>
             </a:fld>
             <a:endParaRPr lang="es-ES"/>
           </a:p>
@@ -2003,7 +2004,7 @@
             <a:fld id="{045C9ACF-B5BA-4A7D-9AFB-510D50510C08}" type="datetimeFigureOut">
               <a:rPr lang="es-ES" smtClean="0"/>
               <a:pPr/>
-              <a:t>23/05/2016</a:t>
+              <a:t>24/05/2016</a:t>
             </a:fld>
             <a:endParaRPr lang="es-ES"/>
           </a:p>
@@ -2277,7 +2278,7 @@
             <a:fld id="{045C9ACF-B5BA-4A7D-9AFB-510D50510C08}" type="datetimeFigureOut">
               <a:rPr lang="es-ES" smtClean="0"/>
               <a:pPr/>
-              <a:t>23/05/2016</a:t>
+              <a:t>24/05/2016</a:t>
             </a:fld>
             <a:endParaRPr lang="es-ES"/>
           </a:p>
@@ -2527,7 +2528,7 @@
             <a:fld id="{045C9ACF-B5BA-4A7D-9AFB-510D50510C08}" type="datetimeFigureOut">
               <a:rPr lang="es-ES" smtClean="0"/>
               <a:pPr/>
-              <a:t>23/05/2016</a:t>
+              <a:t>24/05/2016</a:t>
             </a:fld>
             <a:endParaRPr lang="es-ES"/>
           </a:p>
@@ -2761,7 +2762,7 @@
             <a:fld id="{045C9ACF-B5BA-4A7D-9AFB-510D50510C08}" type="datetimeFigureOut">
               <a:rPr lang="es-ES" smtClean="0"/>
               <a:pPr/>
-              <a:t>23/05/2016</a:t>
+              <a:t>24/05/2016</a:t>
             </a:fld>
             <a:endParaRPr lang="es-ES"/>
           </a:p>
@@ -3489,11 +3490,79 @@
             </a:pPr>
             <a:r>
               <a:rPr lang="es-ES" sz="3200" dirty="0" smtClean="0">
-                <a:latin typeface="+mj-lt"/>
+                <a:solidFill>
+                  <a:srgbClr val="002060"/>
+                </a:solidFill>
+                <a:latin typeface="Underwood Champion" pitchFamily="2" charset="0"/>
                 <a:ea typeface="+mj-ea"/>
                 <a:cs typeface="+mj-cs"/>
               </a:rPr>
               <a:t>Software</a:t>
+            </a:r>
+            <a:endParaRPr kumimoji="0" lang="es-ES" sz="3200" b="0" i="0" u="none" strike="noStrike" kern="1200" cap="none" spc="0" normalizeH="0" baseline="0" noProof="0" dirty="0" smtClean="0">
+              <a:ln>
+                <a:noFill/>
+              </a:ln>
+              <a:solidFill>
+                <a:srgbClr val="002060"/>
+              </a:solidFill>
+              <a:effectLst/>
+              <a:uLnTx/>
+              <a:uFillTx/>
+              <a:latin typeface="Underwood Champion" pitchFamily="2" charset="0"/>
+              <a:ea typeface="+mj-ea"/>
+              <a:cs typeface="+mj-cs"/>
+            </a:endParaRPr>
+          </a:p>
+        </p:txBody>
+      </p:sp>
+      <p:sp>
+        <p:nvSpPr>
+          <p:cNvPr id="6" name="1 Título"/>
+          <p:cNvSpPr txBox="1">
+            <a:spLocks/>
+          </p:cNvSpPr>
+          <p:nvPr/>
+        </p:nvSpPr>
+        <p:spPr>
+          <a:xfrm>
+            <a:off x="5572132" y="4500570"/>
+            <a:ext cx="3000396" cy="714380"/>
+          </a:xfrm>
+          <a:prstGeom prst="rect">
+            <a:avLst/>
+          </a:prstGeom>
+        </p:spPr>
+        <p:txBody>
+          <a:bodyPr vert="horz" lIns="91440" tIns="45720" rIns="91440" bIns="45720" rtlCol="0" anchor="ctr">
+            <a:normAutofit/>
+          </a:bodyPr>
+          <a:lstStyle/>
+          <a:p>
+            <a:pPr marL="0" marR="0" lvl="0" indent="0" algn="ctr" defTabSz="914400" rtl="0" eaLnBrk="1" fontAlgn="auto" latinLnBrk="0" hangingPunct="1">
+              <a:lnSpc>
+                <a:spcPct val="100000"/>
+              </a:lnSpc>
+              <a:spcBef>
+                <a:spcPct val="0"/>
+              </a:spcBef>
+              <a:spcAft>
+                <a:spcPts val="0"/>
+              </a:spcAft>
+              <a:buClrTx/>
+              <a:buSzTx/>
+              <a:buFontTx/>
+              <a:buNone/>
+              <a:tabLst/>
+              <a:defRPr/>
+            </a:pPr>
+            <a:r>
+              <a:rPr lang="es-ES" sz="3200" noProof="0" dirty="0" smtClean="0">
+                <a:latin typeface="Underwood Champion" pitchFamily="2" charset="0"/>
+                <a:ea typeface="+mj-ea"/>
+                <a:cs typeface="+mj-cs"/>
+              </a:rPr>
+              <a:t>Hardware</a:t>
             </a:r>
             <a:endParaRPr kumimoji="0" lang="es-ES" sz="3200" b="0" i="0" u="none" strike="noStrike" kern="1200" cap="none" spc="0" normalizeH="0" baseline="0" noProof="0" dirty="0" smtClean="0">
               <a:ln>
@@ -3505,7 +3574,7 @@
               <a:effectLst/>
               <a:uLnTx/>
               <a:uFillTx/>
-              <a:latin typeface="+mj-lt"/>
+              <a:latin typeface="Underwood Champion" pitchFamily="2" charset="0"/>
               <a:ea typeface="+mj-ea"/>
               <a:cs typeface="+mj-cs"/>
             </a:endParaRPr>
@@ -3514,7 +3583,7 @@
       </p:sp>
       <p:sp>
         <p:nvSpPr>
-          <p:cNvPr id="6" name="1 Título"/>
+          <p:cNvPr id="7" name="1 Título"/>
           <p:cNvSpPr txBox="1">
             <a:spLocks/>
           </p:cNvSpPr>
@@ -3522,8 +3591,8 @@
         </p:nvSpPr>
         <p:spPr>
           <a:xfrm>
-            <a:off x="5572132" y="4500570"/>
-            <a:ext cx="3000396" cy="714380"/>
+            <a:off x="1428728" y="2857496"/>
+            <a:ext cx="3714776" cy="714380"/>
           </a:xfrm>
           <a:prstGeom prst="rect">
             <a:avLst/>
@@ -3554,21 +3623,26 @@
             </a:pPr>
             <a:r>
               <a:rPr lang="es-ES" sz="3200" noProof="0" dirty="0" smtClean="0">
-                <a:ea typeface="+mj-ea"/>
-                <a:cs typeface="+mj-cs"/>
-              </a:rPr>
-              <a:t>Hardware</a:t>
+                <a:solidFill>
+                  <a:srgbClr val="00B050"/>
+                </a:solidFill>
+                <a:latin typeface="Underwood Champion" pitchFamily="2" charset="0"/>
+                <a:ea typeface="+mj-ea"/>
+                <a:cs typeface="+mj-cs"/>
+              </a:rPr>
+              <a:t>Sonidos</a:t>
             </a:r>
             <a:endParaRPr kumimoji="0" lang="es-ES" sz="3200" b="0" i="0" u="none" strike="noStrike" kern="1200" cap="none" spc="0" normalizeH="0" baseline="0" noProof="0" dirty="0" smtClean="0">
               <a:ln>
                 <a:noFill/>
               </a:ln>
               <a:solidFill>
-                <a:schemeClr val="tx1"/>
+                <a:srgbClr val="00B050"/>
               </a:solidFill>
               <a:effectLst/>
               <a:uLnTx/>
               <a:uFillTx/>
+              <a:latin typeface="Underwood Champion" pitchFamily="2" charset="0"/>
               <a:ea typeface="+mj-ea"/>
               <a:cs typeface="+mj-cs"/>
             </a:endParaRPr>
@@ -3577,7 +3651,7 @@
       </p:sp>
       <p:sp>
         <p:nvSpPr>
-          <p:cNvPr id="7" name="1 Título"/>
+          <p:cNvPr id="8" name="1 Título"/>
           <p:cNvSpPr txBox="1">
             <a:spLocks/>
           </p:cNvSpPr>
@@ -3585,8 +3659,8 @@
         </p:nvSpPr>
         <p:spPr>
           <a:xfrm>
-            <a:off x="1428728" y="2857496"/>
-            <a:ext cx="3714776" cy="714380"/>
+            <a:off x="4786314" y="1643050"/>
+            <a:ext cx="3000396" cy="714380"/>
           </a:xfrm>
           <a:prstGeom prst="rect">
             <a:avLst/>
@@ -3617,86 +3691,26 @@
             </a:pPr>
             <a:r>
               <a:rPr lang="es-ES" sz="3200" noProof="0" dirty="0" smtClean="0">
-                <a:ea typeface="+mj-ea"/>
-                <a:cs typeface="+mj-cs"/>
-              </a:rPr>
-              <a:t>Sonidos</a:t>
+                <a:solidFill>
+                  <a:srgbClr val="C00000"/>
+                </a:solidFill>
+                <a:latin typeface="Underwood Champion" pitchFamily="2" charset="0"/>
+                <a:ea typeface="+mj-ea"/>
+                <a:cs typeface="+mj-cs"/>
+              </a:rPr>
+              <a:t>Imágenes</a:t>
             </a:r>
             <a:endParaRPr kumimoji="0" lang="es-ES" sz="3200" b="0" i="0" u="none" strike="noStrike" kern="1200" cap="none" spc="0" normalizeH="0" baseline="0" noProof="0" dirty="0" smtClean="0">
               <a:ln>
                 <a:noFill/>
               </a:ln>
               <a:solidFill>
-                <a:schemeClr val="tx1"/>
+                <a:srgbClr val="C00000"/>
               </a:solidFill>
               <a:effectLst/>
               <a:uLnTx/>
               <a:uFillTx/>
-              <a:ea typeface="+mj-ea"/>
-              <a:cs typeface="+mj-cs"/>
-            </a:endParaRPr>
-          </a:p>
-        </p:txBody>
-      </p:sp>
-      <p:sp>
-        <p:nvSpPr>
-          <p:cNvPr id="8" name="1 Título"/>
-          <p:cNvSpPr txBox="1">
-            <a:spLocks/>
-          </p:cNvSpPr>
-          <p:nvPr/>
-        </p:nvSpPr>
-        <p:spPr>
-          <a:xfrm>
-            <a:off x="4786314" y="1643050"/>
-            <a:ext cx="3000396" cy="714380"/>
-          </a:xfrm>
-          <a:prstGeom prst="rect">
-            <a:avLst/>
-          </a:prstGeom>
-        </p:spPr>
-        <p:txBody>
-          <a:bodyPr vert="horz" lIns="91440" tIns="45720" rIns="91440" bIns="45720" rtlCol="0" anchor="ctr">
-            <a:normAutofit/>
-          </a:bodyPr>
-          <a:lstStyle/>
-          <a:p>
-            <a:pPr marL="0" marR="0" lvl="0" indent="0" algn="ctr" defTabSz="914400" rtl="0" eaLnBrk="1" fontAlgn="auto" latinLnBrk="0" hangingPunct="1">
-              <a:lnSpc>
-                <a:spcPct val="100000"/>
-              </a:lnSpc>
-              <a:spcBef>
-                <a:spcPct val="0"/>
-              </a:spcBef>
-              <a:spcAft>
-                <a:spcPts val="0"/>
-              </a:spcAft>
-              <a:buClrTx/>
-              <a:buSzTx/>
-              <a:buFontTx/>
-              <a:buNone/>
-              <a:tabLst/>
-              <a:defRPr/>
-            </a:pPr>
-            <a:r>
-              <a:rPr lang="es-ES" sz="3200" noProof="0" dirty="0" smtClean="0">
-                <a:latin typeface="+mj-lt"/>
-                <a:ea typeface="+mj-ea"/>
-                <a:cs typeface="+mj-cs"/>
-              </a:rPr>
-              <a:t>Imágenes</a:t>
-            </a:r>
-            <a:endParaRPr kumimoji="0" lang="es-ES" sz="3200" b="0" i="0" u="none" strike="noStrike" kern="1200" cap="none" spc="0" normalizeH="0" baseline="0" noProof="0" dirty="0" smtClean="0">
-              <a:ln>
-                <a:noFill/>
-              </a:ln>
-              <a:solidFill>
-                <a:schemeClr val="tx1"/>
-              </a:solidFill>
-              <a:effectLst/>
-              <a:uLnTx/>
-              <a:uFillTx/>
-              <a:latin typeface="+mj-lt"/>
+              <a:latin typeface="Underwood Champion" pitchFamily="2" charset="0"/>
               <a:ea typeface="+mj-ea"/>
               <a:cs typeface="+mj-cs"/>
             </a:endParaRPr>
@@ -4272,11 +4286,163 @@
             </a:pPr>
             <a:r>
               <a:rPr lang="es-ES" sz="3200" noProof="0" dirty="0" err="1" smtClean="0">
+                <a:solidFill>
+                  <a:schemeClr val="tx2">
+                    <a:lumMod val="75000"/>
+                  </a:schemeClr>
+                </a:solidFill>
                 <a:latin typeface="Underwood Champion" pitchFamily="2" charset="0"/>
                 <a:ea typeface="+mj-ea"/>
                 <a:cs typeface="+mj-cs"/>
               </a:rPr>
               <a:t>Fragments</a:t>
+            </a:r>
+            <a:endParaRPr kumimoji="0" lang="es-ES" sz="3200" b="0" i="0" u="none" strike="noStrike" kern="1200" cap="none" spc="0" normalizeH="0" baseline="0" noProof="0" dirty="0" smtClean="0">
+              <a:ln>
+                <a:noFill/>
+              </a:ln>
+              <a:solidFill>
+                <a:schemeClr val="tx2">
+                  <a:lumMod val="75000"/>
+                </a:schemeClr>
+              </a:solidFill>
+              <a:effectLst/>
+              <a:uLnTx/>
+              <a:uFillTx/>
+              <a:latin typeface="Underwood Champion" pitchFamily="2" charset="0"/>
+              <a:ea typeface="+mj-ea"/>
+              <a:cs typeface="+mj-cs"/>
+            </a:endParaRPr>
+          </a:p>
+        </p:txBody>
+      </p:sp>
+      <p:sp>
+        <p:nvSpPr>
+          <p:cNvPr id="6" name="1 Título"/>
+          <p:cNvSpPr txBox="1">
+            <a:spLocks/>
+          </p:cNvSpPr>
+          <p:nvPr/>
+        </p:nvSpPr>
+        <p:spPr>
+          <a:xfrm>
+            <a:off x="1357290" y="4357694"/>
+            <a:ext cx="3000396" cy="714380"/>
+          </a:xfrm>
+          <a:prstGeom prst="rect">
+            <a:avLst/>
+          </a:prstGeom>
+        </p:spPr>
+        <p:txBody>
+          <a:bodyPr vert="horz" lIns="91440" tIns="45720" rIns="91440" bIns="45720" rtlCol="0" anchor="ctr">
+            <a:normAutofit/>
+          </a:bodyPr>
+          <a:lstStyle/>
+          <a:p>
+            <a:pPr marL="0" marR="0" lvl="0" indent="0" algn="ctr" defTabSz="914400" rtl="0" eaLnBrk="1" fontAlgn="auto" latinLnBrk="0" hangingPunct="1">
+              <a:lnSpc>
+                <a:spcPct val="100000"/>
+              </a:lnSpc>
+              <a:spcBef>
+                <a:spcPct val="0"/>
+              </a:spcBef>
+              <a:spcAft>
+                <a:spcPts val="0"/>
+              </a:spcAft>
+              <a:buClrTx/>
+              <a:buSzTx/>
+              <a:buFontTx/>
+              <a:buNone/>
+              <a:tabLst/>
+              <a:defRPr/>
+            </a:pPr>
+            <a:r>
+              <a:rPr lang="es-ES" sz="3200" noProof="0" dirty="0" err="1" smtClean="0">
+                <a:solidFill>
+                  <a:schemeClr val="accent2">
+                    <a:lumMod val="75000"/>
+                  </a:schemeClr>
+                </a:solidFill>
+                <a:latin typeface="Underwood Champion" pitchFamily="2" charset="0"/>
+                <a:ea typeface="+mj-ea"/>
+                <a:cs typeface="+mj-cs"/>
+              </a:rPr>
+              <a:t>Tablets</a:t>
+            </a:r>
+            <a:endParaRPr kumimoji="0" lang="es-ES" sz="3200" b="0" i="0" u="none" strike="noStrike" kern="1200" cap="none" spc="0" normalizeH="0" baseline="0" noProof="0" dirty="0" smtClean="0">
+              <a:ln>
+                <a:noFill/>
+              </a:ln>
+              <a:solidFill>
+                <a:schemeClr val="accent2">
+                  <a:lumMod val="75000"/>
+                </a:schemeClr>
+              </a:solidFill>
+              <a:effectLst/>
+              <a:uLnTx/>
+              <a:uFillTx/>
+              <a:latin typeface="Underwood Champion" pitchFamily="2" charset="0"/>
+              <a:ea typeface="+mj-ea"/>
+              <a:cs typeface="+mj-cs"/>
+            </a:endParaRPr>
+          </a:p>
+        </p:txBody>
+      </p:sp>
+      <p:sp>
+        <p:nvSpPr>
+          <p:cNvPr id="7" name="1 Título"/>
+          <p:cNvSpPr txBox="1">
+            <a:spLocks/>
+          </p:cNvSpPr>
+          <p:nvPr/>
+        </p:nvSpPr>
+        <p:spPr>
+          <a:xfrm>
+            <a:off x="4500562" y="2643182"/>
+            <a:ext cx="4357718" cy="1214446"/>
+          </a:xfrm>
+          <a:prstGeom prst="rect">
+            <a:avLst/>
+          </a:prstGeom>
+        </p:spPr>
+        <p:txBody>
+          <a:bodyPr vert="horz" lIns="91440" tIns="45720" rIns="91440" bIns="45720" rtlCol="0" anchor="ctr">
+            <a:normAutofit/>
+          </a:bodyPr>
+          <a:lstStyle/>
+          <a:p>
+            <a:pPr marL="0" marR="0" lvl="0" indent="0" algn="ctr" defTabSz="914400" rtl="0" eaLnBrk="1" fontAlgn="auto" latinLnBrk="0" hangingPunct="1">
+              <a:lnSpc>
+                <a:spcPct val="100000"/>
+              </a:lnSpc>
+              <a:spcBef>
+                <a:spcPct val="0"/>
+              </a:spcBef>
+              <a:spcAft>
+                <a:spcPts val="0"/>
+              </a:spcAft>
+              <a:buClrTx/>
+              <a:buSzTx/>
+              <a:buFontTx/>
+              <a:buNone/>
+              <a:tabLst/>
+              <a:defRPr/>
+            </a:pPr>
+            <a:r>
+              <a:rPr lang="es-ES" sz="3200" noProof="0" dirty="0" smtClean="0">
+                <a:latin typeface="Underwood Champion" pitchFamily="2" charset="0"/>
+                <a:ea typeface="+mj-ea"/>
+                <a:cs typeface="+mj-cs"/>
+              </a:rPr>
+              <a:t>Zurdos </a:t>
+            </a:r>
+            <a:r>
+              <a:rPr lang="es-ES" sz="3200" noProof="0" dirty="0" err="1" smtClean="0">
+                <a:latin typeface="Underwood Champion" pitchFamily="2" charset="0"/>
+                <a:ea typeface="+mj-ea"/>
+                <a:cs typeface="+mj-cs"/>
+              </a:rPr>
+              <a:t>friendly</a:t>
             </a:r>
             <a:endParaRPr kumimoji="0" lang="es-ES" sz="3200" b="0" i="0" u="none" strike="noStrike" kern="1200" cap="none" spc="0" normalizeH="0" baseline="0" noProof="0" dirty="0" smtClean="0">
               <a:ln>
@@ -4297,7 +4463,7 @@
       </p:sp>
       <p:sp>
         <p:nvSpPr>
-          <p:cNvPr id="6" name="1 Título"/>
+          <p:cNvPr id="8" name="1 Título"/>
           <p:cNvSpPr txBox="1">
             <a:spLocks/>
           </p:cNvSpPr>
@@ -4305,8 +4471,8 @@
         </p:nvSpPr>
         <p:spPr>
           <a:xfrm>
-            <a:off x="1357290" y="4357694"/>
-            <a:ext cx="3000396" cy="714380"/>
+            <a:off x="3857620" y="1357298"/>
+            <a:ext cx="3929090" cy="928694"/>
           </a:xfrm>
           <a:prstGeom prst="rect">
             <a:avLst/>
@@ -4337,18 +4503,38 @@
             </a:pPr>
             <a:r>
               <a:rPr lang="es-ES" sz="3200" noProof="0" dirty="0" err="1" smtClean="0">
+                <a:solidFill>
+                  <a:schemeClr val="accent3">
+                    <a:lumMod val="75000"/>
+                  </a:schemeClr>
+                </a:solidFill>
                 <a:latin typeface="Underwood Champion" pitchFamily="2" charset="0"/>
                 <a:ea typeface="+mj-ea"/>
                 <a:cs typeface="+mj-cs"/>
               </a:rPr>
-              <a:t>Tablets</a:t>
+              <a:t>Android</a:t>
+            </a:r>
+            <a:r>
+              <a:rPr lang="es-ES" sz="3200" noProof="0" dirty="0" smtClean="0">
+                <a:solidFill>
+                  <a:schemeClr val="accent3">
+                    <a:lumMod val="75000"/>
+                  </a:schemeClr>
+                </a:solidFill>
+                <a:latin typeface="Underwood Champion" pitchFamily="2" charset="0"/>
+                <a:ea typeface="+mj-ea"/>
+                <a:cs typeface="+mj-cs"/>
+              </a:rPr>
+              <a:t> v4.0.3</a:t>
             </a:r>
             <a:endParaRPr kumimoji="0" lang="es-ES" sz="3200" b="0" i="0" u="none" strike="noStrike" kern="1200" cap="none" spc="0" normalizeH="0" baseline="0" noProof="0" dirty="0" smtClean="0">
               <a:ln>
                 <a:noFill/>
               </a:ln>
               <a:solidFill>
-                <a:schemeClr val="tx1"/>
+                <a:schemeClr val="accent3">
+                  <a:lumMod val="75000"/>
+                </a:schemeClr>
               </a:solidFill>
               <a:effectLst/>
               <a:uLnTx/>
@@ -4362,7 +4548,7 @@
       </p:sp>
       <p:sp>
         <p:nvSpPr>
-          <p:cNvPr id="7" name="1 Título"/>
+          <p:cNvPr id="9" name="1 Título"/>
           <p:cNvSpPr txBox="1">
             <a:spLocks/>
           </p:cNvSpPr>
@@ -4370,7 +4556,7 @@
         </p:nvSpPr>
         <p:spPr>
           <a:xfrm>
-            <a:off x="4500562" y="2643182"/>
+            <a:off x="0" y="1785926"/>
             <a:ext cx="4357718" cy="1214446"/>
           </a:xfrm>
           <a:prstGeom prst="rect">
@@ -4401,27 +4587,22 @@
               <a:defRPr/>
             </a:pPr>
             <a:r>
-              <a:rPr lang="es-ES" sz="3200" noProof="0" dirty="0" smtClean="0">
+              <a:rPr lang="es-ES" sz="3200" dirty="0" err="1" smtClean="0">
+                <a:solidFill>
+                  <a:schemeClr val="accent2"/>
+                </a:solidFill>
                 <a:latin typeface="Underwood Champion" pitchFamily="2" charset="0"/>
                 <a:ea typeface="+mj-ea"/>
                 <a:cs typeface="+mj-cs"/>
               </a:rPr>
-              <a:t>Zurdos </a:t>
-            </a:r>
-            <a:r>
-              <a:rPr lang="es-ES" sz="3200" noProof="0" dirty="0" err="1" smtClean="0">
-                <a:latin typeface="Underwood Champion" pitchFamily="2" charset="0"/>
-                <a:ea typeface="+mj-ea"/>
-                <a:cs typeface="+mj-cs"/>
-              </a:rPr>
-              <a:t>friendly</a:t>
+              <a:t>SQLite</a:t>
             </a:r>
             <a:endParaRPr kumimoji="0" lang="es-ES" sz="3200" b="0" i="0" u="none" strike="noStrike" kern="1200" cap="none" spc="0" normalizeH="0" baseline="0" noProof="0" dirty="0" smtClean="0">
               <a:ln>
                 <a:noFill/>
               </a:ln>
               <a:solidFill>
-                <a:schemeClr val="tx1"/>
+                <a:schemeClr val="accent2"/>
               </a:solidFill>
               <a:effectLst/>
               <a:uLnTx/>
@@ -4435,7 +4616,7 @@
       </p:sp>
       <p:sp>
         <p:nvSpPr>
-          <p:cNvPr id="8" name="1 Título"/>
+          <p:cNvPr id="10" name="1 Título"/>
           <p:cNvSpPr txBox="1">
             <a:spLocks/>
           </p:cNvSpPr>
@@ -4443,8 +4624,8 @@
         </p:nvSpPr>
         <p:spPr>
           <a:xfrm>
-            <a:off x="3857620" y="1357298"/>
-            <a:ext cx="3929090" cy="928694"/>
+            <a:off x="0" y="3143248"/>
+            <a:ext cx="4357718" cy="1214446"/>
           </a:xfrm>
           <a:prstGeom prst="rect">
             <a:avLst/>
@@ -4474,27 +4655,22 @@
               <a:defRPr/>
             </a:pPr>
             <a:r>
-              <a:rPr lang="es-ES" sz="3200" noProof="0" dirty="0" err="1" smtClean="0">
+              <a:rPr lang="es-ES" sz="3200" dirty="0" err="1" smtClean="0">
+                <a:solidFill>
+                  <a:schemeClr val="tx2"/>
+                </a:solidFill>
                 <a:latin typeface="Underwood Champion" pitchFamily="2" charset="0"/>
                 <a:ea typeface="+mj-ea"/>
                 <a:cs typeface="+mj-cs"/>
               </a:rPr>
-              <a:t>Android</a:t>
-            </a:r>
-            <a:r>
-              <a:rPr lang="es-ES" sz="3200" noProof="0" dirty="0" smtClean="0">
-                <a:latin typeface="Underwood Champion" pitchFamily="2" charset="0"/>
-                <a:ea typeface="+mj-ea"/>
-                <a:cs typeface="+mj-cs"/>
-              </a:rPr>
-              <a:t> v4.0.3</a:t>
+              <a:t>Smartphones</a:t>
             </a:r>
             <a:endParaRPr kumimoji="0" lang="es-ES" sz="3200" b="0" i="0" u="none" strike="noStrike" kern="1200" cap="none" spc="0" normalizeH="0" baseline="0" noProof="0" dirty="0" smtClean="0">
               <a:ln>
                 <a:noFill/>
               </a:ln>
               <a:solidFill>
-                <a:schemeClr val="tx1"/>
+                <a:schemeClr val="tx2"/>
               </a:solidFill>
               <a:effectLst/>
               <a:uLnTx/>
@@ -4508,7 +4684,7 @@
       </p:sp>
       <p:sp>
         <p:nvSpPr>
-          <p:cNvPr id="9" name="1 Título"/>
+          <p:cNvPr id="11" name="1 Título"/>
           <p:cNvSpPr txBox="1">
             <a:spLocks/>
           </p:cNvSpPr>
@@ -4516,7 +4692,7 @@
         </p:nvSpPr>
         <p:spPr>
           <a:xfrm>
-            <a:off x="0" y="1785926"/>
+            <a:off x="4500562" y="4143380"/>
             <a:ext cx="4357718" cy="1214446"/>
           </a:xfrm>
           <a:prstGeom prst="rect">
@@ -4548,148 +4724,25 @@
             </a:pPr>
             <a:r>
               <a:rPr lang="es-ES" sz="3200" dirty="0" err="1" smtClean="0">
+                <a:solidFill>
+                  <a:schemeClr val="accent6">
+                    <a:lumMod val="75000"/>
+                  </a:schemeClr>
+                </a:solidFill>
                 <a:latin typeface="Underwood Champion" pitchFamily="2" charset="0"/>
                 <a:ea typeface="+mj-ea"/>
                 <a:cs typeface="+mj-cs"/>
               </a:rPr>
-              <a:t>SQLite</a:t>
+              <a:t>Flavors</a:t>
             </a:r>
             <a:endParaRPr kumimoji="0" lang="es-ES" sz="3200" b="0" i="0" u="none" strike="noStrike" kern="1200" cap="none" spc="0" normalizeH="0" baseline="0" noProof="0" dirty="0" smtClean="0">
               <a:ln>
                 <a:noFill/>
               </a:ln>
               <a:solidFill>
-                <a:schemeClr val="tx1"/>
-              </a:solidFill>
-              <a:effectLst/>
-              <a:uLnTx/>
-              <a:uFillTx/>
-              <a:latin typeface="Underwood Champion" pitchFamily="2" charset="0"/>
-              <a:ea typeface="+mj-ea"/>
-              <a:cs typeface="+mj-cs"/>
-            </a:endParaRPr>
-          </a:p>
-        </p:txBody>
-      </p:sp>
-      <p:sp>
-        <p:nvSpPr>
-          <p:cNvPr id="10" name="1 Título"/>
-          <p:cNvSpPr txBox="1">
-            <a:spLocks/>
-          </p:cNvSpPr>
-          <p:nvPr/>
-        </p:nvSpPr>
-        <p:spPr>
-          <a:xfrm>
-            <a:off x="0" y="3143248"/>
-            <a:ext cx="4357718" cy="1214446"/>
-          </a:xfrm>
-          <a:prstGeom prst="rect">
-            <a:avLst/>
-          </a:prstGeom>
-        </p:spPr>
-        <p:txBody>
-          <a:bodyPr vert="horz" lIns="91440" tIns="45720" rIns="91440" bIns="45720" rtlCol="0" anchor="ctr">
-            <a:normAutofit/>
-          </a:bodyPr>
-          <a:lstStyle/>
-          <a:p>
-            <a:pPr marL="0" marR="0" lvl="0" indent="0" algn="ctr" defTabSz="914400" rtl="0" eaLnBrk="1" fontAlgn="auto" latinLnBrk="0" hangingPunct="1">
-              <a:lnSpc>
-                <a:spcPct val="100000"/>
-              </a:lnSpc>
-              <a:spcBef>
-                <a:spcPct val="0"/>
-              </a:spcBef>
-              <a:spcAft>
-                <a:spcPts val="0"/>
-              </a:spcAft>
-              <a:buClrTx/>
-              <a:buSzTx/>
-              <a:buFontTx/>
-              <a:buNone/>
-              <a:tabLst/>
-              <a:defRPr/>
-            </a:pPr>
-            <a:r>
-              <a:rPr lang="es-ES" sz="3200" dirty="0" err="1" smtClean="0">
-                <a:latin typeface="Underwood Champion" pitchFamily="2" charset="0"/>
-                <a:ea typeface="+mj-ea"/>
-                <a:cs typeface="+mj-cs"/>
-              </a:rPr>
-              <a:t>Smartphones</a:t>
-            </a:r>
-            <a:endParaRPr kumimoji="0" lang="es-ES" sz="3200" b="0" i="0" u="none" strike="noStrike" kern="1200" cap="none" spc="0" normalizeH="0" baseline="0" noProof="0" dirty="0" smtClean="0">
-              <a:ln>
-                <a:noFill/>
-              </a:ln>
-              <a:solidFill>
-                <a:schemeClr val="tx1"/>
-              </a:solidFill>
-              <a:effectLst/>
-              <a:uLnTx/>
-              <a:uFillTx/>
-              <a:latin typeface="Underwood Champion" pitchFamily="2" charset="0"/>
-              <a:ea typeface="+mj-ea"/>
-              <a:cs typeface="+mj-cs"/>
-            </a:endParaRPr>
-          </a:p>
-        </p:txBody>
-      </p:sp>
-      <p:sp>
-        <p:nvSpPr>
-          <p:cNvPr id="11" name="1 Título"/>
-          <p:cNvSpPr txBox="1">
-            <a:spLocks/>
-          </p:cNvSpPr>
-          <p:nvPr/>
-        </p:nvSpPr>
-        <p:spPr>
-          <a:xfrm>
-            <a:off x="4500562" y="4143380"/>
-            <a:ext cx="4357718" cy="1214446"/>
-          </a:xfrm>
-          <a:prstGeom prst="rect">
-            <a:avLst/>
-          </a:prstGeom>
-        </p:spPr>
-        <p:txBody>
-          <a:bodyPr vert="horz" lIns="91440" tIns="45720" rIns="91440" bIns="45720" rtlCol="0" anchor="ctr">
-            <a:normAutofit/>
-          </a:bodyPr>
-          <a:lstStyle/>
-          <a:p>
-            <a:pPr marL="0" marR="0" lvl="0" indent="0" algn="ctr" defTabSz="914400" rtl="0" eaLnBrk="1" fontAlgn="auto" latinLnBrk="0" hangingPunct="1">
-              <a:lnSpc>
-                <a:spcPct val="100000"/>
-              </a:lnSpc>
-              <a:spcBef>
-                <a:spcPct val="0"/>
-              </a:spcBef>
-              <a:spcAft>
-                <a:spcPts val="0"/>
-              </a:spcAft>
-              <a:buClrTx/>
-              <a:buSzTx/>
-              <a:buFontTx/>
-              <a:buNone/>
-              <a:tabLst/>
-              <a:defRPr/>
-            </a:pPr>
-            <a:r>
-              <a:rPr lang="es-ES" sz="3200" dirty="0" err="1" smtClean="0">
-                <a:latin typeface="Underwood Champion" pitchFamily="2" charset="0"/>
-                <a:ea typeface="+mj-ea"/>
-                <a:cs typeface="+mj-cs"/>
-              </a:rPr>
-              <a:t>Flavors</a:t>
-            </a:r>
-            <a:endParaRPr kumimoji="0" lang="es-ES" sz="3200" b="0" i="0" u="none" strike="noStrike" kern="1200" cap="none" spc="0" normalizeH="0" baseline="0" noProof="0" dirty="0" smtClean="0">
-              <a:ln>
-                <a:noFill/>
-              </a:ln>
-              <a:solidFill>
-                <a:schemeClr val="tx1"/>
+                <a:schemeClr val="accent6">
+                  <a:lumMod val="75000"/>
+                </a:schemeClr>
               </a:solidFill>
               <a:effectLst/>
               <a:uLnTx/>
@@ -11551,12 +11604,12 @@
               <a:defRPr/>
             </a:pPr>
             <a:r>
-              <a:rPr lang="es-ES" sz="4400" noProof="0" dirty="0" smtClean="0">
+              <a:rPr lang="es-ES" sz="4400" dirty="0" smtClean="0">
                 <a:latin typeface="Underwood Champion" pitchFamily="2" charset="0"/>
                 <a:ea typeface="+mj-ea"/>
                 <a:cs typeface="+mj-cs"/>
               </a:rPr>
-              <a:t>PRUEBAS</a:t>
+              <a:t>PÁGINA WEB</a:t>
             </a:r>
             <a:endParaRPr kumimoji="0" lang="es-ES" sz="4400" b="0" i="0" u="none" strike="noStrike" kern="1200" cap="none" spc="0" normalizeH="0" baseline="0" noProof="0" dirty="0" smtClean="0">
               <a:ln>
@@ -11585,120 +11638,103 @@
         </p:nvSpPr>
         <p:spPr>
           <a:xfrm>
-            <a:off x="1071538" y="1071546"/>
-            <a:ext cx="6929486" cy="1357322"/>
-          </a:xfrm>
-          <a:prstGeom prst="rect">
-            <a:avLst/>
-          </a:prstGeom>
-        </p:spPr>
-        <p:txBody>
-          <a:bodyPr vert="horz" lIns="91440" tIns="45720" rIns="91440" bIns="45720" rtlCol="0" anchor="t" anchorCtr="0">
+            <a:off x="0" y="5786454"/>
+            <a:ext cx="9144000" cy="1071546"/>
+          </a:xfrm>
+          <a:prstGeom prst="rect">
+            <a:avLst/>
+          </a:prstGeom>
+        </p:spPr>
+        <p:txBody>
+          <a:bodyPr vert="horz" lIns="91440" tIns="45720" rIns="91440" bIns="45720" rtlCol="0" anchor="ctr">
             <a:normAutofit/>
           </a:bodyPr>
           <a:lstStyle/>
           <a:p>
-            <a:pPr marL="0" marR="0" lvl="0" indent="0" defTabSz="914400" rtl="0" eaLnBrk="1" fontAlgn="auto" latinLnBrk="0" hangingPunct="1">
-              <a:lnSpc>
-                <a:spcPct val="100000"/>
-              </a:lnSpc>
-              <a:spcBef>
-                <a:spcPct val="0"/>
-              </a:spcBef>
-              <a:spcAft>
-                <a:spcPts val="0"/>
-              </a:spcAft>
-              <a:buClrTx/>
-              <a:buSzTx/>
+            <a:pPr marL="0" marR="0" lvl="0" indent="0" algn="ctr" defTabSz="914400" rtl="0" eaLnBrk="1" fontAlgn="auto" latinLnBrk="0" hangingPunct="1">
+              <a:lnSpc>
+                <a:spcPct val="100000"/>
+              </a:lnSpc>
+              <a:spcBef>
+                <a:spcPct val="0"/>
+              </a:spcBef>
+              <a:spcAft>
+                <a:spcPts val="0"/>
+              </a:spcAft>
+              <a:buClrTx/>
+              <a:buSzTx/>
+              <a:buFontTx/>
+              <a:buNone/>
               <a:tabLst/>
               <a:defRPr/>
             </a:pPr>
             <a:r>
               <a:rPr lang="es-ES" sz="3200" dirty="0" smtClean="0">
-                <a:ea typeface="+mj-ea"/>
-                <a:cs typeface="+mj-cs"/>
-              </a:rPr>
-              <a:t>También hay que realizar pruebas sobre la página web:</a:t>
-            </a:r>
-          </a:p>
-        </p:txBody>
-      </p:sp>
-      <p:sp>
-        <p:nvSpPr>
-          <p:cNvPr id="6" name="5 Rectángulo"/>
-          <p:cNvSpPr/>
-          <p:nvPr/>
-        </p:nvSpPr>
-        <p:spPr>
-          <a:xfrm>
-            <a:off x="1071538" y="2786058"/>
-            <a:ext cx="6858048" cy="4071942"/>
-          </a:xfrm>
-          <a:prstGeom prst="rect">
-            <a:avLst/>
-          </a:prstGeom>
-        </p:spPr>
-        <p:txBody>
-          <a:bodyPr wrap="square">
-            <a:noAutofit/>
-          </a:bodyPr>
-          <a:lstStyle/>
-          <a:p>
-            <a:pPr lvl="0">
-              <a:spcBef>
-                <a:spcPct val="0"/>
-              </a:spcBef>
-              <a:buFont typeface="Wingdings" pitchFamily="2" charset="2"/>
-              <a:buChar char="ü"/>
-              <a:defRPr/>
-            </a:pPr>
-            <a:r>
-              <a:rPr lang="es-ES" sz="4000" dirty="0" smtClean="0">
                 <a:latin typeface="+mj-lt"/>
-              </a:rPr>
-              <a:t>Validación HTML5 y CSS.</a:t>
-            </a:r>
-          </a:p>
-          <a:p>
-            <a:pPr lvl="0">
-              <a:spcBef>
-                <a:spcPct val="0"/>
-              </a:spcBef>
-              <a:buFont typeface="Wingdings" pitchFamily="2" charset="2"/>
-              <a:buChar char="ü"/>
-              <a:defRPr/>
-            </a:pPr>
-            <a:r>
-              <a:rPr lang="es-ES" sz="4000" dirty="0" err="1" smtClean="0">
+                <a:ea typeface="+mj-ea"/>
+                <a:cs typeface="+mj-cs"/>
+              </a:rPr>
+              <a:t>Vídeo de </a:t>
+            </a:r>
+            <a:r>
+              <a:rPr lang="es-ES" sz="3200" dirty="0" err="1" smtClean="0">
                 <a:latin typeface="+mj-lt"/>
-              </a:rPr>
-              <a:t>Responsive</a:t>
-            </a:r>
-            <a:r>
-              <a:rPr lang="es-ES" sz="4000" dirty="0" smtClean="0">
-                <a:latin typeface="+mj-lt"/>
-              </a:rPr>
-              <a:t>.</a:t>
-            </a:r>
-          </a:p>
-          <a:p>
-            <a:pPr lvl="0">
-              <a:spcBef>
-                <a:spcPct val="0"/>
-              </a:spcBef>
-              <a:buFont typeface="Wingdings" pitchFamily="2" charset="2"/>
-              <a:buChar char="ü"/>
-              <a:defRPr/>
-            </a:pPr>
-            <a:r>
-              <a:rPr lang="es-ES" sz="4000" dirty="0" smtClean="0">
-                <a:latin typeface="+mj-lt"/>
-              </a:rPr>
-              <a:t>Enlaces con parámetros.</a:t>
-            </a:r>
-          </a:p>
-        </p:txBody>
-      </p:sp>
+                <a:ea typeface="+mj-ea"/>
+                <a:cs typeface="+mj-cs"/>
+              </a:rPr>
+              <a:t>YouTube</a:t>
+            </a:r>
+            <a:endParaRPr kumimoji="0" lang="es-ES" sz="3200" b="0" i="0" u="none" strike="noStrike" kern="1200" cap="none" spc="0" normalizeH="0" baseline="0" noProof="0" dirty="0" smtClean="0">
+              <a:ln>
+                <a:noFill/>
+              </a:ln>
+              <a:solidFill>
+                <a:schemeClr val="tx1"/>
+              </a:solidFill>
+              <a:effectLst/>
+              <a:uLnTx/>
+              <a:uFillTx/>
+              <a:latin typeface="+mj-lt"/>
+              <a:ea typeface="+mj-ea"/>
+              <a:cs typeface="+mj-cs"/>
+            </a:endParaRPr>
+          </a:p>
+        </p:txBody>
+      </p:sp>
+      <p:pic>
+        <p:nvPicPr>
+          <p:cNvPr id="1026" name="Picture 2" descr="C:\Users\Miguel\PendriveFlorida\Proyecto\cosas\portada_video.png"/>
+          <p:cNvPicPr>
+            <a:picLocks noChangeAspect="1" noChangeArrowheads="1"/>
+          </p:cNvPicPr>
+          <p:nvPr/>
+        </p:nvPicPr>
+        <p:blipFill>
+          <a:blip r:embed="rId2" cstate="print"/>
+          <a:srcRect/>
+          <a:stretch>
+            <a:fillRect/>
+          </a:stretch>
+        </p:blipFill>
+        <p:spPr bwMode="auto">
+          <a:xfrm>
+            <a:off x="1285852" y="857232"/>
+            <a:ext cx="6581657" cy="4936243"/>
+          </a:xfrm>
+          <a:prstGeom prst="rect">
+            <a:avLst/>
+          </a:prstGeom>
+          <a:noFill/>
+          <a:ln>
+            <a:solidFill>
+              <a:schemeClr val="tx1">
+                <a:lumMod val="50000"/>
+                <a:lumOff val="50000"/>
+              </a:schemeClr>
+            </a:solidFill>
+          </a:ln>
+        </p:spPr>
+      </p:pic>
     </p:spTree>
   </p:cSld>
   <p:clrMapOvr>
@@ -11777,7 +11813,7 @@
                 <a:ea typeface="+mj-ea"/>
                 <a:cs typeface="+mj-cs"/>
               </a:rPr>
-              <a:t>PÁGINA WEB</a:t>
+              <a:t>PRUEBAS</a:t>
             </a:r>
             <a:endParaRPr kumimoji="0" lang="es-ES" sz="4400" b="0" i="0" u="none" strike="noStrike" kern="1200" cap="none" spc="0" normalizeH="0" baseline="0" noProof="0" dirty="0" smtClean="0">
               <a:ln>
@@ -11806,123 +11842,54 @@
         </p:nvSpPr>
         <p:spPr>
           <a:xfrm>
-            <a:off x="0" y="6143620"/>
-            <a:ext cx="9144000" cy="714380"/>
-          </a:xfrm>
-          <a:prstGeom prst="rect">
-            <a:avLst/>
-          </a:prstGeom>
-        </p:spPr>
-        <p:txBody>
-          <a:bodyPr vert="horz" lIns="91440" tIns="45720" rIns="91440" bIns="45720" rtlCol="0" anchor="ctr">
-            <a:normAutofit lnSpcReduction="10000"/>
+            <a:off x="1071538" y="1071546"/>
+            <a:ext cx="6929486" cy="1357322"/>
+          </a:xfrm>
+          <a:prstGeom prst="rect">
+            <a:avLst/>
+          </a:prstGeom>
+        </p:spPr>
+        <p:txBody>
+          <a:bodyPr vert="horz" lIns="91440" tIns="45720" rIns="91440" bIns="45720" rtlCol="0" anchor="t" anchorCtr="0">
+            <a:normAutofit/>
           </a:bodyPr>
           <a:lstStyle/>
           <a:p>
-            <a:pPr marL="0" marR="0" lvl="0" indent="0" algn="ctr" defTabSz="914400" rtl="0" eaLnBrk="1" fontAlgn="auto" latinLnBrk="0" hangingPunct="1">
-              <a:lnSpc>
-                <a:spcPct val="100000"/>
-              </a:lnSpc>
-              <a:spcBef>
-                <a:spcPct val="0"/>
-              </a:spcBef>
-              <a:spcAft>
-                <a:spcPts val="0"/>
-              </a:spcAft>
-              <a:buClrTx/>
-              <a:buSzTx/>
-              <a:buFontTx/>
-              <a:buNone/>
-              <a:tabLst/>
-              <a:defRPr/>
-            </a:pPr>
-            <a:r>
-              <a:rPr lang="es-ES" sz="4400" dirty="0" smtClean="0">
-                <a:latin typeface="+mj-lt"/>
-                <a:ea typeface="+mj-ea"/>
-                <a:cs typeface="+mj-cs"/>
-              </a:rPr>
-              <a:t>Validación W3C</a:t>
-            </a:r>
-            <a:endParaRPr kumimoji="0" lang="es-ES" sz="4400" b="0" i="0" u="none" strike="noStrike" kern="1200" cap="none" spc="0" normalizeH="0" baseline="0" noProof="0" dirty="0" smtClean="0">
-              <a:ln>
-                <a:noFill/>
-              </a:ln>
-              <a:solidFill>
-                <a:schemeClr val="tx1"/>
-              </a:solidFill>
-              <a:effectLst/>
-              <a:uLnTx/>
-              <a:uFillTx/>
-              <a:latin typeface="+mj-lt"/>
-              <a:ea typeface="+mj-ea"/>
-              <a:cs typeface="+mj-cs"/>
-            </a:endParaRPr>
-          </a:p>
-        </p:txBody>
-      </p:sp>
-      <p:pic>
-        <p:nvPicPr>
-          <p:cNvPr id="47106" name="Picture 2" descr="C:\Users\Miguel\PendriveFlorida\Proyecto\web\logo_w3c_html.png"/>
-          <p:cNvPicPr>
-            <a:picLocks noChangeAspect="1" noChangeArrowheads="1"/>
-          </p:cNvPicPr>
-          <p:nvPr/>
-        </p:nvPicPr>
-        <p:blipFill>
-          <a:blip r:embed="rId2" cstate="print"/>
-          <a:srcRect/>
-          <a:stretch>
-            <a:fillRect/>
-          </a:stretch>
-        </p:blipFill>
-        <p:spPr bwMode="auto">
-          <a:xfrm>
-            <a:off x="1428728" y="2571744"/>
-            <a:ext cx="3041875" cy="1071570"/>
-          </a:xfrm>
-          <a:prstGeom prst="rect">
-            <a:avLst/>
-          </a:prstGeom>
-          <a:noFill/>
-        </p:spPr>
-      </p:pic>
-      <p:pic>
-        <p:nvPicPr>
-          <p:cNvPr id="47107" name="Picture 3" descr="C:\Users\Miguel\PendriveFlorida\Proyecto\web\logo_w3c_css.png"/>
-          <p:cNvPicPr>
-            <a:picLocks noChangeAspect="1" noChangeArrowheads="1"/>
-          </p:cNvPicPr>
-          <p:nvPr/>
-        </p:nvPicPr>
-        <p:blipFill>
-          <a:blip r:embed="rId3" cstate="print"/>
-          <a:srcRect/>
-          <a:stretch>
-            <a:fillRect/>
-          </a:stretch>
-        </p:blipFill>
-        <p:spPr bwMode="auto">
-          <a:xfrm>
-            <a:off x="4786314" y="2571744"/>
-            <a:ext cx="3030354" cy="1067511"/>
-          </a:xfrm>
-          <a:prstGeom prst="rect">
-            <a:avLst/>
-          </a:prstGeom>
-          <a:noFill/>
-        </p:spPr>
-      </p:pic>
-      <p:sp>
-        <p:nvSpPr>
-          <p:cNvPr id="9" name="8 Rectángulo"/>
+            <a:pPr marL="0" marR="0" lvl="0" indent="0" defTabSz="914400" rtl="0" eaLnBrk="1" fontAlgn="auto" latinLnBrk="0" hangingPunct="1">
+              <a:lnSpc>
+                <a:spcPct val="100000"/>
+              </a:lnSpc>
+              <a:spcBef>
+                <a:spcPct val="0"/>
+              </a:spcBef>
+              <a:spcAft>
+                <a:spcPts val="0"/>
+              </a:spcAft>
+              <a:buClrTx/>
+              <a:buSzTx/>
+              <a:tabLst/>
+              <a:defRPr/>
+            </a:pPr>
+            <a:r>
+              <a:rPr lang="es-ES" sz="3200" dirty="0" smtClean="0">
+                <a:ea typeface="+mj-ea"/>
+                <a:cs typeface="+mj-cs"/>
+              </a:rPr>
+              <a:t>También hay que realizar pruebas sobre la página web:</a:t>
+            </a:r>
+          </a:p>
+        </p:txBody>
+      </p:sp>
+      <p:sp>
+        <p:nvSpPr>
+          <p:cNvPr id="6" name="5 Rectángulo"/>
           <p:cNvSpPr/>
           <p:nvPr/>
         </p:nvSpPr>
         <p:spPr>
           <a:xfrm>
-            <a:off x="0" y="1142984"/>
-            <a:ext cx="9144000" cy="584775"/>
+            <a:off x="1071538" y="2786058"/>
+            <a:ext cx="6858048" cy="4071942"/>
           </a:xfrm>
           <a:prstGeom prst="rect">
             <a:avLst/>
@@ -11930,134 +11897,65 @@
         </p:spPr>
         <p:txBody>
           <a:bodyPr wrap="square">
-            <a:spAutoFit/>
+            <a:noAutofit/>
           </a:bodyPr>
           <a:lstStyle/>
           <a:p>
-            <a:r>
-              <a:rPr lang="es-ES" sz="3200" dirty="0" smtClean="0">
+            <a:pPr lvl="0">
+              <a:spcBef>
+                <a:spcPct val="0"/>
+              </a:spcBef>
+              <a:buFont typeface="Wingdings" pitchFamily="2" charset="2"/>
+              <a:buChar char="ü"/>
+              <a:defRPr/>
+            </a:pPr>
+            <a:r>
+              <a:rPr lang="es-ES" sz="4000" dirty="0" smtClean="0">
                 <a:latin typeface="+mj-lt"/>
               </a:rPr>
-              <a:t>http://validator.w3.org/</a:t>
-            </a:r>
-            <a:endParaRPr lang="es-ES" sz="3200" dirty="0">
-              <a:latin typeface="+mj-lt"/>
-            </a:endParaRPr>
-          </a:p>
-        </p:txBody>
-      </p:sp>
-      <p:sp>
-        <p:nvSpPr>
-          <p:cNvPr id="10" name="9 Rectángulo"/>
-          <p:cNvSpPr/>
-          <p:nvPr/>
-        </p:nvSpPr>
-        <p:spPr>
-          <a:xfrm>
-            <a:off x="1" y="4929198"/>
-            <a:ext cx="9144000" cy="584775"/>
-          </a:xfrm>
-          <a:prstGeom prst="rect">
-            <a:avLst/>
-          </a:prstGeom>
-        </p:spPr>
-        <p:txBody>
-          <a:bodyPr wrap="square">
-            <a:spAutoFit/>
-          </a:bodyPr>
-          <a:lstStyle/>
-          <a:p>
-            <a:pPr algn="r"/>
-            <a:r>
-              <a:rPr lang="es-ES" sz="3200" dirty="0" smtClean="0">
+              <a:t>Validación HTML5 y CSS.</a:t>
+            </a:r>
+          </a:p>
+          <a:p>
+            <a:pPr lvl="0">
+              <a:spcBef>
+                <a:spcPct val="0"/>
+              </a:spcBef>
+              <a:buFont typeface="Wingdings" pitchFamily="2" charset="2"/>
+              <a:buChar char="ü"/>
+              <a:defRPr/>
+            </a:pPr>
+            <a:r>
+              <a:rPr lang="es-ES" sz="4000" dirty="0" err="1" smtClean="0">
                 <a:latin typeface="+mj-lt"/>
               </a:rPr>
-              <a:t>http://jigsaw.w3.org/css-validator/</a:t>
-            </a:r>
-            <a:endParaRPr lang="es-ES" sz="3200" dirty="0">
-              <a:latin typeface="+mj-lt"/>
-            </a:endParaRPr>
-          </a:p>
-        </p:txBody>
-      </p:sp>
-      <p:cxnSp>
-        <p:nvCxnSpPr>
-          <p:cNvPr id="12" name="11 Conector recto de flecha"/>
-          <p:cNvCxnSpPr>
-            <a:stCxn id="9" idx="2"/>
-            <a:endCxn id="47106" idx="0"/>
-          </p:cNvCxnSpPr>
-          <p:nvPr/>
-        </p:nvCxnSpPr>
-        <p:spPr>
-          <a:xfrm rot="5400000">
-            <a:off x="3338841" y="1338584"/>
-            <a:ext cx="843985" cy="1622334"/>
-          </a:xfrm>
-          <a:prstGeom prst="straightConnector1">
-            <a:avLst/>
-          </a:prstGeom>
-          <a:ln w="38100">
-            <a:solidFill>
-              <a:srgbClr val="0070C0"/>
-            </a:solidFill>
-            <a:tailEnd type="arrow"/>
-          </a:ln>
-        </p:spPr>
-        <p:style>
-          <a:lnRef idx="1">
-            <a:schemeClr val="accent1"/>
-          </a:lnRef>
-          <a:fillRef idx="0">
-            <a:schemeClr val="accent1"/>
-          </a:fillRef>
-          <a:effectRef idx="0">
-            <a:schemeClr val="accent1"/>
-          </a:effectRef>
-          <a:fontRef idx="minor">
-            <a:schemeClr val="tx1"/>
-          </a:fontRef>
-        </p:style>
-      </p:cxnSp>
-      <p:cxnSp>
-        <p:nvCxnSpPr>
-          <p:cNvPr id="13" name="12 Conector recto de flecha"/>
-          <p:cNvCxnSpPr>
-            <a:stCxn id="47107" idx="2"/>
-            <a:endCxn id="10" idx="0"/>
-          </p:cNvCxnSpPr>
-          <p:nvPr/>
-        </p:nvCxnSpPr>
-        <p:spPr>
-          <a:xfrm rot="5400000">
-            <a:off x="4791775" y="3419481"/>
-            <a:ext cx="1289943" cy="1729490"/>
-          </a:xfrm>
-          <a:prstGeom prst="straightConnector1">
-            <a:avLst/>
-          </a:prstGeom>
-          <a:ln w="38100">
-            <a:solidFill>
-              <a:srgbClr val="0070C0"/>
-            </a:solidFill>
-            <a:tailEnd type="arrow"/>
-          </a:ln>
-        </p:spPr>
-        <p:style>
-          <a:lnRef idx="1">
-            <a:schemeClr val="accent1"/>
-          </a:lnRef>
-          <a:fillRef idx="0">
-            <a:schemeClr val="accent1"/>
-          </a:fillRef>
-          <a:effectRef idx="0">
-            <a:schemeClr val="accent1"/>
-          </a:effectRef>
-          <a:fontRef idx="minor">
-            <a:schemeClr val="tx1"/>
-          </a:fontRef>
-        </p:style>
-      </p:cxnSp>
+              <a:t>Responsive</a:t>
+            </a:r>
+            <a:r>
+              <a:rPr lang="es-ES" sz="4000" dirty="0" smtClean="0">
+                <a:latin typeface="+mj-lt"/>
+              </a:rPr>
+              <a:t>.</a:t>
+            </a:r>
+          </a:p>
+          <a:p>
+            <a:pPr lvl="0">
+              <a:spcBef>
+                <a:spcPct val="0"/>
+              </a:spcBef>
+              <a:buFont typeface="Wingdings" pitchFamily="2" charset="2"/>
+              <a:buChar char="ü"/>
+              <a:defRPr/>
+            </a:pPr>
+            <a:r>
+              <a:rPr lang="es-ES" sz="4000" dirty="0" smtClean="0">
+                <a:latin typeface="+mj-lt"/>
+              </a:rPr>
+              <a:t>Enlaces con parámetros.</a:t>
+            </a:r>
+          </a:p>
+        </p:txBody>
+      </p:sp>
     </p:spTree>
   </p:cSld>
   <p:clrMapOvr>
@@ -12131,7 +12029,7 @@
               <a:defRPr/>
             </a:pPr>
             <a:r>
-              <a:rPr lang="es-ES" sz="4400" dirty="0" smtClean="0">
+              <a:rPr lang="es-ES" sz="4400" noProof="0" dirty="0" smtClean="0">
                 <a:latin typeface="Underwood Champion" pitchFamily="2" charset="0"/>
                 <a:ea typeface="+mj-ea"/>
                 <a:cs typeface="+mj-cs"/>
@@ -12165,8 +12063,8 @@
         </p:nvSpPr>
         <p:spPr>
           <a:xfrm>
-            <a:off x="0" y="5786454"/>
-            <a:ext cx="9144000" cy="1071546"/>
+            <a:off x="0" y="6143620"/>
+            <a:ext cx="9144000" cy="714380"/>
           </a:xfrm>
           <a:prstGeom prst="rect">
             <a:avLst/>
@@ -12174,7 +12072,7 @@
         </p:spPr>
         <p:txBody>
           <a:bodyPr vert="horz" lIns="91440" tIns="45720" rIns="91440" bIns="45720" rtlCol="0" anchor="ctr">
-            <a:normAutofit/>
+            <a:normAutofit lnSpcReduction="10000"/>
           </a:bodyPr>
           <a:lstStyle/>
           <a:p>
@@ -12196,20 +12094,14 @@
               <a:defRPr/>
             </a:pPr>
             <a:r>
-              <a:rPr lang="es-ES" sz="3200" noProof="0" dirty="0" smtClean="0">
-                <a:ea typeface="+mj-ea"/>
-                <a:cs typeface="+mj-cs"/>
-              </a:rPr>
-              <a:t>Herramientas Google </a:t>
-            </a:r>
-            <a:r>
-              <a:rPr lang="es-ES" sz="3200" noProof="0" dirty="0" err="1" smtClean="0">
-                <a:ea typeface="+mj-ea"/>
-                <a:cs typeface="+mj-cs"/>
-              </a:rPr>
-              <a:t>Chrome</a:t>
-            </a:r>
-            <a:endParaRPr kumimoji="0" lang="es-ES" sz="3200" b="0" i="0" u="none" strike="noStrike" kern="1200" cap="none" spc="0" normalizeH="0" baseline="0" noProof="0" dirty="0" smtClean="0">
+              <a:rPr lang="es-ES" sz="4400" dirty="0" smtClean="0">
+                <a:latin typeface="+mj-lt"/>
+                <a:ea typeface="+mj-ea"/>
+                <a:cs typeface="+mj-cs"/>
+              </a:rPr>
+              <a:t>Validación W3C</a:t>
+            </a:r>
+            <a:endParaRPr kumimoji="0" lang="es-ES" sz="4400" b="0" i="0" u="none" strike="noStrike" kern="1200" cap="none" spc="0" normalizeH="0" baseline="0" noProof="0" dirty="0" smtClean="0">
               <a:ln>
                 <a:noFill/>
               </a:ln>
@@ -12219,6 +12111,7 @@
               <a:effectLst/>
               <a:uLnTx/>
               <a:uFillTx/>
+              <a:latin typeface="+mj-lt"/>
               <a:ea typeface="+mj-ea"/>
               <a:cs typeface="+mj-cs"/>
             </a:endParaRPr>
@@ -12227,8 +12120,10 @@
       </p:sp>
       <p:pic>
         <p:nvPicPr>
-          <p:cNvPr id="6" name="5 Imagen"/>
-          <p:cNvPicPr/>
+          <p:cNvPr id="47106" name="Picture 2" descr="C:\Users\Miguel\PendriveFlorida\Proyecto\web\logo_w3c_html.png"/>
+          <p:cNvPicPr>
+            <a:picLocks noChangeAspect="1" noChangeArrowheads="1"/>
+          </p:cNvPicPr>
           <p:nvPr/>
         </p:nvPicPr>
         <p:blipFill>
@@ -12240,26 +12135,186 @@
         </p:blipFill>
         <p:spPr bwMode="auto">
           <a:xfrm>
-            <a:off x="285720" y="857232"/>
-            <a:ext cx="8582415" cy="4857784"/>
+            <a:off x="1428728" y="2571744"/>
+            <a:ext cx="3041875" cy="1071570"/>
           </a:xfrm>
           <a:prstGeom prst="rect">
             <a:avLst/>
           </a:prstGeom>
           <a:noFill/>
-          <a:ln w="9525">
+        </p:spPr>
+      </p:pic>
+      <p:pic>
+        <p:nvPicPr>
+          <p:cNvPr id="47107" name="Picture 3" descr="C:\Users\Miguel\PendriveFlorida\Proyecto\web\logo_w3c_css.png"/>
+          <p:cNvPicPr>
+            <a:picLocks noChangeAspect="1" noChangeArrowheads="1"/>
+          </p:cNvPicPr>
+          <p:nvPr/>
+        </p:nvPicPr>
+        <p:blipFill>
+          <a:blip r:embed="rId3" cstate="print"/>
+          <a:srcRect/>
+          <a:stretch>
+            <a:fillRect/>
+          </a:stretch>
+        </p:blipFill>
+        <p:spPr bwMode="auto">
+          <a:xfrm>
+            <a:off x="4786314" y="2571744"/>
+            <a:ext cx="3030354" cy="1067511"/>
+          </a:xfrm>
+          <a:prstGeom prst="rect">
+            <a:avLst/>
+          </a:prstGeom>
+          <a:noFill/>
+        </p:spPr>
+      </p:pic>
+      <p:sp>
+        <p:nvSpPr>
+          <p:cNvPr id="9" name="8 Rectángulo"/>
+          <p:cNvSpPr/>
+          <p:nvPr/>
+        </p:nvSpPr>
+        <p:spPr>
+          <a:xfrm>
+            <a:off x="0" y="1142984"/>
+            <a:ext cx="9144000" cy="584775"/>
+          </a:xfrm>
+          <a:prstGeom prst="rect">
+            <a:avLst/>
+          </a:prstGeom>
+        </p:spPr>
+        <p:txBody>
+          <a:bodyPr wrap="square">
+            <a:spAutoFit/>
+          </a:bodyPr>
+          <a:lstStyle/>
+          <a:p>
+            <a:r>
+              <a:rPr lang="es-ES" sz="3200" dirty="0" smtClean="0">
+                <a:latin typeface="+mj-lt"/>
+              </a:rPr>
+              <a:t>http://validator.w3.org/</a:t>
+            </a:r>
+            <a:endParaRPr lang="es-ES" sz="3200" dirty="0">
+              <a:latin typeface="+mj-lt"/>
+            </a:endParaRPr>
+          </a:p>
+        </p:txBody>
+      </p:sp>
+      <p:sp>
+        <p:nvSpPr>
+          <p:cNvPr id="10" name="9 Rectángulo"/>
+          <p:cNvSpPr/>
+          <p:nvPr/>
+        </p:nvSpPr>
+        <p:spPr>
+          <a:xfrm>
+            <a:off x="1" y="4929198"/>
+            <a:ext cx="9144000" cy="584775"/>
+          </a:xfrm>
+          <a:prstGeom prst="rect">
+            <a:avLst/>
+          </a:prstGeom>
+        </p:spPr>
+        <p:txBody>
+          <a:bodyPr wrap="square">
+            <a:spAutoFit/>
+          </a:bodyPr>
+          <a:lstStyle/>
+          <a:p>
+            <a:pPr algn="r"/>
+            <a:r>
+              <a:rPr lang="es-ES" sz="3200" dirty="0" smtClean="0">
+                <a:latin typeface="+mj-lt"/>
+              </a:rPr>
+              <a:t>http://jigsaw.w3.org/css-validator/</a:t>
+            </a:r>
+            <a:endParaRPr lang="es-ES" sz="3200" dirty="0">
+              <a:latin typeface="+mj-lt"/>
+            </a:endParaRPr>
+          </a:p>
+        </p:txBody>
+      </p:sp>
+      <p:cxnSp>
+        <p:nvCxnSpPr>
+          <p:cNvPr id="12" name="11 Conector recto de flecha"/>
+          <p:cNvCxnSpPr>
+            <a:stCxn id="9" idx="2"/>
+            <a:endCxn id="47106" idx="0"/>
+          </p:cNvCxnSpPr>
+          <p:nvPr/>
+        </p:nvCxnSpPr>
+        <p:spPr>
+          <a:xfrm rot="5400000">
+            <a:off x="3338841" y="1338584"/>
+            <a:ext cx="843985" cy="1622334"/>
+          </a:xfrm>
+          <a:prstGeom prst="straightConnector1">
+            <a:avLst/>
+          </a:prstGeom>
+          <a:ln w="38100">
             <a:solidFill>
-              <a:schemeClr val="tx1">
-                <a:lumMod val="50000"/>
-                <a:lumOff val="50000"/>
-              </a:schemeClr>
+              <a:srgbClr val="0070C0"/>
             </a:solidFill>
-            <a:miter lim="800000"/>
-            <a:headEnd/>
-            <a:tailEnd/>
+            <a:tailEnd type="arrow"/>
           </a:ln>
         </p:spPr>
-      </p:pic>
+        <p:style>
+          <a:lnRef idx="1">
+            <a:schemeClr val="accent1"/>
+          </a:lnRef>
+          <a:fillRef idx="0">
+            <a:schemeClr val="accent1"/>
+          </a:fillRef>
+          <a:effectRef idx="0">
+            <a:schemeClr val="accent1"/>
+          </a:effectRef>
+          <a:fontRef idx="minor">
+            <a:schemeClr val="tx1"/>
+          </a:fontRef>
+        </p:style>
+      </p:cxnSp>
+      <p:cxnSp>
+        <p:nvCxnSpPr>
+          <p:cNvPr id="13" name="12 Conector recto de flecha"/>
+          <p:cNvCxnSpPr>
+            <a:stCxn id="47107" idx="2"/>
+            <a:endCxn id="10" idx="0"/>
+          </p:cNvCxnSpPr>
+          <p:nvPr/>
+        </p:nvCxnSpPr>
+        <p:spPr>
+          <a:xfrm rot="5400000">
+            <a:off x="4791775" y="3419481"/>
+            <a:ext cx="1289943" cy="1729490"/>
+          </a:xfrm>
+          <a:prstGeom prst="straightConnector1">
+            <a:avLst/>
+          </a:prstGeom>
+          <a:ln w="38100">
+            <a:solidFill>
+              <a:srgbClr val="0070C0"/>
+            </a:solidFill>
+            <a:tailEnd type="arrow"/>
+          </a:ln>
+        </p:spPr>
+        <p:style>
+          <a:lnRef idx="1">
+            <a:schemeClr val="accent1"/>
+          </a:lnRef>
+          <a:fillRef idx="0">
+            <a:schemeClr val="accent1"/>
+          </a:fillRef>
+          <a:effectRef idx="0">
+            <a:schemeClr val="accent1"/>
+          </a:effectRef>
+          <a:fontRef idx="minor">
+            <a:schemeClr val="tx1"/>
+          </a:fontRef>
+        </p:style>
+      </p:cxnSp>
     </p:spTree>
   </p:cSld>
   <p:clrMapOvr>
@@ -12333,7 +12388,7 @@
               <a:defRPr/>
             </a:pPr>
             <a:r>
-              <a:rPr lang="es-ES" sz="4400" noProof="0" dirty="0" smtClean="0">
+              <a:rPr lang="es-ES" sz="4400" dirty="0" smtClean="0">
                 <a:latin typeface="Underwood Champion" pitchFamily="2" charset="0"/>
                 <a:ea typeface="+mj-ea"/>
                 <a:cs typeface="+mj-cs"/>
@@ -12367,73 +12422,8 @@
         </p:nvSpPr>
         <p:spPr>
           <a:xfrm>
-            <a:off x="0" y="6143620"/>
-            <a:ext cx="9144000" cy="714380"/>
-          </a:xfrm>
-          <a:prstGeom prst="rect">
-            <a:avLst/>
-          </a:prstGeom>
-        </p:spPr>
-        <p:txBody>
-          <a:bodyPr vert="horz" lIns="91440" tIns="45720" rIns="91440" bIns="45720" rtlCol="0" anchor="ctr">
-            <a:noAutofit/>
-          </a:bodyPr>
-          <a:lstStyle/>
-          <a:p>
-            <a:pPr marL="0" marR="0" lvl="0" indent="0" algn="ctr" defTabSz="914400" rtl="0" eaLnBrk="1" fontAlgn="auto" latinLnBrk="0" hangingPunct="1">
-              <a:lnSpc>
-                <a:spcPct val="100000"/>
-              </a:lnSpc>
-              <a:spcBef>
-                <a:spcPct val="0"/>
-              </a:spcBef>
-              <a:spcAft>
-                <a:spcPts val="0"/>
-              </a:spcAft>
-              <a:buClrTx/>
-              <a:buSzTx/>
-              <a:buFontTx/>
-              <a:buNone/>
-              <a:tabLst/>
-              <a:defRPr/>
-            </a:pPr>
-            <a:r>
-              <a:rPr lang="es-ES" sz="4400" noProof="0" dirty="0" smtClean="0">
-                <a:latin typeface="+mj-lt"/>
-                <a:ea typeface="+mj-ea"/>
-                <a:cs typeface="+mj-cs"/>
-              </a:rPr>
-              <a:t>Paso de parámetros</a:t>
-            </a:r>
-            <a:endParaRPr kumimoji="0" lang="es-ES" sz="4400" b="0" i="0" u="none" strike="noStrike" kern="1200" cap="none" spc="0" normalizeH="0" baseline="0" noProof="0" dirty="0" smtClean="0">
-              <a:ln>
-                <a:noFill/>
-              </a:ln>
-              <a:solidFill>
-                <a:schemeClr val="tx1"/>
-              </a:solidFill>
-              <a:effectLst/>
-              <a:uLnTx/>
-              <a:uFillTx/>
-              <a:latin typeface="+mj-lt"/>
-              <a:ea typeface="+mj-ea"/>
-              <a:cs typeface="+mj-cs"/>
-            </a:endParaRPr>
-          </a:p>
-        </p:txBody>
-      </p:sp>
-      <p:sp>
-        <p:nvSpPr>
-          <p:cNvPr id="6" name="1 Título"/>
-          <p:cNvSpPr txBox="1">
-            <a:spLocks/>
-          </p:cNvSpPr>
-          <p:nvPr/>
-        </p:nvSpPr>
-        <p:spPr>
-          <a:xfrm>
-            <a:off x="0" y="4929198"/>
-            <a:ext cx="9144000" cy="714380"/>
+            <a:off x="0" y="5786454"/>
+            <a:ext cx="9144000" cy="1071546"/>
           </a:xfrm>
           <a:prstGeom prst="rect">
             <a:avLst/>
@@ -12463,12 +12453,18 @@
               <a:defRPr/>
             </a:pPr>
             <a:r>
-              <a:rPr lang="es-ES" sz="3200" dirty="0" smtClean="0">
-                <a:latin typeface="+mj-lt"/>
-                <a:ea typeface="+mj-ea"/>
-                <a:cs typeface="+mj-cs"/>
-              </a:rPr>
-              <a:t>Nombre &amp; zurdo &amp; escala</a:t>
+              <a:rPr lang="es-ES" sz="3200" noProof="0" dirty="0" smtClean="0">
+                <a:ea typeface="+mj-ea"/>
+                <a:cs typeface="+mj-cs"/>
+              </a:rPr>
+              <a:t>Herramientas Google </a:t>
+            </a:r>
+            <a:r>
+              <a:rPr lang="es-ES" sz="3200" noProof="0" dirty="0" err="1" smtClean="0">
+                <a:ea typeface="+mj-ea"/>
+                <a:cs typeface="+mj-cs"/>
+              </a:rPr>
+              <a:t>Chrome</a:t>
             </a:r>
             <a:endParaRPr kumimoji="0" lang="es-ES" sz="3200" b="0" i="0" u="none" strike="noStrike" kern="1200" cap="none" spc="0" normalizeH="0" baseline="0" noProof="0" dirty="0" smtClean="0">
               <a:ln>
@@ -12480,7 +12476,6 @@
               <a:effectLst/>
               <a:uLnTx/>
               <a:uFillTx/>
-              <a:latin typeface="+mj-lt"/>
               <a:ea typeface="+mj-ea"/>
               <a:cs typeface="+mj-cs"/>
             </a:endParaRPr>
@@ -12489,7 +12484,7 @@
       </p:sp>
       <p:pic>
         <p:nvPicPr>
-          <p:cNvPr id="7" name="6 Imagen"/>
+          <p:cNvPr id="6" name="5 Imagen"/>
           <p:cNvPicPr/>
           <p:nvPr/>
         </p:nvPicPr>
@@ -12502,8 +12497,8 @@
         </p:blipFill>
         <p:spPr bwMode="auto">
           <a:xfrm>
-            <a:off x="1643042" y="1071546"/>
-            <a:ext cx="5857916" cy="3728728"/>
+            <a:off x="285720" y="857232"/>
+            <a:ext cx="8582415" cy="4857784"/>
           </a:xfrm>
           <a:prstGeom prst="rect">
             <a:avLst/>
@@ -12600,7 +12595,7 @@
                 <a:ea typeface="+mj-ea"/>
                 <a:cs typeface="+mj-cs"/>
               </a:rPr>
-              <a:t>LA MARCA</a:t>
+              <a:t>PÁGINA WEB</a:t>
             </a:r>
             <a:endParaRPr kumimoji="0" lang="es-ES" sz="4400" b="0" i="0" u="none" strike="noStrike" kern="1200" cap="none" spc="0" normalizeH="0" baseline="0" noProof="0" dirty="0" smtClean="0">
               <a:ln>
@@ -12629,403 +12624,45 @@
         </p:nvSpPr>
         <p:spPr>
           <a:xfrm>
-            <a:off x="642910" y="714356"/>
-            <a:ext cx="5000660" cy="5214974"/>
-          </a:xfrm>
-          <a:prstGeom prst="rect">
-            <a:avLst/>
-          </a:prstGeom>
-        </p:spPr>
-        <p:txBody>
-          <a:bodyPr vert="horz" lIns="91440" tIns="45720" rIns="91440" bIns="45720" rtlCol="0" anchor="t" anchorCtr="0">
-            <a:normAutofit/>
+            <a:off x="0" y="6143620"/>
+            <a:ext cx="9144000" cy="714380"/>
+          </a:xfrm>
+          <a:prstGeom prst="rect">
+            <a:avLst/>
+          </a:prstGeom>
+        </p:spPr>
+        <p:txBody>
+          <a:bodyPr vert="horz" lIns="91440" tIns="45720" rIns="91440" bIns="45720" rtlCol="0" anchor="ctr">
+            <a:noAutofit/>
           </a:bodyPr>
           <a:lstStyle/>
           <a:p>
-            <a:pPr marL="0" marR="0" lvl="0" indent="0" defTabSz="914400" rtl="0" eaLnBrk="1" fontAlgn="auto" latinLnBrk="0" hangingPunct="1">
-              <a:lnSpc>
-                <a:spcPct val="100000"/>
-              </a:lnSpc>
-              <a:spcBef>
-                <a:spcPct val="0"/>
-              </a:spcBef>
-              <a:spcAft>
-                <a:spcPts val="0"/>
-              </a:spcAft>
-              <a:buClrTx/>
-              <a:buSzTx/>
-              <a:tabLst/>
-              <a:defRPr/>
-            </a:pPr>
-            <a:endParaRPr lang="es-ES" sz="3200" dirty="0" smtClean="0">
-              <a:latin typeface="Underwood Champion" pitchFamily="2" charset="0"/>
-              <a:ea typeface="+mj-ea"/>
-              <a:cs typeface="+mj-cs"/>
-            </a:endParaRPr>
-          </a:p>
-          <a:p>
-            <a:pPr marL="0" marR="0" lvl="0" indent="0" algn="r" defTabSz="914400" rtl="0" eaLnBrk="1" fontAlgn="auto" latinLnBrk="0" hangingPunct="1">
-              <a:lnSpc>
-                <a:spcPct val="100000"/>
-              </a:lnSpc>
-              <a:spcBef>
-                <a:spcPct val="0"/>
-              </a:spcBef>
-              <a:spcAft>
-                <a:spcPts val="0"/>
-              </a:spcAft>
-              <a:buClrTx/>
-              <a:buSzTx/>
-              <a:tabLst/>
-              <a:defRPr/>
-            </a:pPr>
-            <a:r>
-              <a:rPr lang="es-ES" sz="4000" dirty="0" smtClean="0">
-                <a:ea typeface="+mj-ea"/>
-                <a:cs typeface="+mj-cs"/>
-              </a:rPr>
-              <a:t>Icono de la aplicación:</a:t>
-            </a:r>
-          </a:p>
-          <a:p>
-            <a:pPr marL="0" marR="0" lvl="0" indent="0" algn="r" defTabSz="914400" rtl="0" eaLnBrk="1" fontAlgn="auto" latinLnBrk="0" hangingPunct="1">
-              <a:lnSpc>
-                <a:spcPct val="100000"/>
-              </a:lnSpc>
-              <a:spcBef>
-                <a:spcPct val="0"/>
-              </a:spcBef>
-              <a:spcAft>
-                <a:spcPts val="0"/>
-              </a:spcAft>
-              <a:buClrTx/>
-              <a:buSzTx/>
-              <a:tabLst/>
-              <a:defRPr/>
-            </a:pPr>
-            <a:endParaRPr kumimoji="0" lang="es-ES" sz="2800" b="0" i="0" u="none" strike="noStrike" kern="1200" cap="none" spc="0" normalizeH="0" baseline="0" dirty="0" smtClean="0">
-              <a:ln>
-                <a:noFill/>
-              </a:ln>
-              <a:solidFill>
-                <a:schemeClr val="tx1"/>
-              </a:solidFill>
-              <a:effectLst/>
-              <a:uLnTx/>
-              <a:uFillTx/>
-              <a:latin typeface="Underwood Champion" pitchFamily="2" charset="0"/>
-              <a:ea typeface="+mj-ea"/>
-              <a:cs typeface="+mj-cs"/>
-            </a:endParaRPr>
-          </a:p>
-          <a:p>
-            <a:pPr marL="0" marR="0" lvl="0" indent="0" algn="r" defTabSz="914400" rtl="0" eaLnBrk="1" fontAlgn="auto" latinLnBrk="0" hangingPunct="1">
-              <a:lnSpc>
-                <a:spcPct val="100000"/>
-              </a:lnSpc>
-              <a:spcBef>
-                <a:spcPct val="0"/>
-              </a:spcBef>
-              <a:spcAft>
-                <a:spcPts val="0"/>
-              </a:spcAft>
-              <a:buClrTx/>
-              <a:buSzTx/>
-              <a:tabLst/>
-              <a:defRPr/>
-            </a:pPr>
-            <a:endParaRPr kumimoji="0" lang="es-ES" sz="2800" b="0" i="0" u="none" strike="noStrike" kern="1200" cap="none" spc="0" normalizeH="0" baseline="0" dirty="0" smtClean="0">
-              <a:ln>
-                <a:noFill/>
-              </a:ln>
-              <a:solidFill>
-                <a:schemeClr val="tx1"/>
-              </a:solidFill>
-              <a:effectLst/>
-              <a:uLnTx/>
-              <a:uFillTx/>
-              <a:latin typeface="Underwood Champion" pitchFamily="2" charset="0"/>
-              <a:ea typeface="+mj-ea"/>
-              <a:cs typeface="+mj-cs"/>
-            </a:endParaRPr>
-          </a:p>
-          <a:p>
-            <a:pPr marL="0" marR="0" lvl="0" indent="0" algn="r" defTabSz="914400" rtl="0" eaLnBrk="1" fontAlgn="auto" latinLnBrk="0" hangingPunct="1">
-              <a:lnSpc>
-                <a:spcPct val="100000"/>
-              </a:lnSpc>
-              <a:spcBef>
-                <a:spcPct val="0"/>
-              </a:spcBef>
-              <a:spcAft>
-                <a:spcPts val="0"/>
-              </a:spcAft>
-              <a:buClrTx/>
-              <a:buSzTx/>
-              <a:tabLst/>
-              <a:defRPr/>
-            </a:pPr>
-            <a:endParaRPr kumimoji="0" lang="es-ES" sz="2800" b="0" i="0" u="none" strike="noStrike" kern="1200" cap="none" spc="0" normalizeH="0" baseline="0" dirty="0" smtClean="0">
-              <a:ln>
-                <a:noFill/>
-              </a:ln>
-              <a:solidFill>
-                <a:schemeClr val="tx1"/>
-              </a:solidFill>
-              <a:effectLst/>
-              <a:uLnTx/>
-              <a:uFillTx/>
-              <a:latin typeface="Underwood Champion" pitchFamily="2" charset="0"/>
-              <a:ea typeface="+mj-ea"/>
-              <a:cs typeface="+mj-cs"/>
-            </a:endParaRPr>
-          </a:p>
-          <a:p>
-            <a:pPr marL="0" marR="0" lvl="0" indent="0" algn="r" defTabSz="914400" rtl="0" eaLnBrk="1" fontAlgn="auto" latinLnBrk="0" hangingPunct="1">
-              <a:lnSpc>
-                <a:spcPct val="100000"/>
-              </a:lnSpc>
-              <a:spcBef>
-                <a:spcPct val="0"/>
-              </a:spcBef>
-              <a:spcAft>
-                <a:spcPts val="0"/>
-              </a:spcAft>
-              <a:buClrTx/>
-              <a:buSzTx/>
-              <a:tabLst/>
-              <a:defRPr/>
-            </a:pPr>
-            <a:r>
-              <a:rPr lang="es-ES" sz="4000" dirty="0" smtClean="0">
+            <a:pPr marL="0" marR="0" lvl="0" indent="0" algn="ctr" defTabSz="914400" rtl="0" eaLnBrk="1" fontAlgn="auto" latinLnBrk="0" hangingPunct="1">
+              <a:lnSpc>
+                <a:spcPct val="100000"/>
+              </a:lnSpc>
+              <a:spcBef>
+                <a:spcPct val="0"/>
+              </a:spcBef>
+              <a:spcAft>
+                <a:spcPts val="0"/>
+              </a:spcAft>
+              <a:buClrTx/>
+              <a:buSzTx/>
+              <a:buFontTx/>
+              <a:buNone/>
+              <a:tabLst/>
+              <a:defRPr/>
+            </a:pPr>
+            <a:r>
+              <a:rPr lang="es-ES" sz="4400" noProof="0" dirty="0" smtClean="0">
                 <a:latin typeface="+mj-lt"/>
                 <a:ea typeface="+mj-ea"/>
                 <a:cs typeface="+mj-cs"/>
               </a:rPr>
-              <a:t>Marca del personaje:</a:t>
-            </a:r>
-          </a:p>
-          <a:p>
-            <a:pPr marL="0" marR="0" lvl="0" indent="0" algn="r" defTabSz="914400" rtl="0" eaLnBrk="1" fontAlgn="auto" latinLnBrk="0" hangingPunct="1">
-              <a:lnSpc>
-                <a:spcPct val="100000"/>
-              </a:lnSpc>
-              <a:spcBef>
-                <a:spcPct val="0"/>
-              </a:spcBef>
-              <a:spcAft>
-                <a:spcPts val="0"/>
-              </a:spcAft>
-              <a:buClrTx/>
-              <a:buSzTx/>
-              <a:tabLst/>
-              <a:defRPr/>
-            </a:pPr>
-            <a:endParaRPr lang="es-ES" sz="2800" dirty="0" smtClean="0">
-              <a:latin typeface="Underwood Champion" pitchFamily="2" charset="0"/>
-              <a:ea typeface="+mj-ea"/>
-              <a:cs typeface="+mj-cs"/>
-            </a:endParaRPr>
-          </a:p>
-          <a:p>
-            <a:pPr marL="0" marR="0" lvl="0" indent="0" algn="r" defTabSz="914400" rtl="0" eaLnBrk="1" fontAlgn="auto" latinLnBrk="0" hangingPunct="1">
-              <a:lnSpc>
-                <a:spcPct val="100000"/>
-              </a:lnSpc>
-              <a:spcBef>
-                <a:spcPct val="0"/>
-              </a:spcBef>
-              <a:spcAft>
-                <a:spcPts val="0"/>
-              </a:spcAft>
-              <a:buClrTx/>
-              <a:buSzTx/>
-              <a:tabLst/>
-              <a:defRPr/>
-            </a:pPr>
-            <a:endParaRPr kumimoji="0" lang="es-ES" sz="2800" b="0" i="0" u="none" strike="noStrike" kern="1200" cap="none" spc="0" normalizeH="0" baseline="0" dirty="0" smtClean="0">
-              <a:ln>
-                <a:noFill/>
-              </a:ln>
-              <a:solidFill>
-                <a:schemeClr val="tx1"/>
-              </a:solidFill>
-              <a:effectLst/>
-              <a:uLnTx/>
-              <a:uFillTx/>
-              <a:latin typeface="Underwood Champion" pitchFamily="2" charset="0"/>
-              <a:ea typeface="+mj-ea"/>
-              <a:cs typeface="+mj-cs"/>
-            </a:endParaRPr>
-          </a:p>
-          <a:p>
-            <a:pPr marL="0" marR="0" lvl="0" indent="0" algn="r" defTabSz="914400" rtl="0" eaLnBrk="1" fontAlgn="auto" latinLnBrk="0" hangingPunct="1">
-              <a:lnSpc>
-                <a:spcPct val="100000"/>
-              </a:lnSpc>
-              <a:spcBef>
-                <a:spcPct val="0"/>
-              </a:spcBef>
-              <a:spcAft>
-                <a:spcPts val="0"/>
-              </a:spcAft>
-              <a:buClrTx/>
-              <a:buSzTx/>
-              <a:tabLst/>
-              <a:defRPr/>
-            </a:pPr>
-            <a:endParaRPr kumimoji="0" lang="es-ES" sz="2800" b="0" i="0" u="none" strike="noStrike" kern="1200" cap="none" spc="0" normalizeH="0" baseline="0" dirty="0" smtClean="0">
-              <a:ln>
-                <a:noFill/>
-              </a:ln>
-              <a:solidFill>
-                <a:schemeClr val="tx1"/>
-              </a:solidFill>
-              <a:effectLst/>
-              <a:uLnTx/>
-              <a:uFillTx/>
-              <a:latin typeface="Underwood Champion" pitchFamily="2" charset="0"/>
-              <a:ea typeface="+mj-ea"/>
-              <a:cs typeface="+mj-cs"/>
-            </a:endParaRPr>
-          </a:p>
-          <a:p>
-            <a:pPr marL="0" marR="0" lvl="0" indent="0" algn="r" defTabSz="914400" rtl="0" eaLnBrk="1" fontAlgn="auto" latinLnBrk="0" hangingPunct="1">
-              <a:lnSpc>
-                <a:spcPct val="100000"/>
-              </a:lnSpc>
-              <a:spcBef>
-                <a:spcPct val="0"/>
-              </a:spcBef>
-              <a:spcAft>
-                <a:spcPts val="0"/>
-              </a:spcAft>
-              <a:buClrTx/>
-              <a:buSzTx/>
-              <a:tabLst/>
-              <a:defRPr/>
-            </a:pPr>
-            <a:r>
-              <a:rPr lang="es-ES" sz="4000" dirty="0" smtClean="0">
-                <a:latin typeface="+mj-lt"/>
-                <a:ea typeface="+mj-ea"/>
-                <a:cs typeface="+mj-cs"/>
-              </a:rPr>
-              <a:t>Marca corporativa:</a:t>
-            </a:r>
-          </a:p>
-          <a:p>
-            <a:pPr marL="0" marR="0" lvl="0" indent="0" defTabSz="914400" rtl="0" eaLnBrk="1" fontAlgn="auto" latinLnBrk="0" hangingPunct="1">
-              <a:lnSpc>
-                <a:spcPct val="100000"/>
-              </a:lnSpc>
-              <a:spcBef>
-                <a:spcPct val="0"/>
-              </a:spcBef>
-              <a:spcAft>
-                <a:spcPts val="0"/>
-              </a:spcAft>
-              <a:buClrTx/>
-              <a:buSzTx/>
-              <a:tabLst/>
-              <a:defRPr/>
-            </a:pPr>
-            <a:endParaRPr kumimoji="0" lang="es-ES" sz="3200" b="0" i="0" u="none" strike="noStrike" kern="1200" cap="none" spc="0" normalizeH="0" baseline="0" dirty="0" smtClean="0">
-              <a:ln>
-                <a:noFill/>
-              </a:ln>
-              <a:solidFill>
-                <a:schemeClr val="tx1"/>
-              </a:solidFill>
-              <a:effectLst/>
-              <a:uLnTx/>
-              <a:uFillTx/>
-              <a:latin typeface="Underwood Champion" pitchFamily="2" charset="0"/>
-              <a:ea typeface="+mj-ea"/>
-              <a:cs typeface="+mj-cs"/>
-            </a:endParaRPr>
-          </a:p>
-        </p:txBody>
-      </p:sp>
-      <p:pic>
-        <p:nvPicPr>
-          <p:cNvPr id="8" name="7 Imagen" descr="C:\Users\Miguel\PendriveFlorida\Proyecto\cosas\floppy_software_logo.png"/>
-          <p:cNvPicPr/>
-          <p:nvPr/>
-        </p:nvPicPr>
-        <p:blipFill>
-          <a:blip r:embed="rId2" cstate="print"/>
-          <a:srcRect/>
-          <a:stretch>
-            <a:fillRect/>
-          </a:stretch>
-        </p:blipFill>
-        <p:spPr bwMode="auto">
-          <a:xfrm>
-            <a:off x="5929322" y="5143512"/>
-            <a:ext cx="2495555" cy="428628"/>
-          </a:xfrm>
-          <a:prstGeom prst="rect">
-            <a:avLst/>
-          </a:prstGeom>
-          <a:noFill/>
-          <a:ln w="9525">
-            <a:noFill/>
-            <a:miter lim="800000"/>
-            <a:headEnd/>
-            <a:tailEnd/>
-          </a:ln>
-        </p:spPr>
-      </p:pic>
-      <p:sp>
-        <p:nvSpPr>
-          <p:cNvPr id="9" name="1 Título"/>
-          <p:cNvSpPr txBox="1">
-            <a:spLocks/>
-          </p:cNvSpPr>
-          <p:nvPr/>
-        </p:nvSpPr>
-        <p:spPr>
-          <a:xfrm>
-            <a:off x="0" y="6143620"/>
-            <a:ext cx="9144000" cy="714380"/>
-          </a:xfrm>
-          <a:prstGeom prst="rect">
-            <a:avLst/>
-          </a:prstGeom>
-        </p:spPr>
-        <p:txBody>
-          <a:bodyPr vert="horz" lIns="91440" tIns="45720" rIns="91440" bIns="45720" rtlCol="0" anchor="ctr">
-            <a:normAutofit/>
-          </a:bodyPr>
-          <a:lstStyle/>
-          <a:p>
-            <a:pPr marL="0" marR="0" lvl="0" indent="0" algn="ctr" defTabSz="914400" rtl="0" eaLnBrk="1" fontAlgn="auto" latinLnBrk="0" hangingPunct="1">
-              <a:lnSpc>
-                <a:spcPct val="100000"/>
-              </a:lnSpc>
-              <a:spcBef>
-                <a:spcPct val="0"/>
-              </a:spcBef>
-              <a:spcAft>
-                <a:spcPts val="0"/>
-              </a:spcAft>
-              <a:buClrTx/>
-              <a:buSzTx/>
-              <a:buFontTx/>
-              <a:buNone/>
-              <a:tabLst/>
-              <a:defRPr/>
-            </a:pPr>
-            <a:r>
-              <a:rPr lang="es-ES" sz="3200" noProof="0" dirty="0" smtClean="0">
-                <a:latin typeface="+mj-lt"/>
-                <a:ea typeface="+mj-ea"/>
-                <a:cs typeface="+mj-cs"/>
-              </a:rPr>
-              <a:t>Nombre == Logotipo</a:t>
-            </a:r>
-            <a:endParaRPr kumimoji="0" lang="es-ES" sz="2400" b="0" i="0" u="none" strike="noStrike" kern="1200" cap="none" spc="0" normalizeH="0" baseline="0" noProof="0" dirty="0" smtClean="0">
+              <a:t>Paso de parámetros</a:t>
+            </a:r>
+            <a:endParaRPr kumimoji="0" lang="es-ES" sz="4400" b="0" i="0" u="none" strike="noStrike" kern="1200" cap="none" spc="0" normalizeH="0" baseline="0" noProof="0" dirty="0" smtClean="0">
               <a:ln>
                 <a:noFill/>
               </a:ln>
@@ -13042,16 +12679,79 @@
           </a:p>
         </p:txBody>
       </p:sp>
+      <p:sp>
+        <p:nvSpPr>
+          <p:cNvPr id="6" name="1 Título"/>
+          <p:cNvSpPr txBox="1">
+            <a:spLocks/>
+          </p:cNvSpPr>
+          <p:nvPr/>
+        </p:nvSpPr>
+        <p:spPr>
+          <a:xfrm>
+            <a:off x="0" y="4929198"/>
+            <a:ext cx="9144000" cy="714380"/>
+          </a:xfrm>
+          <a:prstGeom prst="rect">
+            <a:avLst/>
+          </a:prstGeom>
+        </p:spPr>
+        <p:txBody>
+          <a:bodyPr vert="horz" lIns="91440" tIns="45720" rIns="91440" bIns="45720" rtlCol="0" anchor="ctr">
+            <a:normAutofit/>
+          </a:bodyPr>
+          <a:lstStyle/>
+          <a:p>
+            <a:pPr marL="0" marR="0" lvl="0" indent="0" algn="ctr" defTabSz="914400" rtl="0" eaLnBrk="1" fontAlgn="auto" latinLnBrk="0" hangingPunct="1">
+              <a:lnSpc>
+                <a:spcPct val="100000"/>
+              </a:lnSpc>
+              <a:spcBef>
+                <a:spcPct val="0"/>
+              </a:spcBef>
+              <a:spcAft>
+                <a:spcPts val="0"/>
+              </a:spcAft>
+              <a:buClrTx/>
+              <a:buSzTx/>
+              <a:buFontTx/>
+              <a:buNone/>
+              <a:tabLst/>
+              <a:defRPr/>
+            </a:pPr>
+            <a:r>
+              <a:rPr lang="es-ES" sz="3200" dirty="0" smtClean="0">
+                <a:latin typeface="+mj-lt"/>
+                <a:ea typeface="+mj-ea"/>
+                <a:cs typeface="+mj-cs"/>
+              </a:rPr>
+              <a:t>Nombre &amp; zurdo &amp; escala</a:t>
+            </a:r>
+            <a:endParaRPr kumimoji="0" lang="es-ES" sz="3200" b="0" i="0" u="none" strike="noStrike" kern="1200" cap="none" spc="0" normalizeH="0" baseline="0" noProof="0" dirty="0" smtClean="0">
+              <a:ln>
+                <a:noFill/>
+              </a:ln>
+              <a:solidFill>
+                <a:schemeClr val="tx1"/>
+              </a:solidFill>
+              <a:effectLst/>
+              <a:uLnTx/>
+              <a:uFillTx/>
+              <a:latin typeface="+mj-lt"/>
+              <a:ea typeface="+mj-ea"/>
+              <a:cs typeface="+mj-cs"/>
+            </a:endParaRPr>
+          </a:p>
+        </p:txBody>
+      </p:sp>
       <p:pic>
         <p:nvPicPr>
-          <p:cNvPr id="8194" name="Picture 2" descr="C:\Users\Miguel\PendriveFlorida\Proyecto\cosas\gg.png"/>
-          <p:cNvPicPr>
-            <a:picLocks noChangeAspect="1" noChangeArrowheads="1"/>
-          </p:cNvPicPr>
+          <p:cNvPr id="7" name="6 Imagen"/>
+          <p:cNvPicPr/>
           <p:nvPr/>
         </p:nvPicPr>
         <p:blipFill>
-          <a:blip r:embed="rId3" cstate="print"/>
+          <a:blip r:embed="rId2" cstate="print"/>
           <a:srcRect/>
           <a:stretch>
             <a:fillRect/>
@@ -13059,39 +12759,24 @@
         </p:blipFill>
         <p:spPr bwMode="auto">
           <a:xfrm>
-            <a:off x="6286512" y="1071546"/>
-            <a:ext cx="1651000" cy="1143000"/>
+            <a:off x="1643042" y="1071546"/>
+            <a:ext cx="5857916" cy="3728728"/>
           </a:xfrm>
           <a:prstGeom prst="rect">
             <a:avLst/>
           </a:prstGeom>
           <a:noFill/>
-        </p:spPr>
-      </p:pic>
-      <p:pic>
-        <p:nvPicPr>
-          <p:cNvPr id="8195" name="Picture 3" descr="C:\Users\Miguel\PendriveFlorida\Proyecto\cosas\icono_gg.png"/>
-          <p:cNvPicPr>
-            <a:picLocks noChangeAspect="1" noChangeArrowheads="1"/>
-          </p:cNvPicPr>
-          <p:nvPr/>
-        </p:nvPicPr>
-        <p:blipFill>
-          <a:blip r:embed="rId4" cstate="print"/>
-          <a:srcRect/>
-          <a:stretch>
-            <a:fillRect/>
-          </a:stretch>
-        </p:blipFill>
-        <p:spPr bwMode="auto">
-          <a:xfrm>
-            <a:off x="6143636" y="2571744"/>
-            <a:ext cx="2070100" cy="2082800"/>
-          </a:xfrm>
-          <a:prstGeom prst="rect">
-            <a:avLst/>
-          </a:prstGeom>
-          <a:noFill/>
+          <a:ln w="9525">
+            <a:solidFill>
+              <a:schemeClr val="tx1">
+                <a:lumMod val="50000"/>
+                <a:lumOff val="50000"/>
+              </a:schemeClr>
+            </a:solidFill>
+            <a:miter lim="800000"/>
+            <a:headEnd/>
+            <a:tailEnd/>
+          </a:ln>
         </p:spPr>
       </p:pic>
     </p:spTree>
@@ -13172,7 +12857,7 @@
                 <a:ea typeface="+mj-ea"/>
                 <a:cs typeface="+mj-cs"/>
               </a:rPr>
-              <a:t>ESTUDIO DE MERCADO</a:t>
+              <a:t>LA MARCA</a:t>
             </a:r>
             <a:endParaRPr kumimoji="0" lang="es-ES" sz="4400" b="0" i="0" u="none" strike="noStrike" kern="1200" cap="none" spc="0" normalizeH="0" baseline="0" noProof="0" dirty="0" smtClean="0">
               <a:ln>
@@ -13201,8 +12886,8 @@
         </p:nvSpPr>
         <p:spPr>
           <a:xfrm>
-            <a:off x="642910" y="1357298"/>
-            <a:ext cx="7858180" cy="5500702"/>
+            <a:off x="642910" y="714356"/>
+            <a:ext cx="5000660" cy="5214974"/>
           </a:xfrm>
           <a:prstGeom prst="rect">
             <a:avLst/>
@@ -13210,7 +12895,7 @@
         </p:spPr>
         <p:txBody>
           <a:bodyPr vert="horz" lIns="91440" tIns="45720" rIns="91440" bIns="45720" rtlCol="0" anchor="t" anchorCtr="0">
-            <a:noAutofit/>
+            <a:normAutofit/>
           </a:bodyPr>
           <a:lstStyle/>
           <a:p>
@@ -13226,247 +12911,446 @@
               </a:spcAft>
               <a:buClrTx/>
               <a:buSzTx/>
-              <a:buFont typeface="Arial" pitchFamily="34" charset="0"/>
-              <a:buChar char="•"/>
-              <a:tabLst/>
-              <a:defRPr/>
-            </a:pPr>
-            <a:r>
-              <a:rPr lang="es-ES" sz="4800" noProof="0" dirty="0" smtClean="0">
+              <a:tabLst/>
+              <a:defRPr/>
+            </a:pPr>
+            <a:endParaRPr lang="es-ES" sz="3200" dirty="0" smtClean="0">
+              <a:latin typeface="Underwood Champion" pitchFamily="2" charset="0"/>
+              <a:ea typeface="+mj-ea"/>
+              <a:cs typeface="+mj-cs"/>
+            </a:endParaRPr>
+          </a:p>
+          <a:p>
+            <a:pPr marL="0" marR="0" lvl="0" indent="0" algn="r" defTabSz="914400" rtl="0" eaLnBrk="1" fontAlgn="auto" latinLnBrk="0" hangingPunct="1">
+              <a:lnSpc>
+                <a:spcPct val="100000"/>
+              </a:lnSpc>
+              <a:spcBef>
+                <a:spcPct val="0"/>
+              </a:spcBef>
+              <a:spcAft>
+                <a:spcPts val="0"/>
+              </a:spcAft>
+              <a:buClrTx/>
+              <a:buSzTx/>
+              <a:tabLst/>
+              <a:defRPr/>
+            </a:pPr>
+            <a:r>
+              <a:rPr lang="es-ES" sz="4000" dirty="0" smtClean="0">
+                <a:ea typeface="+mj-ea"/>
+                <a:cs typeface="+mj-cs"/>
+              </a:rPr>
+              <a:t>Icono de la aplicación:</a:t>
+            </a:r>
+          </a:p>
+          <a:p>
+            <a:pPr marL="0" marR="0" lvl="0" indent="0" algn="r" defTabSz="914400" rtl="0" eaLnBrk="1" fontAlgn="auto" latinLnBrk="0" hangingPunct="1">
+              <a:lnSpc>
+                <a:spcPct val="100000"/>
+              </a:lnSpc>
+              <a:spcBef>
+                <a:spcPct val="0"/>
+              </a:spcBef>
+              <a:spcAft>
+                <a:spcPts val="0"/>
+              </a:spcAft>
+              <a:buClrTx/>
+              <a:buSzTx/>
+              <a:tabLst/>
+              <a:defRPr/>
+            </a:pPr>
+            <a:endParaRPr kumimoji="0" lang="es-ES" sz="2800" b="0" i="0" u="none" strike="noStrike" kern="1200" cap="none" spc="0" normalizeH="0" baseline="0" dirty="0" smtClean="0">
+              <a:ln>
+                <a:noFill/>
+              </a:ln>
+              <a:solidFill>
+                <a:schemeClr val="tx1"/>
+              </a:solidFill>
+              <a:effectLst/>
+              <a:uLnTx/>
+              <a:uFillTx/>
+              <a:latin typeface="Underwood Champion" pitchFamily="2" charset="0"/>
+              <a:ea typeface="+mj-ea"/>
+              <a:cs typeface="+mj-cs"/>
+            </a:endParaRPr>
+          </a:p>
+          <a:p>
+            <a:pPr marL="0" marR="0" lvl="0" indent="0" algn="r" defTabSz="914400" rtl="0" eaLnBrk="1" fontAlgn="auto" latinLnBrk="0" hangingPunct="1">
+              <a:lnSpc>
+                <a:spcPct val="100000"/>
+              </a:lnSpc>
+              <a:spcBef>
+                <a:spcPct val="0"/>
+              </a:spcBef>
+              <a:spcAft>
+                <a:spcPts val="0"/>
+              </a:spcAft>
+              <a:buClrTx/>
+              <a:buSzTx/>
+              <a:tabLst/>
+              <a:defRPr/>
+            </a:pPr>
+            <a:endParaRPr kumimoji="0" lang="es-ES" sz="2800" b="0" i="0" u="none" strike="noStrike" kern="1200" cap="none" spc="0" normalizeH="0" baseline="0" dirty="0" smtClean="0">
+              <a:ln>
+                <a:noFill/>
+              </a:ln>
+              <a:solidFill>
+                <a:schemeClr val="tx1"/>
+              </a:solidFill>
+              <a:effectLst/>
+              <a:uLnTx/>
+              <a:uFillTx/>
+              <a:latin typeface="Underwood Champion" pitchFamily="2" charset="0"/>
+              <a:ea typeface="+mj-ea"/>
+              <a:cs typeface="+mj-cs"/>
+            </a:endParaRPr>
+          </a:p>
+          <a:p>
+            <a:pPr marL="0" marR="0" lvl="0" indent="0" algn="r" defTabSz="914400" rtl="0" eaLnBrk="1" fontAlgn="auto" latinLnBrk="0" hangingPunct="1">
+              <a:lnSpc>
+                <a:spcPct val="100000"/>
+              </a:lnSpc>
+              <a:spcBef>
+                <a:spcPct val="0"/>
+              </a:spcBef>
+              <a:spcAft>
+                <a:spcPts val="0"/>
+              </a:spcAft>
+              <a:buClrTx/>
+              <a:buSzTx/>
+              <a:tabLst/>
+              <a:defRPr/>
+            </a:pPr>
+            <a:endParaRPr kumimoji="0" lang="es-ES" sz="2800" b="0" i="0" u="none" strike="noStrike" kern="1200" cap="none" spc="0" normalizeH="0" baseline="0" dirty="0" smtClean="0">
+              <a:ln>
+                <a:noFill/>
+              </a:ln>
+              <a:solidFill>
+                <a:schemeClr val="tx1"/>
+              </a:solidFill>
+              <a:effectLst/>
+              <a:uLnTx/>
+              <a:uFillTx/>
+              <a:latin typeface="Underwood Champion" pitchFamily="2" charset="0"/>
+              <a:ea typeface="+mj-ea"/>
+              <a:cs typeface="+mj-cs"/>
+            </a:endParaRPr>
+          </a:p>
+          <a:p>
+            <a:pPr marL="0" marR="0" lvl="0" indent="0" algn="r" defTabSz="914400" rtl="0" eaLnBrk="1" fontAlgn="auto" latinLnBrk="0" hangingPunct="1">
+              <a:lnSpc>
+                <a:spcPct val="100000"/>
+              </a:lnSpc>
+              <a:spcBef>
+                <a:spcPct val="0"/>
+              </a:spcBef>
+              <a:spcAft>
+                <a:spcPts val="0"/>
+              </a:spcAft>
+              <a:buClrTx/>
+              <a:buSzTx/>
+              <a:tabLst/>
+              <a:defRPr/>
+            </a:pPr>
+            <a:r>
+              <a:rPr lang="es-ES" sz="4000" dirty="0" smtClean="0">
                 <a:latin typeface="+mj-lt"/>
                 <a:ea typeface="+mj-ea"/>
                 <a:cs typeface="+mj-cs"/>
               </a:rPr>
-              <a:t>Producto			</a:t>
-            </a:r>
-            <a:r>
-              <a:rPr lang="es-ES" sz="4800" b="1" noProof="0" dirty="0" err="1" smtClean="0">
-                <a:solidFill>
-                  <a:srgbClr val="FF0000"/>
-                </a:solidFill>
+              <a:t>Marca del personaje:</a:t>
+            </a:r>
+          </a:p>
+          <a:p>
+            <a:pPr marL="0" marR="0" lvl="0" indent="0" algn="r" defTabSz="914400" rtl="0" eaLnBrk="1" fontAlgn="auto" latinLnBrk="0" hangingPunct="1">
+              <a:lnSpc>
+                <a:spcPct val="100000"/>
+              </a:lnSpc>
+              <a:spcBef>
+                <a:spcPct val="0"/>
+              </a:spcBef>
+              <a:spcAft>
+                <a:spcPts val="0"/>
+              </a:spcAft>
+              <a:buClrTx/>
+              <a:buSzTx/>
+              <a:tabLst/>
+              <a:defRPr/>
+            </a:pPr>
+            <a:endParaRPr lang="es-ES" sz="2800" dirty="0" smtClean="0">
+              <a:latin typeface="Underwood Champion" pitchFamily="2" charset="0"/>
+              <a:ea typeface="+mj-ea"/>
+              <a:cs typeface="+mj-cs"/>
+            </a:endParaRPr>
+          </a:p>
+          <a:p>
+            <a:pPr marL="0" marR="0" lvl="0" indent="0" algn="r" defTabSz="914400" rtl="0" eaLnBrk="1" fontAlgn="auto" latinLnBrk="0" hangingPunct="1">
+              <a:lnSpc>
+                <a:spcPct val="100000"/>
+              </a:lnSpc>
+              <a:spcBef>
+                <a:spcPct val="0"/>
+              </a:spcBef>
+              <a:spcAft>
+                <a:spcPts val="0"/>
+              </a:spcAft>
+              <a:buClrTx/>
+              <a:buSzTx/>
+              <a:tabLst/>
+              <a:defRPr/>
+            </a:pPr>
+            <a:endParaRPr kumimoji="0" lang="es-ES" sz="2800" b="0" i="0" u="none" strike="noStrike" kern="1200" cap="none" spc="0" normalizeH="0" baseline="0" dirty="0" smtClean="0">
+              <a:ln>
+                <a:noFill/>
+              </a:ln>
+              <a:solidFill>
+                <a:schemeClr val="tx1"/>
+              </a:solidFill>
+              <a:effectLst/>
+              <a:uLnTx/>
+              <a:uFillTx/>
+              <a:latin typeface="Underwood Champion" pitchFamily="2" charset="0"/>
+              <a:ea typeface="+mj-ea"/>
+              <a:cs typeface="+mj-cs"/>
+            </a:endParaRPr>
+          </a:p>
+          <a:p>
+            <a:pPr marL="0" marR="0" lvl="0" indent="0" algn="r" defTabSz="914400" rtl="0" eaLnBrk="1" fontAlgn="auto" latinLnBrk="0" hangingPunct="1">
+              <a:lnSpc>
+                <a:spcPct val="100000"/>
+              </a:lnSpc>
+              <a:spcBef>
+                <a:spcPct val="0"/>
+              </a:spcBef>
+              <a:spcAft>
+                <a:spcPts val="0"/>
+              </a:spcAft>
+              <a:buClrTx/>
+              <a:buSzTx/>
+              <a:tabLst/>
+              <a:defRPr/>
+            </a:pPr>
+            <a:endParaRPr kumimoji="0" lang="es-ES" sz="2800" b="0" i="0" u="none" strike="noStrike" kern="1200" cap="none" spc="0" normalizeH="0" baseline="0" dirty="0" smtClean="0">
+              <a:ln>
+                <a:noFill/>
+              </a:ln>
+              <a:solidFill>
+                <a:schemeClr val="tx1"/>
+              </a:solidFill>
+              <a:effectLst/>
+              <a:uLnTx/>
+              <a:uFillTx/>
+              <a:latin typeface="Underwood Champion" pitchFamily="2" charset="0"/>
+              <a:ea typeface="+mj-ea"/>
+              <a:cs typeface="+mj-cs"/>
+            </a:endParaRPr>
+          </a:p>
+          <a:p>
+            <a:pPr marL="0" marR="0" lvl="0" indent="0" algn="r" defTabSz="914400" rtl="0" eaLnBrk="1" fontAlgn="auto" latinLnBrk="0" hangingPunct="1">
+              <a:lnSpc>
+                <a:spcPct val="100000"/>
+              </a:lnSpc>
+              <a:spcBef>
+                <a:spcPct val="0"/>
+              </a:spcBef>
+              <a:spcAft>
+                <a:spcPts val="0"/>
+              </a:spcAft>
+              <a:buClrTx/>
+              <a:buSzTx/>
+              <a:tabLst/>
+              <a:defRPr/>
+            </a:pPr>
+            <a:r>
+              <a:rPr lang="es-ES" sz="4000" dirty="0" smtClean="0">
                 <a:latin typeface="+mj-lt"/>
                 <a:ea typeface="+mj-ea"/>
                 <a:cs typeface="+mj-cs"/>
               </a:rPr>
-              <a:t>P</a:t>
-            </a:r>
-            <a:r>
-              <a:rPr lang="es-ES" sz="4800" noProof="0" dirty="0" err="1" smtClean="0">
+              <a:t>Marca corporativa:</a:t>
+            </a:r>
+          </a:p>
+          <a:p>
+            <a:pPr marL="0" marR="0" lvl="0" indent="0" defTabSz="914400" rtl="0" eaLnBrk="1" fontAlgn="auto" latinLnBrk="0" hangingPunct="1">
+              <a:lnSpc>
+                <a:spcPct val="100000"/>
+              </a:lnSpc>
+              <a:spcBef>
+                <a:spcPct val="0"/>
+              </a:spcBef>
+              <a:spcAft>
+                <a:spcPts val="0"/>
+              </a:spcAft>
+              <a:buClrTx/>
+              <a:buSzTx/>
+              <a:tabLst/>
+              <a:defRPr/>
+            </a:pPr>
+            <a:endParaRPr kumimoji="0" lang="es-ES" sz="3200" b="0" i="0" u="none" strike="noStrike" kern="1200" cap="none" spc="0" normalizeH="0" baseline="0" dirty="0" smtClean="0">
+              <a:ln>
+                <a:noFill/>
+              </a:ln>
+              <a:solidFill>
+                <a:schemeClr val="tx1"/>
+              </a:solidFill>
+              <a:effectLst/>
+              <a:uLnTx/>
+              <a:uFillTx/>
+              <a:latin typeface="Underwood Champion" pitchFamily="2" charset="0"/>
+              <a:ea typeface="+mj-ea"/>
+              <a:cs typeface="+mj-cs"/>
+            </a:endParaRPr>
+          </a:p>
+        </p:txBody>
+      </p:sp>
+      <p:pic>
+        <p:nvPicPr>
+          <p:cNvPr id="8" name="7 Imagen" descr="C:\Users\Miguel\PendriveFlorida\Proyecto\cosas\floppy_software_logo.png"/>
+          <p:cNvPicPr/>
+          <p:nvPr/>
+        </p:nvPicPr>
+        <p:blipFill>
+          <a:blip r:embed="rId2" cstate="print"/>
+          <a:srcRect/>
+          <a:stretch>
+            <a:fillRect/>
+          </a:stretch>
+        </p:blipFill>
+        <p:spPr bwMode="auto">
+          <a:xfrm>
+            <a:off x="5929322" y="5143512"/>
+            <a:ext cx="2495555" cy="428628"/>
+          </a:xfrm>
+          <a:prstGeom prst="rect">
+            <a:avLst/>
+          </a:prstGeom>
+          <a:noFill/>
+          <a:ln w="9525">
+            <a:noFill/>
+            <a:miter lim="800000"/>
+            <a:headEnd/>
+            <a:tailEnd/>
+          </a:ln>
+        </p:spPr>
+      </p:pic>
+      <p:sp>
+        <p:nvSpPr>
+          <p:cNvPr id="9" name="1 Título"/>
+          <p:cNvSpPr txBox="1">
+            <a:spLocks/>
+          </p:cNvSpPr>
+          <p:nvPr/>
+        </p:nvSpPr>
+        <p:spPr>
+          <a:xfrm>
+            <a:off x="0" y="6143620"/>
+            <a:ext cx="9144000" cy="714380"/>
+          </a:xfrm>
+          <a:prstGeom prst="rect">
+            <a:avLst/>
+          </a:prstGeom>
+        </p:spPr>
+        <p:txBody>
+          <a:bodyPr vert="horz" lIns="91440" tIns="45720" rIns="91440" bIns="45720" rtlCol="0" anchor="ctr">
+            <a:normAutofit/>
+          </a:bodyPr>
+          <a:lstStyle/>
+          <a:p>
+            <a:pPr marL="0" marR="0" lvl="0" indent="0" algn="ctr" defTabSz="914400" rtl="0" eaLnBrk="1" fontAlgn="auto" latinLnBrk="0" hangingPunct="1">
+              <a:lnSpc>
+                <a:spcPct val="100000"/>
+              </a:lnSpc>
+              <a:spcBef>
+                <a:spcPct val="0"/>
+              </a:spcBef>
+              <a:spcAft>
+                <a:spcPts val="0"/>
+              </a:spcAft>
+              <a:buClrTx/>
+              <a:buSzTx/>
+              <a:buFontTx/>
+              <a:buNone/>
+              <a:tabLst/>
+              <a:defRPr/>
+            </a:pPr>
+            <a:r>
+              <a:rPr lang="es-ES" sz="3200" noProof="0" dirty="0" smtClean="0">
                 <a:latin typeface="+mj-lt"/>
                 <a:ea typeface="+mj-ea"/>
                 <a:cs typeface="+mj-cs"/>
               </a:rPr>
-              <a:t>roduct</a:t>
-            </a:r>
-            <a:endParaRPr lang="es-ES" sz="4800" noProof="0" dirty="0" smtClean="0">
+              <a:t>Nombre == Logotipo</a:t>
+            </a:r>
+            <a:endParaRPr kumimoji="0" lang="es-ES" sz="2400" b="0" i="0" u="none" strike="noStrike" kern="1200" cap="none" spc="0" normalizeH="0" baseline="0" noProof="0" dirty="0" smtClean="0">
+              <a:ln>
+                <a:noFill/>
+              </a:ln>
+              <a:solidFill>
+                <a:schemeClr val="tx1"/>
+              </a:solidFill>
+              <a:effectLst/>
+              <a:uLnTx/>
+              <a:uFillTx/>
               <a:latin typeface="+mj-lt"/>
               <a:ea typeface="+mj-ea"/>
               <a:cs typeface="+mj-cs"/>
             </a:endParaRPr>
           </a:p>
-          <a:p>
-            <a:pPr marL="0" marR="0" lvl="0" indent="0" defTabSz="914400" rtl="0" eaLnBrk="1" fontAlgn="auto" latinLnBrk="0" hangingPunct="1">
-              <a:lnSpc>
-                <a:spcPct val="100000"/>
-              </a:lnSpc>
-              <a:spcBef>
-                <a:spcPct val="0"/>
-              </a:spcBef>
-              <a:spcAft>
-                <a:spcPts val="0"/>
-              </a:spcAft>
-              <a:buClrTx/>
-              <a:buSzTx/>
-              <a:buFont typeface="Arial" pitchFamily="34" charset="0"/>
-              <a:buChar char="•"/>
-              <a:tabLst/>
-              <a:defRPr/>
-            </a:pPr>
-            <a:r>
-              <a:rPr lang="es-ES" sz="4800" dirty="0" smtClean="0">
-                <a:latin typeface="+mj-lt"/>
-                <a:ea typeface="+mj-ea"/>
-                <a:cs typeface="+mj-cs"/>
-              </a:rPr>
-              <a:t>Promoción		</a:t>
-            </a:r>
-            <a:r>
-              <a:rPr lang="es-ES" sz="4800" b="1" dirty="0" err="1" smtClean="0">
-                <a:solidFill>
-                  <a:srgbClr val="FF0000"/>
-                </a:solidFill>
-                <a:latin typeface="+mj-lt"/>
-                <a:ea typeface="+mj-ea"/>
-                <a:cs typeface="+mj-cs"/>
-              </a:rPr>
-              <a:t>P</a:t>
-            </a:r>
-            <a:r>
-              <a:rPr lang="es-ES" sz="4800" dirty="0" err="1" smtClean="0">
-                <a:latin typeface="+mj-lt"/>
-                <a:ea typeface="+mj-ea"/>
-                <a:cs typeface="+mj-cs"/>
-              </a:rPr>
-              <a:t>romotion</a:t>
-            </a:r>
-            <a:endParaRPr lang="es-ES" sz="4800" dirty="0" smtClean="0">
-              <a:latin typeface="+mj-lt"/>
-              <a:ea typeface="+mj-ea"/>
-              <a:cs typeface="+mj-cs"/>
-            </a:endParaRPr>
-          </a:p>
-          <a:p>
-            <a:pPr marL="0" marR="0" lvl="0" indent="0" defTabSz="914400" rtl="0" eaLnBrk="1" fontAlgn="auto" latinLnBrk="0" hangingPunct="1">
-              <a:lnSpc>
-                <a:spcPct val="100000"/>
-              </a:lnSpc>
-              <a:spcBef>
-                <a:spcPct val="0"/>
-              </a:spcBef>
-              <a:spcAft>
-                <a:spcPts val="0"/>
-              </a:spcAft>
-              <a:buClrTx/>
-              <a:buSzTx/>
-              <a:buFont typeface="Arial" pitchFamily="34" charset="0"/>
-              <a:buChar char="•"/>
-              <a:tabLst/>
-              <a:defRPr/>
-            </a:pPr>
-            <a:r>
-              <a:rPr lang="es-ES" sz="4800" noProof="0" dirty="0" smtClean="0">
-                <a:latin typeface="+mj-lt"/>
-                <a:ea typeface="+mj-ea"/>
-                <a:cs typeface="+mj-cs"/>
-              </a:rPr>
-              <a:t>Distribución		</a:t>
-            </a:r>
-            <a:r>
-              <a:rPr lang="es-ES" sz="4800" b="1" noProof="0" dirty="0" smtClean="0">
-                <a:solidFill>
-                  <a:srgbClr val="FF0000"/>
-                </a:solidFill>
-                <a:latin typeface="+mj-lt"/>
-                <a:ea typeface="+mj-ea"/>
-                <a:cs typeface="+mj-cs"/>
-              </a:rPr>
-              <a:t>P</a:t>
-            </a:r>
-            <a:r>
-              <a:rPr lang="es-ES" sz="4800" noProof="0" dirty="0" smtClean="0">
-                <a:latin typeface="+mj-lt"/>
-                <a:ea typeface="+mj-ea"/>
-                <a:cs typeface="+mj-cs"/>
-              </a:rPr>
-              <a:t>lace</a:t>
-            </a:r>
-          </a:p>
-          <a:p>
-            <a:pPr marL="0" marR="0" lvl="0" indent="0" defTabSz="914400" rtl="0" eaLnBrk="1" fontAlgn="auto" latinLnBrk="0" hangingPunct="1">
-              <a:lnSpc>
-                <a:spcPct val="100000"/>
-              </a:lnSpc>
-              <a:spcBef>
-                <a:spcPct val="0"/>
-              </a:spcBef>
-              <a:spcAft>
-                <a:spcPts val="0"/>
-              </a:spcAft>
-              <a:buClrTx/>
-              <a:buSzTx/>
-              <a:buFont typeface="Arial" pitchFamily="34" charset="0"/>
-              <a:buChar char="•"/>
-              <a:tabLst/>
-              <a:defRPr/>
-            </a:pPr>
-            <a:r>
-              <a:rPr lang="es-ES" sz="4800" dirty="0" smtClean="0">
-                <a:latin typeface="+mj-lt"/>
-                <a:ea typeface="+mj-ea"/>
-                <a:cs typeface="+mj-cs"/>
-              </a:rPr>
-              <a:t>Precio				</a:t>
-            </a:r>
-            <a:r>
-              <a:rPr lang="es-ES" sz="4800" b="1" dirty="0" smtClean="0">
-                <a:solidFill>
-                  <a:srgbClr val="FF0000"/>
-                </a:solidFill>
-                <a:latin typeface="+mj-lt"/>
-                <a:ea typeface="+mj-ea"/>
-                <a:cs typeface="+mj-cs"/>
-              </a:rPr>
-              <a:t>P</a:t>
-            </a:r>
-            <a:r>
-              <a:rPr lang="es-ES" sz="4800" dirty="0" smtClean="0">
-                <a:latin typeface="+mj-lt"/>
-                <a:ea typeface="+mj-ea"/>
-                <a:cs typeface="+mj-cs"/>
-              </a:rPr>
-              <a:t>rice</a:t>
-            </a:r>
-          </a:p>
-          <a:p>
-            <a:pPr marL="0" marR="0" lvl="0" indent="0" defTabSz="914400" rtl="0" eaLnBrk="1" fontAlgn="auto" latinLnBrk="0" hangingPunct="1">
-              <a:lnSpc>
-                <a:spcPct val="100000"/>
-              </a:lnSpc>
-              <a:spcBef>
-                <a:spcPct val="0"/>
-              </a:spcBef>
-              <a:spcAft>
-                <a:spcPts val="0"/>
-              </a:spcAft>
-              <a:buClrTx/>
-              <a:buSzTx/>
-              <a:tabLst/>
-              <a:defRPr/>
-            </a:pPr>
-            <a:endParaRPr lang="es-ES" sz="4800" noProof="0" dirty="0" smtClean="0">
-              <a:latin typeface="+mj-lt"/>
-              <a:ea typeface="+mj-ea"/>
-              <a:cs typeface="+mj-cs"/>
-            </a:endParaRPr>
-          </a:p>
-          <a:p>
-            <a:pPr marL="0" marR="0" lvl="0" indent="0" defTabSz="914400" rtl="0" eaLnBrk="1" fontAlgn="auto" latinLnBrk="0" hangingPunct="1">
-              <a:lnSpc>
-                <a:spcPct val="100000"/>
-              </a:lnSpc>
-              <a:spcBef>
-                <a:spcPct val="0"/>
-              </a:spcBef>
-              <a:spcAft>
-                <a:spcPts val="0"/>
-              </a:spcAft>
-              <a:buClrTx/>
-              <a:buSzTx/>
-              <a:buFont typeface="Arial" pitchFamily="34" charset="0"/>
-              <a:buChar char="•"/>
-              <a:tabLst/>
-              <a:defRPr/>
-            </a:pPr>
-            <a:r>
-              <a:rPr kumimoji="0" lang="es-ES" sz="4800" b="0" i="0" u="none" strike="noStrike" kern="1200" cap="none" spc="0" normalizeH="0" baseline="0" dirty="0" smtClean="0">
-                <a:ln>
-                  <a:noFill/>
-                </a:ln>
-                <a:solidFill>
-                  <a:schemeClr val="tx1"/>
-                </a:solidFill>
-                <a:effectLst/>
-                <a:uLnTx/>
-                <a:uFillTx/>
-                <a:latin typeface="+mj-lt"/>
-                <a:ea typeface="+mj-ea"/>
-                <a:cs typeface="+mj-cs"/>
-              </a:rPr>
-              <a:t>Destinatarios</a:t>
-            </a:r>
-          </a:p>
-        </p:txBody>
-      </p:sp>
+        </p:txBody>
+      </p:sp>
+      <p:pic>
+        <p:nvPicPr>
+          <p:cNvPr id="8194" name="Picture 2" descr="C:\Users\Miguel\PendriveFlorida\Proyecto\cosas\gg.png"/>
+          <p:cNvPicPr>
+            <a:picLocks noChangeAspect="1" noChangeArrowheads="1"/>
+          </p:cNvPicPr>
+          <p:nvPr/>
+        </p:nvPicPr>
+        <p:blipFill>
+          <a:blip r:embed="rId3" cstate="print"/>
+          <a:srcRect/>
+          <a:stretch>
+            <a:fillRect/>
+          </a:stretch>
+        </p:blipFill>
+        <p:spPr bwMode="auto">
+          <a:xfrm>
+            <a:off x="6286512" y="1071546"/>
+            <a:ext cx="1651000" cy="1143000"/>
+          </a:xfrm>
+          <a:prstGeom prst="rect">
+            <a:avLst/>
+          </a:prstGeom>
+          <a:noFill/>
+        </p:spPr>
+      </p:pic>
+      <p:pic>
+        <p:nvPicPr>
+          <p:cNvPr id="8195" name="Picture 3" descr="C:\Users\Miguel\PendriveFlorida\Proyecto\cosas\icono_gg.png"/>
+          <p:cNvPicPr>
+            <a:picLocks noChangeAspect="1" noChangeArrowheads="1"/>
+          </p:cNvPicPr>
+          <p:nvPr/>
+        </p:nvPicPr>
+        <p:blipFill>
+          <a:blip r:embed="rId4" cstate="print"/>
+          <a:srcRect/>
+          <a:stretch>
+            <a:fillRect/>
+          </a:stretch>
+        </p:blipFill>
+        <p:spPr bwMode="auto">
+          <a:xfrm>
+            <a:off x="6143636" y="2571744"/>
+            <a:ext cx="2070100" cy="2082800"/>
+          </a:xfrm>
+          <a:prstGeom prst="rect">
+            <a:avLst/>
+          </a:prstGeom>
+          <a:noFill/>
+        </p:spPr>
+      </p:pic>
     </p:spTree>
   </p:cSld>
   <p:clrMapOvr>
@@ -13744,118 +13628,6 @@
       </p:grpSpPr>
       <p:sp>
         <p:nvSpPr>
-          <p:cNvPr id="10" name="9 Rectángulo"/>
-          <p:cNvSpPr/>
-          <p:nvPr/>
-        </p:nvSpPr>
-        <p:spPr>
-          <a:xfrm>
-            <a:off x="4572000" y="1071546"/>
-            <a:ext cx="4214842" cy="2714644"/>
-          </a:xfrm>
-          <a:prstGeom prst="rect">
-            <a:avLst/>
-          </a:prstGeom>
-          <a:solidFill>
-            <a:schemeClr val="accent6">
-              <a:lumMod val="60000"/>
-              <a:lumOff val="40000"/>
-            </a:schemeClr>
-          </a:solidFill>
-        </p:spPr>
-        <p:style>
-          <a:lnRef idx="2">
-            <a:schemeClr val="accent1">
-              <a:shade val="50000"/>
-            </a:schemeClr>
-          </a:lnRef>
-          <a:fillRef idx="1">
-            <a:schemeClr val="accent1"/>
-          </a:fillRef>
-          <a:effectRef idx="0">
-            <a:schemeClr val="accent1"/>
-          </a:effectRef>
-          <a:fontRef idx="minor">
-            <a:schemeClr val="lt1"/>
-          </a:fontRef>
-        </p:style>
-        <p:txBody>
-          <a:bodyPr rtlCol="0" anchor="t" anchorCtr="0"/>
-          <a:lstStyle/>
-          <a:p>
-            <a:pPr algn="ctr"/>
-            <a:r>
-              <a:rPr lang="es-ES" sz="2400" b="1" dirty="0" smtClean="0">
-                <a:solidFill>
-                  <a:schemeClr val="tx1"/>
-                </a:solidFill>
-              </a:rPr>
-              <a:t>DEBILIDADES</a:t>
-            </a:r>
-          </a:p>
-          <a:p>
-            <a:pPr>
-              <a:buFont typeface="Arial" pitchFamily="34" charset="0"/>
-              <a:buChar char="•"/>
-            </a:pPr>
-            <a:r>
-              <a:rPr lang="es-ES" sz="2400" b="1" dirty="0" smtClean="0">
-                <a:solidFill>
-                  <a:schemeClr val="tx1"/>
-                </a:solidFill>
-              </a:rPr>
-              <a:t>Falta de experiencia:</a:t>
-            </a:r>
-          </a:p>
-          <a:p>
-            <a:r>
-              <a:rPr lang="es-ES" sz="2400" b="1" dirty="0" smtClean="0">
-                <a:solidFill>
-                  <a:schemeClr val="tx1"/>
-                </a:solidFill>
-              </a:rPr>
-              <a:t> desarrollo y comercialización</a:t>
-            </a:r>
-          </a:p>
-          <a:p>
-            <a:pPr>
-              <a:buFont typeface="Arial" pitchFamily="34" charset="0"/>
-              <a:buChar char="•"/>
-            </a:pPr>
-            <a:r>
-              <a:rPr lang="es-ES" sz="2400" b="1" dirty="0" smtClean="0">
-                <a:solidFill>
-                  <a:schemeClr val="tx1"/>
-                </a:solidFill>
-              </a:rPr>
-              <a:t>No hay una empresa fuerte</a:t>
-            </a:r>
-          </a:p>
-          <a:p>
-            <a:r>
-              <a:rPr lang="es-ES" sz="2400" b="1" dirty="0" smtClean="0">
-                <a:solidFill>
-                  <a:schemeClr val="tx1"/>
-                </a:solidFill>
-              </a:rPr>
-              <a:t> detrás</a:t>
-            </a:r>
-          </a:p>
-          <a:p>
-            <a:pPr>
-              <a:buFont typeface="Arial" pitchFamily="34" charset="0"/>
-              <a:buChar char="•"/>
-            </a:pPr>
-            <a:endParaRPr lang="es-ES" sz="2400" b="1" dirty="0">
-              <a:solidFill>
-                <a:schemeClr val="tx1"/>
-              </a:solidFill>
-            </a:endParaRPr>
-          </a:p>
-        </p:txBody>
-      </p:sp>
-      <p:sp>
-        <p:nvSpPr>
           <p:cNvPr id="4" name="1 Título"/>
           <p:cNvSpPr txBox="1">
             <a:spLocks/>
@@ -13895,12 +13667,12 @@
               <a:defRPr/>
             </a:pPr>
             <a:r>
-              <a:rPr lang="es-ES" sz="4400" dirty="0" smtClean="0">
+              <a:rPr lang="es-ES" sz="4400" noProof="0" dirty="0" smtClean="0">
                 <a:latin typeface="Underwood Champion" pitchFamily="2" charset="0"/>
                 <a:ea typeface="+mj-ea"/>
                 <a:cs typeface="+mj-cs"/>
               </a:rPr>
-              <a:t>DAFO</a:t>
+              <a:t>ESTUDIO DE MERCADO</a:t>
             </a:r>
             <a:endParaRPr kumimoji="0" lang="es-ES" sz="4400" b="0" i="0" u="none" strike="noStrike" kern="1200" cap="none" spc="0" normalizeH="0" baseline="0" noProof="0" dirty="0" smtClean="0">
               <a:ln>
@@ -13929,8 +13701,8 @@
         </p:nvSpPr>
         <p:spPr>
           <a:xfrm>
-            <a:off x="0" y="928670"/>
-            <a:ext cx="9144000" cy="5929330"/>
+            <a:off x="642910" y="1357298"/>
+            <a:ext cx="7858180" cy="5500702"/>
           </a:xfrm>
           <a:prstGeom prst="rect">
             <a:avLst/>
@@ -13938,7 +13710,7 @@
         </p:spPr>
         <p:txBody>
           <a:bodyPr vert="horz" lIns="91440" tIns="45720" rIns="91440" bIns="45720" rtlCol="0" anchor="t" anchorCtr="0">
-            <a:normAutofit/>
+            <a:noAutofit/>
           </a:bodyPr>
           <a:lstStyle/>
           <a:p>
@@ -13959,493 +13731,239 @@
               <a:tabLst/>
               <a:defRPr/>
             </a:pPr>
-            <a:endParaRPr kumimoji="0" lang="es-ES" sz="3200" b="0" i="0" u="none" strike="noStrike" kern="1200" cap="none" spc="0" normalizeH="0" baseline="0" noProof="0" dirty="0" smtClean="0">
-              <a:ln>
-                <a:noFill/>
-              </a:ln>
-              <a:solidFill>
-                <a:schemeClr val="tx1"/>
-              </a:solidFill>
-              <a:effectLst/>
-              <a:uLnTx/>
-              <a:uFillTx/>
-              <a:latin typeface="Underwood Champion" pitchFamily="2" charset="0"/>
+            <a:r>
+              <a:rPr lang="es-ES" sz="4800" noProof="0" dirty="0" smtClean="0">
+                <a:latin typeface="+mj-lt"/>
+                <a:ea typeface="+mj-ea"/>
+                <a:cs typeface="+mj-cs"/>
+              </a:rPr>
+              <a:t>Producto			</a:t>
+            </a:r>
+            <a:r>
+              <a:rPr lang="es-ES" sz="4800" b="1" noProof="0" dirty="0" err="1" smtClean="0">
+                <a:solidFill>
+                  <a:srgbClr val="FF0000"/>
+                </a:solidFill>
+                <a:latin typeface="+mj-lt"/>
+                <a:ea typeface="+mj-ea"/>
+                <a:cs typeface="+mj-cs"/>
+              </a:rPr>
+              <a:t>P</a:t>
+            </a:r>
+            <a:r>
+              <a:rPr lang="es-ES" sz="4800" noProof="0" dirty="0" err="1" smtClean="0">
+                <a:latin typeface="+mj-lt"/>
+                <a:ea typeface="+mj-ea"/>
+                <a:cs typeface="+mj-cs"/>
+              </a:rPr>
+              <a:t>roduct</a:t>
+            </a:r>
+            <a:endParaRPr lang="es-ES" sz="4800" noProof="0" dirty="0" smtClean="0">
+              <a:latin typeface="+mj-lt"/>
               <a:ea typeface="+mj-ea"/>
               <a:cs typeface="+mj-cs"/>
             </a:endParaRPr>
           </a:p>
-        </p:txBody>
-      </p:sp>
-      <p:sp>
-        <p:nvSpPr>
-          <p:cNvPr id="8" name="7 Rectángulo"/>
-          <p:cNvSpPr/>
-          <p:nvPr/>
-        </p:nvSpPr>
-        <p:spPr>
-          <a:xfrm>
-            <a:off x="4572000" y="3786190"/>
-            <a:ext cx="4214842" cy="2714644"/>
-          </a:xfrm>
-          <a:prstGeom prst="rect">
-            <a:avLst/>
-          </a:prstGeom>
-          <a:solidFill>
-            <a:schemeClr val="accent1">
-              <a:lumMod val="60000"/>
-              <a:lumOff val="40000"/>
-            </a:schemeClr>
-          </a:solidFill>
-        </p:spPr>
-        <p:style>
-          <a:lnRef idx="2">
-            <a:schemeClr val="accent1">
-              <a:shade val="50000"/>
-            </a:schemeClr>
-          </a:lnRef>
-          <a:fillRef idx="1">
-            <a:schemeClr val="accent1"/>
-          </a:fillRef>
-          <a:effectRef idx="0">
-            <a:schemeClr val="accent1"/>
-          </a:effectRef>
-          <a:fontRef idx="minor">
-            <a:schemeClr val="lt1"/>
-          </a:fontRef>
-        </p:style>
-        <p:txBody>
-          <a:bodyPr rtlCol="0" anchor="t" anchorCtr="0"/>
-          <a:lstStyle/>
-          <a:p>
-            <a:pPr algn="ctr"/>
-            <a:r>
-              <a:rPr lang="es-ES" sz="2400" b="1" dirty="0" smtClean="0">
+          <a:p>
+            <a:pPr marL="0" marR="0" lvl="0" indent="0" defTabSz="914400" rtl="0" eaLnBrk="1" fontAlgn="auto" latinLnBrk="0" hangingPunct="1">
+              <a:lnSpc>
+                <a:spcPct val="100000"/>
+              </a:lnSpc>
+              <a:spcBef>
+                <a:spcPct val="0"/>
+              </a:spcBef>
+              <a:spcAft>
+                <a:spcPts val="0"/>
+              </a:spcAft>
+              <a:buClrTx/>
+              <a:buSzTx/>
+              <a:buFont typeface="Arial" pitchFamily="34" charset="0"/>
+              <a:buChar char="•"/>
+              <a:tabLst/>
+              <a:defRPr/>
+            </a:pPr>
+            <a:r>
+              <a:rPr lang="es-ES" sz="4800" dirty="0" smtClean="0">
+                <a:latin typeface="+mj-lt"/>
+                <a:ea typeface="+mj-ea"/>
+                <a:cs typeface="+mj-cs"/>
+              </a:rPr>
+              <a:t>Promoción		</a:t>
+            </a:r>
+            <a:r>
+              <a:rPr lang="es-ES" sz="4800" b="1" dirty="0" err="1" smtClean="0">
+                <a:solidFill>
+                  <a:srgbClr val="FF0000"/>
+                </a:solidFill>
+                <a:latin typeface="+mj-lt"/>
+                <a:ea typeface="+mj-ea"/>
+                <a:cs typeface="+mj-cs"/>
+              </a:rPr>
+              <a:t>P</a:t>
+            </a:r>
+            <a:r>
+              <a:rPr lang="es-ES" sz="4800" dirty="0" err="1" smtClean="0">
+                <a:latin typeface="+mj-lt"/>
+                <a:ea typeface="+mj-ea"/>
+                <a:cs typeface="+mj-cs"/>
+              </a:rPr>
+              <a:t>romotion</a:t>
+            </a:r>
+            <a:endParaRPr lang="es-ES" sz="4800" dirty="0" smtClean="0">
+              <a:latin typeface="+mj-lt"/>
+              <a:ea typeface="+mj-ea"/>
+              <a:cs typeface="+mj-cs"/>
+            </a:endParaRPr>
+          </a:p>
+          <a:p>
+            <a:pPr marL="0" marR="0" lvl="0" indent="0" defTabSz="914400" rtl="0" eaLnBrk="1" fontAlgn="auto" latinLnBrk="0" hangingPunct="1">
+              <a:lnSpc>
+                <a:spcPct val="100000"/>
+              </a:lnSpc>
+              <a:spcBef>
+                <a:spcPct val="0"/>
+              </a:spcBef>
+              <a:spcAft>
+                <a:spcPts val="0"/>
+              </a:spcAft>
+              <a:buClrTx/>
+              <a:buSzTx/>
+              <a:buFont typeface="Arial" pitchFamily="34" charset="0"/>
+              <a:buChar char="•"/>
+              <a:tabLst/>
+              <a:defRPr/>
+            </a:pPr>
+            <a:r>
+              <a:rPr lang="es-ES" sz="4800" noProof="0" dirty="0" smtClean="0">
+                <a:latin typeface="+mj-lt"/>
+                <a:ea typeface="+mj-ea"/>
+                <a:cs typeface="+mj-cs"/>
+              </a:rPr>
+              <a:t>Distribución		</a:t>
+            </a:r>
+            <a:r>
+              <a:rPr lang="es-ES" sz="4800" b="1" noProof="0" dirty="0" smtClean="0">
+                <a:solidFill>
+                  <a:srgbClr val="FF0000"/>
+                </a:solidFill>
+                <a:latin typeface="+mj-lt"/>
+                <a:ea typeface="+mj-ea"/>
+                <a:cs typeface="+mj-cs"/>
+              </a:rPr>
+              <a:t>P</a:t>
+            </a:r>
+            <a:r>
+              <a:rPr lang="es-ES" sz="4800" noProof="0" dirty="0" smtClean="0">
+                <a:latin typeface="+mj-lt"/>
+                <a:ea typeface="+mj-ea"/>
+                <a:cs typeface="+mj-cs"/>
+              </a:rPr>
+              <a:t>lace</a:t>
+            </a:r>
+          </a:p>
+          <a:p>
+            <a:pPr marL="0" marR="0" lvl="0" indent="0" defTabSz="914400" rtl="0" eaLnBrk="1" fontAlgn="auto" latinLnBrk="0" hangingPunct="1">
+              <a:lnSpc>
+                <a:spcPct val="100000"/>
+              </a:lnSpc>
+              <a:spcBef>
+                <a:spcPct val="0"/>
+              </a:spcBef>
+              <a:spcAft>
+                <a:spcPts val="0"/>
+              </a:spcAft>
+              <a:buClrTx/>
+              <a:buSzTx/>
+              <a:buFont typeface="Arial" pitchFamily="34" charset="0"/>
+              <a:buChar char="•"/>
+              <a:tabLst/>
+              <a:defRPr/>
+            </a:pPr>
+            <a:r>
+              <a:rPr lang="es-ES" sz="4800" dirty="0" smtClean="0">
+                <a:latin typeface="+mj-lt"/>
+                <a:ea typeface="+mj-ea"/>
+                <a:cs typeface="+mj-cs"/>
+              </a:rPr>
+              <a:t>Precio				</a:t>
+            </a:r>
+            <a:r>
+              <a:rPr lang="es-ES" sz="4800" b="1" dirty="0" smtClean="0">
+                <a:solidFill>
+                  <a:srgbClr val="FF0000"/>
+                </a:solidFill>
+                <a:latin typeface="+mj-lt"/>
+                <a:ea typeface="+mj-ea"/>
+                <a:cs typeface="+mj-cs"/>
+              </a:rPr>
+              <a:t>P</a:t>
+            </a:r>
+            <a:r>
+              <a:rPr lang="es-ES" sz="4800" dirty="0" smtClean="0">
+                <a:latin typeface="+mj-lt"/>
+                <a:ea typeface="+mj-ea"/>
+                <a:cs typeface="+mj-cs"/>
+              </a:rPr>
+              <a:t>rice</a:t>
+            </a:r>
+          </a:p>
+          <a:p>
+            <a:pPr marL="0" marR="0" lvl="0" indent="0" defTabSz="914400" rtl="0" eaLnBrk="1" fontAlgn="auto" latinLnBrk="0" hangingPunct="1">
+              <a:lnSpc>
+                <a:spcPct val="100000"/>
+              </a:lnSpc>
+              <a:spcBef>
+                <a:spcPct val="0"/>
+              </a:spcBef>
+              <a:spcAft>
+                <a:spcPts val="0"/>
+              </a:spcAft>
+              <a:buClrTx/>
+              <a:buSzTx/>
+              <a:tabLst/>
+              <a:defRPr/>
+            </a:pPr>
+            <a:endParaRPr lang="es-ES" sz="4800" noProof="0" dirty="0" smtClean="0">
+              <a:latin typeface="+mj-lt"/>
+              <a:ea typeface="+mj-ea"/>
+              <a:cs typeface="+mj-cs"/>
+            </a:endParaRPr>
+          </a:p>
+          <a:p>
+            <a:pPr marL="0" marR="0" lvl="0" indent="0" defTabSz="914400" rtl="0" eaLnBrk="1" fontAlgn="auto" latinLnBrk="0" hangingPunct="1">
+              <a:lnSpc>
+                <a:spcPct val="100000"/>
+              </a:lnSpc>
+              <a:spcBef>
+                <a:spcPct val="0"/>
+              </a:spcBef>
+              <a:spcAft>
+                <a:spcPts val="0"/>
+              </a:spcAft>
+              <a:buClrTx/>
+              <a:buSzTx/>
+              <a:buFont typeface="Arial" pitchFamily="34" charset="0"/>
+              <a:buChar char="•"/>
+              <a:tabLst/>
+              <a:defRPr/>
+            </a:pPr>
+            <a:r>
+              <a:rPr kumimoji="0" lang="es-ES" sz="4800" b="0" i="0" u="none" strike="noStrike" kern="1200" cap="none" spc="0" normalizeH="0" baseline="0" dirty="0" smtClean="0">
+                <a:ln>
+                  <a:noFill/>
+                </a:ln>
                 <a:solidFill>
                   <a:schemeClr val="tx1"/>
                 </a:solidFill>
-              </a:rPr>
-              <a:t>AMENAZAS</a:t>
-            </a:r>
-          </a:p>
-          <a:p>
-            <a:pPr>
-              <a:buFont typeface="Arial" pitchFamily="34" charset="0"/>
-              <a:buChar char="•"/>
-            </a:pPr>
-            <a:r>
-              <a:rPr lang="es-ES" sz="2400" b="1" dirty="0" smtClean="0">
-                <a:solidFill>
-                  <a:schemeClr val="tx1"/>
-                </a:solidFill>
-              </a:rPr>
-              <a:t>Saturación de aplicaciones</a:t>
-            </a:r>
-          </a:p>
-          <a:p>
-            <a:r>
-              <a:rPr lang="es-ES" sz="2400" b="1" dirty="0" smtClean="0">
-                <a:solidFill>
-                  <a:schemeClr val="tx1"/>
-                </a:solidFill>
-              </a:rPr>
-              <a:t> </a:t>
-            </a:r>
-            <a:r>
-              <a:rPr lang="es-ES" sz="2400" b="1" dirty="0" smtClean="0">
-                <a:solidFill>
-                  <a:schemeClr val="tx1"/>
-                </a:solidFill>
-              </a:rPr>
-              <a:t> infantiles</a:t>
-            </a:r>
-          </a:p>
-          <a:p>
-            <a:pPr>
-              <a:buFont typeface="Arial" pitchFamily="34" charset="0"/>
-              <a:buChar char="•"/>
-            </a:pPr>
-            <a:r>
-              <a:rPr lang="es-ES" sz="2400" b="1" dirty="0" smtClean="0">
-                <a:solidFill>
-                  <a:schemeClr val="tx1"/>
-                </a:solidFill>
-              </a:rPr>
-              <a:t>Saturación de personajes</a:t>
-            </a:r>
-          </a:p>
-          <a:p>
-            <a:pPr>
-              <a:buFont typeface="Arial" pitchFamily="34" charset="0"/>
-              <a:buChar char="•"/>
-            </a:pPr>
-            <a:r>
-              <a:rPr lang="es-ES" sz="2400" b="1" dirty="0" smtClean="0">
-                <a:solidFill>
-                  <a:schemeClr val="tx1"/>
-                </a:solidFill>
-              </a:rPr>
-              <a:t>Mercado posiblemente</a:t>
-            </a:r>
-          </a:p>
-          <a:p>
-            <a:r>
-              <a:rPr lang="es-ES" sz="2400" b="1" dirty="0" smtClean="0">
-                <a:solidFill>
-                  <a:schemeClr val="tx1"/>
-                </a:solidFill>
-              </a:rPr>
-              <a:t> </a:t>
-            </a:r>
-            <a:r>
-              <a:rPr lang="es-ES" sz="2400" b="1" dirty="0" smtClean="0">
-                <a:solidFill>
-                  <a:schemeClr val="tx1"/>
-                </a:solidFill>
-              </a:rPr>
-              <a:t> reducido</a:t>
-            </a:r>
-            <a:endParaRPr lang="es-ES" sz="2400" b="1" dirty="0">
-              <a:solidFill>
-                <a:schemeClr val="tx1"/>
-              </a:solidFill>
-            </a:endParaRPr>
-          </a:p>
-        </p:txBody>
-      </p:sp>
-      <p:sp>
-        <p:nvSpPr>
-          <p:cNvPr id="9" name="8 Rectángulo"/>
-          <p:cNvSpPr/>
-          <p:nvPr/>
-        </p:nvSpPr>
-        <p:spPr>
-          <a:xfrm>
-            <a:off x="357158" y="3786190"/>
-            <a:ext cx="4214842" cy="2714644"/>
-          </a:xfrm>
-          <a:prstGeom prst="rect">
-            <a:avLst/>
-          </a:prstGeom>
-          <a:solidFill>
-            <a:schemeClr val="accent2">
-              <a:lumMod val="60000"/>
-              <a:lumOff val="40000"/>
-            </a:schemeClr>
-          </a:solidFill>
-        </p:spPr>
-        <p:style>
-          <a:lnRef idx="2">
-            <a:schemeClr val="accent1">
-              <a:shade val="50000"/>
-            </a:schemeClr>
-          </a:lnRef>
-          <a:fillRef idx="1">
-            <a:schemeClr val="accent1"/>
-          </a:fillRef>
-          <a:effectRef idx="0">
-            <a:schemeClr val="accent1"/>
-          </a:effectRef>
-          <a:fontRef idx="minor">
-            <a:schemeClr val="lt1"/>
-          </a:fontRef>
-        </p:style>
-        <p:txBody>
-          <a:bodyPr rtlCol="0" anchor="t" anchorCtr="0"/>
-          <a:lstStyle/>
-          <a:p>
-            <a:pPr algn="ctr"/>
-            <a:r>
-              <a:rPr lang="es-ES" sz="2400" b="1" dirty="0" smtClean="0">
-                <a:solidFill>
-                  <a:schemeClr val="tx1"/>
-                </a:solidFill>
-              </a:rPr>
-              <a:t>OPORTUNIDADES</a:t>
-            </a:r>
-          </a:p>
-          <a:p>
-            <a:pPr>
-              <a:buFont typeface="Arial" pitchFamily="34" charset="0"/>
-              <a:buChar char="•"/>
-            </a:pPr>
-            <a:r>
-              <a:rPr lang="es-ES" sz="2400" b="1" dirty="0" smtClean="0">
-                <a:solidFill>
-                  <a:schemeClr val="tx1"/>
-                </a:solidFill>
-              </a:rPr>
-              <a:t>No hay mucha oferta</a:t>
-            </a:r>
-          </a:p>
-          <a:p>
-            <a:pPr>
-              <a:buFont typeface="Arial" pitchFamily="34" charset="0"/>
-              <a:buChar char="•"/>
-            </a:pPr>
-            <a:r>
-              <a:rPr lang="es-ES" sz="2400" b="1" dirty="0" smtClean="0">
-                <a:solidFill>
-                  <a:schemeClr val="tx1"/>
-                </a:solidFill>
-              </a:rPr>
-              <a:t>Aplicaciones sin personaje</a:t>
-            </a:r>
-          </a:p>
-          <a:p>
-            <a:r>
-              <a:rPr lang="es-ES" sz="2400" b="1" dirty="0" smtClean="0">
-                <a:solidFill>
-                  <a:schemeClr val="tx1"/>
-                </a:solidFill>
-              </a:rPr>
-              <a:t> </a:t>
-            </a:r>
-            <a:r>
-              <a:rPr lang="es-ES" sz="2400" b="1" dirty="0" smtClean="0">
-                <a:solidFill>
-                  <a:schemeClr val="tx1"/>
-                </a:solidFill>
-              </a:rPr>
-              <a:t>central definido</a:t>
-            </a:r>
-          </a:p>
-          <a:p>
-            <a:pPr>
-              <a:buFont typeface="Arial" pitchFamily="34" charset="0"/>
-              <a:buChar char="•"/>
-            </a:pPr>
-            <a:r>
-              <a:rPr lang="es-ES" sz="2400" b="1" dirty="0" smtClean="0">
-                <a:solidFill>
-                  <a:schemeClr val="tx1"/>
-                </a:solidFill>
-              </a:rPr>
-              <a:t>No adaptación a </a:t>
-            </a:r>
-            <a:r>
-              <a:rPr lang="es-ES" sz="2400" b="1" dirty="0" err="1" smtClean="0">
-                <a:solidFill>
-                  <a:schemeClr val="tx1"/>
-                </a:solidFill>
-              </a:rPr>
-              <a:t>tablets</a:t>
-            </a:r>
-            <a:endParaRPr lang="es-ES" sz="2400" b="1" dirty="0" smtClean="0">
-              <a:solidFill>
-                <a:schemeClr val="tx1"/>
-              </a:solidFill>
-            </a:endParaRPr>
-          </a:p>
-          <a:p>
-            <a:pPr>
-              <a:buFont typeface="Arial" pitchFamily="34" charset="0"/>
-              <a:buChar char="•"/>
-            </a:pPr>
-            <a:r>
-              <a:rPr lang="es-ES" sz="2400" b="1" dirty="0" smtClean="0">
-                <a:solidFill>
-                  <a:schemeClr val="tx1"/>
-                </a:solidFill>
-              </a:rPr>
-              <a:t>No zurdos-</a:t>
-            </a:r>
-            <a:r>
-              <a:rPr lang="es-ES" sz="2400" b="1" dirty="0" err="1" smtClean="0">
-                <a:solidFill>
-                  <a:schemeClr val="tx1"/>
-                </a:solidFill>
-              </a:rPr>
-              <a:t>friendly</a:t>
-            </a:r>
-            <a:endParaRPr lang="es-ES" sz="2400" b="1" dirty="0">
-              <a:solidFill>
-                <a:schemeClr val="tx1"/>
-              </a:solidFill>
-            </a:endParaRPr>
-          </a:p>
-        </p:txBody>
-      </p:sp>
-      <p:sp>
-        <p:nvSpPr>
-          <p:cNvPr id="11" name="10 Rectángulo"/>
-          <p:cNvSpPr/>
-          <p:nvPr/>
-        </p:nvSpPr>
-        <p:spPr>
-          <a:xfrm>
-            <a:off x="357158" y="1071546"/>
-            <a:ext cx="4214842" cy="2714644"/>
-          </a:xfrm>
-          <a:prstGeom prst="rect">
-            <a:avLst/>
-          </a:prstGeom>
-          <a:solidFill>
-            <a:schemeClr val="accent3">
-              <a:lumMod val="60000"/>
-              <a:lumOff val="40000"/>
-            </a:schemeClr>
-          </a:solidFill>
-        </p:spPr>
-        <p:style>
-          <a:lnRef idx="2">
-            <a:schemeClr val="accent1">
-              <a:shade val="50000"/>
-            </a:schemeClr>
-          </a:lnRef>
-          <a:fillRef idx="1">
-            <a:schemeClr val="accent1"/>
-          </a:fillRef>
-          <a:effectRef idx="0">
-            <a:schemeClr val="accent1"/>
-          </a:effectRef>
-          <a:fontRef idx="minor">
-            <a:schemeClr val="lt1"/>
-          </a:fontRef>
-        </p:style>
-        <p:txBody>
-          <a:bodyPr rtlCol="0" anchor="t" anchorCtr="0"/>
-          <a:lstStyle/>
-          <a:p>
-            <a:pPr algn="ctr"/>
-            <a:r>
-              <a:rPr lang="es-ES" sz="2400" b="1" dirty="0" smtClean="0">
-                <a:solidFill>
-                  <a:schemeClr val="tx1"/>
-                </a:solidFill>
-              </a:rPr>
-              <a:t>FORTALEZAS</a:t>
-            </a:r>
-          </a:p>
-          <a:p>
-            <a:pPr>
-              <a:buFont typeface="Arial" pitchFamily="34" charset="0"/>
-              <a:buChar char="•"/>
-            </a:pPr>
-            <a:r>
-              <a:rPr lang="es-ES" sz="2400" b="1" dirty="0" smtClean="0">
-                <a:solidFill>
-                  <a:schemeClr val="tx1"/>
-                </a:solidFill>
-              </a:rPr>
-              <a:t>Personaje definido</a:t>
-            </a:r>
-          </a:p>
-          <a:p>
-            <a:pPr>
-              <a:buFont typeface="Arial" pitchFamily="34" charset="0"/>
-              <a:buChar char="•"/>
-            </a:pPr>
-            <a:r>
-              <a:rPr lang="es-ES" sz="2400" b="1" dirty="0" smtClean="0">
-                <a:solidFill>
-                  <a:schemeClr val="tx1"/>
-                </a:solidFill>
-              </a:rPr>
-              <a:t>Desarrollo rápido (</a:t>
-            </a:r>
-            <a:r>
-              <a:rPr lang="es-ES" sz="2400" b="1" dirty="0" err="1" smtClean="0">
-                <a:solidFill>
-                  <a:schemeClr val="tx1"/>
-                </a:solidFill>
-              </a:rPr>
-              <a:t>flavors</a:t>
-            </a:r>
-            <a:r>
-              <a:rPr lang="es-ES" sz="2400" b="1" dirty="0" smtClean="0">
-                <a:solidFill>
-                  <a:schemeClr val="tx1"/>
-                </a:solidFill>
-              </a:rPr>
-              <a:t>)</a:t>
-            </a:r>
-          </a:p>
-          <a:p>
-            <a:pPr>
-              <a:buFont typeface="Arial" pitchFamily="34" charset="0"/>
-              <a:buChar char="•"/>
-            </a:pPr>
-            <a:r>
-              <a:rPr lang="es-ES" sz="2400" b="1" dirty="0" smtClean="0">
-                <a:solidFill>
-                  <a:schemeClr val="tx1"/>
-                </a:solidFill>
-              </a:rPr>
-              <a:t>Recursos propios (- coste)</a:t>
-            </a:r>
-          </a:p>
-          <a:p>
-            <a:pPr>
-              <a:buFont typeface="Arial" pitchFamily="34" charset="0"/>
-              <a:buChar char="•"/>
-            </a:pPr>
-            <a:r>
-              <a:rPr lang="es-ES" sz="2400" b="1" dirty="0" smtClean="0">
-                <a:solidFill>
-                  <a:schemeClr val="tx1"/>
-                </a:solidFill>
-              </a:rPr>
-              <a:t>Adaptación </a:t>
-            </a:r>
-            <a:r>
-              <a:rPr lang="es-ES" sz="2400" b="1" dirty="0" err="1" smtClean="0">
-                <a:solidFill>
-                  <a:schemeClr val="tx1"/>
-                </a:solidFill>
-              </a:rPr>
-              <a:t>tablets</a:t>
-            </a:r>
-            <a:endParaRPr lang="es-ES" sz="2400" b="1" dirty="0" smtClean="0">
-              <a:solidFill>
-                <a:schemeClr val="tx1"/>
-              </a:solidFill>
-            </a:endParaRPr>
-          </a:p>
-          <a:p>
-            <a:pPr>
-              <a:buFont typeface="Arial" pitchFamily="34" charset="0"/>
-              <a:buChar char="•"/>
-            </a:pPr>
-            <a:r>
-              <a:rPr lang="es-ES" sz="2400" b="1" dirty="0" smtClean="0">
-                <a:solidFill>
-                  <a:schemeClr val="tx1"/>
-                </a:solidFill>
-              </a:rPr>
-              <a:t>Zurdos-</a:t>
-            </a:r>
-            <a:r>
-              <a:rPr lang="es-ES" sz="2400" b="1" dirty="0" err="1" smtClean="0">
-                <a:solidFill>
-                  <a:schemeClr val="tx1"/>
-                </a:solidFill>
-              </a:rPr>
-              <a:t>friendly</a:t>
-            </a:r>
-            <a:endParaRPr lang="es-ES" sz="2400" b="1" dirty="0" smtClean="0">
-              <a:solidFill>
-                <a:schemeClr val="tx1"/>
-              </a:solidFill>
-            </a:endParaRPr>
-          </a:p>
-          <a:p>
-            <a:pPr>
-              <a:buFont typeface="Arial" pitchFamily="34" charset="0"/>
-              <a:buChar char="•"/>
-            </a:pPr>
-            <a:r>
-              <a:rPr lang="es-ES" sz="2400" b="1" dirty="0" smtClean="0">
-                <a:solidFill>
-                  <a:schemeClr val="tx1"/>
-                </a:solidFill>
-              </a:rPr>
-              <a:t>Guardado estado del juego</a:t>
-            </a:r>
-            <a:endParaRPr lang="es-ES" sz="2400" b="1" dirty="0">
-              <a:solidFill>
-                <a:schemeClr val="tx1"/>
-              </a:solidFill>
-            </a:endParaRPr>
+                <a:effectLst/>
+                <a:uLnTx/>
+                <a:uFillTx/>
+                <a:latin typeface="+mj-lt"/>
+                <a:ea typeface="+mj-ea"/>
+                <a:cs typeface="+mj-cs"/>
+              </a:rPr>
+              <a:t>Destinatarios</a:t>
+            </a:r>
           </a:p>
         </p:txBody>
       </p:sp>
@@ -14483,6 +14001,118 @@
       </p:grpSpPr>
       <p:sp>
         <p:nvSpPr>
+          <p:cNvPr id="10" name="9 Rectángulo"/>
+          <p:cNvSpPr/>
+          <p:nvPr/>
+        </p:nvSpPr>
+        <p:spPr>
+          <a:xfrm>
+            <a:off x="4572000" y="1071546"/>
+            <a:ext cx="4214842" cy="2714644"/>
+          </a:xfrm>
+          <a:prstGeom prst="rect">
+            <a:avLst/>
+          </a:prstGeom>
+          <a:solidFill>
+            <a:schemeClr val="accent6">
+              <a:lumMod val="60000"/>
+              <a:lumOff val="40000"/>
+            </a:schemeClr>
+          </a:solidFill>
+        </p:spPr>
+        <p:style>
+          <a:lnRef idx="2">
+            <a:schemeClr val="accent1">
+              <a:shade val="50000"/>
+            </a:schemeClr>
+          </a:lnRef>
+          <a:fillRef idx="1">
+            <a:schemeClr val="accent1"/>
+          </a:fillRef>
+          <a:effectRef idx="0">
+            <a:schemeClr val="accent1"/>
+          </a:effectRef>
+          <a:fontRef idx="minor">
+            <a:schemeClr val="lt1"/>
+          </a:fontRef>
+        </p:style>
+        <p:txBody>
+          <a:bodyPr rtlCol="0" anchor="t" anchorCtr="0"/>
+          <a:lstStyle/>
+          <a:p>
+            <a:pPr algn="ctr"/>
+            <a:r>
+              <a:rPr lang="es-ES" sz="2400" b="1" dirty="0" smtClean="0">
+                <a:solidFill>
+                  <a:schemeClr val="tx1"/>
+                </a:solidFill>
+              </a:rPr>
+              <a:t>DEBILIDADES</a:t>
+            </a:r>
+          </a:p>
+          <a:p>
+            <a:pPr>
+              <a:buFont typeface="Arial" pitchFamily="34" charset="0"/>
+              <a:buChar char="•"/>
+            </a:pPr>
+            <a:r>
+              <a:rPr lang="es-ES" sz="2400" b="1" dirty="0" smtClean="0">
+                <a:solidFill>
+                  <a:schemeClr val="tx1"/>
+                </a:solidFill>
+              </a:rPr>
+              <a:t>Falta de experiencia:</a:t>
+            </a:r>
+          </a:p>
+          <a:p>
+            <a:r>
+              <a:rPr lang="es-ES" sz="2400" b="1" dirty="0" smtClean="0">
+                <a:solidFill>
+                  <a:schemeClr val="tx1"/>
+                </a:solidFill>
+              </a:rPr>
+              <a:t> desarrollo y comercialización</a:t>
+            </a:r>
+          </a:p>
+          <a:p>
+            <a:pPr>
+              <a:buFont typeface="Arial" pitchFamily="34" charset="0"/>
+              <a:buChar char="•"/>
+            </a:pPr>
+            <a:r>
+              <a:rPr lang="es-ES" sz="2400" b="1" dirty="0" smtClean="0">
+                <a:solidFill>
+                  <a:schemeClr val="tx1"/>
+                </a:solidFill>
+              </a:rPr>
+              <a:t>No hay una empresa fuerte</a:t>
+            </a:r>
+          </a:p>
+          <a:p>
+            <a:r>
+              <a:rPr lang="es-ES" sz="2400" b="1" dirty="0" smtClean="0">
+                <a:solidFill>
+                  <a:schemeClr val="tx1"/>
+                </a:solidFill>
+              </a:rPr>
+              <a:t> detrás</a:t>
+            </a:r>
+          </a:p>
+          <a:p>
+            <a:pPr>
+              <a:buFont typeface="Arial" pitchFamily="34" charset="0"/>
+              <a:buChar char="•"/>
+            </a:pPr>
+            <a:endParaRPr lang="es-ES" sz="2400" b="1" dirty="0">
+              <a:solidFill>
+                <a:schemeClr val="tx1"/>
+              </a:solidFill>
+            </a:endParaRPr>
+          </a:p>
+        </p:txBody>
+      </p:sp>
+      <p:sp>
+        <p:nvSpPr>
           <p:cNvPr id="4" name="1 Título"/>
           <p:cNvSpPr txBox="1">
             <a:spLocks/>
@@ -14522,12 +14152,12 @@
               <a:defRPr/>
             </a:pPr>
             <a:r>
-              <a:rPr lang="es-ES" sz="4400" noProof="0" dirty="0" smtClean="0">
+              <a:rPr lang="es-ES" sz="4400" dirty="0" smtClean="0">
                 <a:latin typeface="Underwood Champion" pitchFamily="2" charset="0"/>
                 <a:ea typeface="+mj-ea"/>
                 <a:cs typeface="+mj-cs"/>
               </a:rPr>
-              <a:t>VENTAJA COMPETITIVA</a:t>
+              <a:t>DAFO</a:t>
             </a:r>
             <a:endParaRPr kumimoji="0" lang="es-ES" sz="4400" b="0" i="0" u="none" strike="noStrike" kern="1200" cap="none" spc="0" normalizeH="0" baseline="0" noProof="0" dirty="0" smtClean="0">
               <a:ln>
@@ -14556,8 +14186,8 @@
         </p:nvSpPr>
         <p:spPr>
           <a:xfrm>
-            <a:off x="1000100" y="1428736"/>
-            <a:ext cx="7072362" cy="5429264"/>
+            <a:off x="0" y="928670"/>
+            <a:ext cx="9144000" cy="5929330"/>
           </a:xfrm>
           <a:prstGeom prst="rect">
             <a:avLst/>
@@ -14569,143 +14199,24 @@
           </a:bodyPr>
           <a:lstStyle/>
           <a:p>
-            <a:pPr>
+            <a:pPr marL="0" marR="0" lvl="0" indent="0" defTabSz="914400" rtl="0" eaLnBrk="1" fontAlgn="auto" latinLnBrk="0" hangingPunct="1">
+              <a:lnSpc>
+                <a:spcPct val="100000"/>
+              </a:lnSpc>
+              <a:spcBef>
+                <a:spcPct val="0"/>
+              </a:spcBef>
+              <a:spcAft>
+                <a:spcPts val="0"/>
+              </a:spcAft>
+              <a:buClrTx/>
+              <a:buSzTx/>
               <a:buFont typeface="Arial" pitchFamily="34" charset="0"/>
               <a:buChar char="•"/>
-            </a:pPr>
-            <a:r>
-              <a:rPr lang="es-ES" sz="4400" dirty="0" smtClean="0">
-                <a:latin typeface="+mj-lt"/>
-                <a:cs typeface="Times New Roman" pitchFamily="18" charset="0"/>
-              </a:rPr>
-              <a:t>Personaje </a:t>
-            </a:r>
-            <a:r>
-              <a:rPr lang="es-ES" sz="4400" dirty="0" smtClean="0">
-                <a:latin typeface="+mj-lt"/>
-                <a:cs typeface="Times New Roman" pitchFamily="18" charset="0"/>
-              </a:rPr>
-              <a:t>definido</a:t>
-            </a:r>
-          </a:p>
-          <a:p>
-            <a:pPr>
-              <a:buFont typeface="Arial" pitchFamily="34" charset="0"/>
-              <a:buChar char="•"/>
-            </a:pPr>
-            <a:r>
-              <a:rPr lang="es-ES" sz="4400" dirty="0" smtClean="0">
-                <a:latin typeface="+mj-lt"/>
-                <a:cs typeface="Times New Roman" pitchFamily="18" charset="0"/>
-              </a:rPr>
-              <a:t>Desarrollo rápido (</a:t>
-            </a:r>
-            <a:r>
-              <a:rPr lang="es-ES" sz="4400" dirty="0" err="1" smtClean="0">
-                <a:latin typeface="+mj-lt"/>
-                <a:cs typeface="Times New Roman" pitchFamily="18" charset="0"/>
-              </a:rPr>
-              <a:t>flavors</a:t>
-            </a:r>
-            <a:r>
-              <a:rPr lang="es-ES" sz="4400" dirty="0" smtClean="0">
-                <a:latin typeface="+mj-lt"/>
-                <a:cs typeface="Times New Roman" pitchFamily="18" charset="0"/>
-              </a:rPr>
-              <a:t>)</a:t>
-            </a:r>
-          </a:p>
-          <a:p>
-            <a:pPr>
-              <a:buFont typeface="Arial" pitchFamily="34" charset="0"/>
-              <a:buChar char="•"/>
-            </a:pPr>
-            <a:r>
-              <a:rPr lang="es-ES" sz="4400" dirty="0" smtClean="0">
-                <a:latin typeface="+mj-lt"/>
-                <a:cs typeface="Times New Roman" pitchFamily="18" charset="0"/>
-              </a:rPr>
-              <a:t>Recursos propios (- coste)</a:t>
-            </a:r>
-          </a:p>
-          <a:p>
-            <a:pPr>
-              <a:buFont typeface="Arial" pitchFamily="34" charset="0"/>
-              <a:buChar char="•"/>
-            </a:pPr>
-            <a:r>
-              <a:rPr lang="es-ES" sz="4400" dirty="0" smtClean="0">
-                <a:latin typeface="+mj-lt"/>
-                <a:cs typeface="Times New Roman" pitchFamily="18" charset="0"/>
-              </a:rPr>
-              <a:t>Adaptación </a:t>
-            </a:r>
-            <a:r>
-              <a:rPr lang="es-ES" sz="4400" dirty="0" err="1" smtClean="0">
-                <a:latin typeface="+mj-lt"/>
-                <a:cs typeface="Times New Roman" pitchFamily="18" charset="0"/>
-              </a:rPr>
-              <a:t>tablets</a:t>
-            </a:r>
-            <a:endParaRPr lang="es-ES" sz="4400" dirty="0" smtClean="0">
-              <a:latin typeface="+mj-lt"/>
-              <a:cs typeface="Times New Roman" pitchFamily="18" charset="0"/>
-            </a:endParaRPr>
-          </a:p>
-          <a:p>
-            <a:pPr>
-              <a:buFont typeface="Arial" pitchFamily="34" charset="0"/>
-              <a:buChar char="•"/>
-            </a:pPr>
-            <a:r>
-              <a:rPr lang="es-ES" sz="4400" dirty="0" smtClean="0">
-                <a:latin typeface="+mj-lt"/>
-                <a:cs typeface="Times New Roman" pitchFamily="18" charset="0"/>
-              </a:rPr>
-              <a:t>Zurdos-</a:t>
-            </a:r>
-            <a:r>
-              <a:rPr lang="es-ES" sz="4400" dirty="0" err="1" smtClean="0">
-                <a:latin typeface="+mj-lt"/>
-                <a:cs typeface="Times New Roman" pitchFamily="18" charset="0"/>
-              </a:rPr>
-              <a:t>friendly</a:t>
-            </a:r>
-            <a:endParaRPr lang="es-ES" sz="4400" dirty="0" smtClean="0">
-              <a:latin typeface="+mj-lt"/>
-              <a:cs typeface="Times New Roman" pitchFamily="18" charset="0"/>
-            </a:endParaRPr>
-          </a:p>
-          <a:p>
-            <a:pPr>
-              <a:buFont typeface="Arial" pitchFamily="34" charset="0"/>
-              <a:buChar char="•"/>
-            </a:pPr>
-            <a:r>
-              <a:rPr lang="es-ES" sz="4400" dirty="0" smtClean="0">
-                <a:latin typeface="+mj-lt"/>
-                <a:cs typeface="Times New Roman" pitchFamily="18" charset="0"/>
-              </a:rPr>
-              <a:t>Guardado estado del juego</a:t>
-            </a:r>
-          </a:p>
-          <a:p>
-            <a:pPr marL="0" marR="0" lvl="0" indent="0" defTabSz="914400" rtl="0" eaLnBrk="1" fontAlgn="auto" latinLnBrk="0" hangingPunct="1">
-              <a:lnSpc>
-                <a:spcPct val="100000"/>
-              </a:lnSpc>
-              <a:spcBef>
-                <a:spcPct val="0"/>
-              </a:spcBef>
-              <a:spcAft>
-                <a:spcPts val="0"/>
-              </a:spcAft>
-              <a:buClrTx/>
-              <a:buSzTx/>
-              <a:tabLst/>
-              <a:defRPr/>
-            </a:pPr>
-            <a:endParaRPr kumimoji="0" lang="es-ES" sz="3200" b="0" i="0" u="none" strike="noStrike" kern="1200" cap="none" spc="0" normalizeH="0" baseline="0" dirty="0" smtClean="0">
+              <a:tabLst/>
+              <a:defRPr/>
+            </a:pPr>
+            <a:endParaRPr kumimoji="0" lang="es-ES" sz="3200" b="0" i="0" u="none" strike="noStrike" kern="1200" cap="none" spc="0" normalizeH="0" baseline="0" noProof="0" dirty="0" smtClean="0">
               <a:ln>
                 <a:noFill/>
               </a:ln>
@@ -14718,6 +14229,455 @@
               <a:latin typeface="Underwood Champion" pitchFamily="2" charset="0"/>
               <a:ea typeface="+mj-ea"/>
               <a:cs typeface="+mj-cs"/>
+            </a:endParaRPr>
+          </a:p>
+        </p:txBody>
+      </p:sp>
+      <p:sp>
+        <p:nvSpPr>
+          <p:cNvPr id="8" name="7 Rectángulo"/>
+          <p:cNvSpPr/>
+          <p:nvPr/>
+        </p:nvSpPr>
+        <p:spPr>
+          <a:xfrm>
+            <a:off x="4572000" y="3786190"/>
+            <a:ext cx="4214842" cy="2714644"/>
+          </a:xfrm>
+          <a:prstGeom prst="rect">
+            <a:avLst/>
+          </a:prstGeom>
+          <a:solidFill>
+            <a:schemeClr val="accent1">
+              <a:lumMod val="60000"/>
+              <a:lumOff val="40000"/>
+            </a:schemeClr>
+          </a:solidFill>
+        </p:spPr>
+        <p:style>
+          <a:lnRef idx="2">
+            <a:schemeClr val="accent1">
+              <a:shade val="50000"/>
+            </a:schemeClr>
+          </a:lnRef>
+          <a:fillRef idx="1">
+            <a:schemeClr val="accent1"/>
+          </a:fillRef>
+          <a:effectRef idx="0">
+            <a:schemeClr val="accent1"/>
+          </a:effectRef>
+          <a:fontRef idx="minor">
+            <a:schemeClr val="lt1"/>
+          </a:fontRef>
+        </p:style>
+        <p:txBody>
+          <a:bodyPr rtlCol="0" anchor="t" anchorCtr="0"/>
+          <a:lstStyle/>
+          <a:p>
+            <a:pPr algn="ctr"/>
+            <a:r>
+              <a:rPr lang="es-ES" sz="2400" b="1" dirty="0" smtClean="0">
+                <a:solidFill>
+                  <a:schemeClr val="tx1"/>
+                </a:solidFill>
+              </a:rPr>
+              <a:t>AMENAZAS</a:t>
+            </a:r>
+          </a:p>
+          <a:p>
+            <a:pPr>
+              <a:buFont typeface="Arial" pitchFamily="34" charset="0"/>
+              <a:buChar char="•"/>
+            </a:pPr>
+            <a:r>
+              <a:rPr lang="es-ES" sz="2400" b="1" dirty="0" smtClean="0">
+                <a:solidFill>
+                  <a:schemeClr val="tx1"/>
+                </a:solidFill>
+              </a:rPr>
+              <a:t>Saturación de aplicaciones</a:t>
+            </a:r>
+          </a:p>
+          <a:p>
+            <a:r>
+              <a:rPr lang="es-ES" sz="2400" b="1" dirty="0" smtClean="0">
+                <a:solidFill>
+                  <a:schemeClr val="tx1"/>
+                </a:solidFill>
+              </a:rPr>
+              <a:t>  infantiles</a:t>
+            </a:r>
+          </a:p>
+          <a:p>
+            <a:pPr>
+              <a:buFont typeface="Arial" pitchFamily="34" charset="0"/>
+              <a:buChar char="•"/>
+            </a:pPr>
+            <a:r>
+              <a:rPr lang="es-ES" sz="2400" b="1" dirty="0" smtClean="0">
+                <a:solidFill>
+                  <a:schemeClr val="tx1"/>
+                </a:solidFill>
+              </a:rPr>
+              <a:t>Saturación de personajes</a:t>
+            </a:r>
+          </a:p>
+          <a:p>
+            <a:pPr>
+              <a:buFont typeface="Arial" pitchFamily="34" charset="0"/>
+              <a:buChar char="•"/>
+            </a:pPr>
+            <a:r>
+              <a:rPr lang="es-ES" sz="2400" b="1" dirty="0" smtClean="0">
+                <a:solidFill>
+                  <a:schemeClr val="tx1"/>
+                </a:solidFill>
+              </a:rPr>
+              <a:t>Mercado posiblemente</a:t>
+            </a:r>
+          </a:p>
+          <a:p>
+            <a:r>
+              <a:rPr lang="es-ES" sz="2400" b="1" dirty="0" smtClean="0">
+                <a:solidFill>
+                  <a:schemeClr val="tx1"/>
+                </a:solidFill>
+              </a:rPr>
+              <a:t>  reducido</a:t>
+            </a:r>
+            <a:endParaRPr lang="es-ES" sz="2400" b="1" dirty="0">
+              <a:solidFill>
+                <a:schemeClr val="tx1"/>
+              </a:solidFill>
+            </a:endParaRPr>
+          </a:p>
+        </p:txBody>
+      </p:sp>
+      <p:sp>
+        <p:nvSpPr>
+          <p:cNvPr id="9" name="8 Rectángulo"/>
+          <p:cNvSpPr/>
+          <p:nvPr/>
+        </p:nvSpPr>
+        <p:spPr>
+          <a:xfrm>
+            <a:off x="357158" y="3786190"/>
+            <a:ext cx="4214842" cy="2714644"/>
+          </a:xfrm>
+          <a:prstGeom prst="rect">
+            <a:avLst/>
+          </a:prstGeom>
+          <a:solidFill>
+            <a:schemeClr val="accent2">
+              <a:lumMod val="60000"/>
+              <a:lumOff val="40000"/>
+            </a:schemeClr>
+          </a:solidFill>
+        </p:spPr>
+        <p:style>
+          <a:lnRef idx="2">
+            <a:schemeClr val="accent1">
+              <a:shade val="50000"/>
+            </a:schemeClr>
+          </a:lnRef>
+          <a:fillRef idx="1">
+            <a:schemeClr val="accent1"/>
+          </a:fillRef>
+          <a:effectRef idx="0">
+            <a:schemeClr val="accent1"/>
+          </a:effectRef>
+          <a:fontRef idx="minor">
+            <a:schemeClr val="lt1"/>
+          </a:fontRef>
+        </p:style>
+        <p:txBody>
+          <a:bodyPr rtlCol="0" anchor="t" anchorCtr="0"/>
+          <a:lstStyle/>
+          <a:p>
+            <a:pPr algn="ctr"/>
+            <a:r>
+              <a:rPr lang="es-ES" sz="2400" b="1" dirty="0" smtClean="0">
+                <a:solidFill>
+                  <a:schemeClr val="tx1"/>
+                </a:solidFill>
+              </a:rPr>
+              <a:t>OPORTUNIDADES</a:t>
+            </a:r>
+          </a:p>
+          <a:p>
+            <a:pPr>
+              <a:buFont typeface="Arial" pitchFamily="34" charset="0"/>
+              <a:buChar char="•"/>
+            </a:pPr>
+            <a:r>
+              <a:rPr lang="es-ES" sz="2400" b="1" dirty="0" smtClean="0">
+                <a:solidFill>
+                  <a:schemeClr val="tx1"/>
+                </a:solidFill>
+              </a:rPr>
+              <a:t>No hay mucha oferta</a:t>
+            </a:r>
+          </a:p>
+          <a:p>
+            <a:pPr>
+              <a:buFont typeface="Arial" pitchFamily="34" charset="0"/>
+              <a:buChar char="•"/>
+            </a:pPr>
+            <a:r>
+              <a:rPr lang="es-ES" sz="2400" b="1" dirty="0" smtClean="0">
+                <a:solidFill>
+                  <a:schemeClr val="tx1"/>
+                </a:solidFill>
+              </a:rPr>
+              <a:t>Aplicaciones sin personaje</a:t>
+            </a:r>
+          </a:p>
+          <a:p>
+            <a:r>
+              <a:rPr lang="es-ES" sz="2400" b="1" dirty="0" smtClean="0">
+                <a:solidFill>
+                  <a:schemeClr val="tx1"/>
+                </a:solidFill>
+              </a:rPr>
+              <a:t> central definido</a:t>
+            </a:r>
+          </a:p>
+          <a:p>
+            <a:pPr>
+              <a:buFont typeface="Arial" pitchFamily="34" charset="0"/>
+              <a:buChar char="•"/>
+            </a:pPr>
+            <a:r>
+              <a:rPr lang="es-ES" sz="2400" b="1" dirty="0" smtClean="0">
+                <a:solidFill>
+                  <a:schemeClr val="tx1"/>
+                </a:solidFill>
+              </a:rPr>
+              <a:t>No adaptación a </a:t>
+            </a:r>
+            <a:r>
+              <a:rPr lang="es-ES" sz="2400" b="1" dirty="0" err="1" smtClean="0">
+                <a:solidFill>
+                  <a:schemeClr val="tx1"/>
+                </a:solidFill>
+              </a:rPr>
+              <a:t>tablets</a:t>
+            </a:r>
+            <a:endParaRPr lang="es-ES" sz="2400" b="1" dirty="0" smtClean="0">
+              <a:solidFill>
+                <a:schemeClr val="tx1"/>
+              </a:solidFill>
+            </a:endParaRPr>
+          </a:p>
+          <a:p>
+            <a:pPr>
+              <a:buFont typeface="Arial" pitchFamily="34" charset="0"/>
+              <a:buChar char="•"/>
+            </a:pPr>
+            <a:r>
+              <a:rPr lang="es-ES" sz="2400" b="1" dirty="0" smtClean="0">
+                <a:solidFill>
+                  <a:schemeClr val="tx1"/>
+                </a:solidFill>
+              </a:rPr>
+              <a:t>No zurdos-</a:t>
+            </a:r>
+            <a:r>
+              <a:rPr lang="es-ES" sz="2400" b="1" dirty="0" err="1" smtClean="0">
+                <a:solidFill>
+                  <a:schemeClr val="tx1"/>
+                </a:solidFill>
+              </a:rPr>
+              <a:t>friendly</a:t>
+            </a:r>
+            <a:endParaRPr lang="es-ES" sz="2400" b="1" dirty="0">
+              <a:solidFill>
+                <a:schemeClr val="tx1"/>
+              </a:solidFill>
+            </a:endParaRPr>
+          </a:p>
+        </p:txBody>
+      </p:sp>
+      <p:sp>
+        <p:nvSpPr>
+          <p:cNvPr id="11" name="10 Rectángulo"/>
+          <p:cNvSpPr/>
+          <p:nvPr/>
+        </p:nvSpPr>
+        <p:spPr>
+          <a:xfrm>
+            <a:off x="357158" y="1071546"/>
+            <a:ext cx="4214842" cy="2714644"/>
+          </a:xfrm>
+          <a:prstGeom prst="rect">
+            <a:avLst/>
+          </a:prstGeom>
+          <a:solidFill>
+            <a:schemeClr val="accent3">
+              <a:lumMod val="60000"/>
+              <a:lumOff val="40000"/>
+            </a:schemeClr>
+          </a:solidFill>
+        </p:spPr>
+        <p:style>
+          <a:lnRef idx="2">
+            <a:schemeClr val="accent1">
+              <a:shade val="50000"/>
+            </a:schemeClr>
+          </a:lnRef>
+          <a:fillRef idx="1">
+            <a:schemeClr val="accent1"/>
+          </a:fillRef>
+          <a:effectRef idx="0">
+            <a:schemeClr val="accent1"/>
+          </a:effectRef>
+          <a:fontRef idx="minor">
+            <a:schemeClr val="lt1"/>
+          </a:fontRef>
+        </p:style>
+        <p:txBody>
+          <a:bodyPr rtlCol="0" anchor="t" anchorCtr="0"/>
+          <a:lstStyle/>
+          <a:p>
+            <a:pPr algn="ctr"/>
+            <a:r>
+              <a:rPr lang="es-ES" sz="2400" b="1" dirty="0" smtClean="0">
+                <a:solidFill>
+                  <a:schemeClr val="tx1"/>
+                </a:solidFill>
+              </a:rPr>
+              <a:t>FORTALEZAS</a:t>
+            </a:r>
+          </a:p>
+          <a:p>
+            <a:pPr>
+              <a:buFont typeface="Arial" pitchFamily="34" charset="0"/>
+              <a:buChar char="•"/>
+            </a:pPr>
+            <a:r>
+              <a:rPr lang="es-ES" sz="2400" b="1" dirty="0" smtClean="0">
+                <a:solidFill>
+                  <a:schemeClr val="tx1"/>
+                </a:solidFill>
+              </a:rPr>
+              <a:t>Personaje definido</a:t>
+            </a:r>
+          </a:p>
+          <a:p>
+            <a:pPr>
+              <a:buFont typeface="Arial" pitchFamily="34" charset="0"/>
+              <a:buChar char="•"/>
+            </a:pPr>
+            <a:r>
+              <a:rPr lang="es-ES" sz="2400" b="1" dirty="0" smtClean="0">
+                <a:solidFill>
+                  <a:schemeClr val="tx1"/>
+                </a:solidFill>
+              </a:rPr>
+              <a:t>Desarrollo rápido (</a:t>
+            </a:r>
+            <a:r>
+              <a:rPr lang="es-ES" sz="2400" b="1" dirty="0" err="1" smtClean="0">
+                <a:solidFill>
+                  <a:schemeClr val="tx1"/>
+                </a:solidFill>
+              </a:rPr>
+              <a:t>flavors</a:t>
+            </a:r>
+            <a:r>
+              <a:rPr lang="es-ES" sz="2400" b="1" dirty="0" smtClean="0">
+                <a:solidFill>
+                  <a:schemeClr val="tx1"/>
+                </a:solidFill>
+              </a:rPr>
+              <a:t>)</a:t>
+            </a:r>
+          </a:p>
+          <a:p>
+            <a:pPr>
+              <a:buFont typeface="Arial" pitchFamily="34" charset="0"/>
+              <a:buChar char="•"/>
+            </a:pPr>
+            <a:r>
+              <a:rPr lang="es-ES" sz="2400" b="1" dirty="0" smtClean="0">
+                <a:solidFill>
+                  <a:schemeClr val="tx1"/>
+                </a:solidFill>
+              </a:rPr>
+              <a:t>Recursos propios (- coste)</a:t>
+            </a:r>
+          </a:p>
+          <a:p>
+            <a:pPr>
+              <a:buFont typeface="Arial" pitchFamily="34" charset="0"/>
+              <a:buChar char="•"/>
+            </a:pPr>
+            <a:r>
+              <a:rPr lang="es-ES" sz="2400" b="1" dirty="0" smtClean="0">
+                <a:solidFill>
+                  <a:schemeClr val="tx1"/>
+                </a:solidFill>
+              </a:rPr>
+              <a:t>Adaptación </a:t>
+            </a:r>
+            <a:r>
+              <a:rPr lang="es-ES" sz="2400" b="1" dirty="0" err="1" smtClean="0">
+                <a:solidFill>
+                  <a:schemeClr val="tx1"/>
+                </a:solidFill>
+              </a:rPr>
+              <a:t>tablets</a:t>
+            </a:r>
+            <a:endParaRPr lang="es-ES" sz="2400" b="1" dirty="0" smtClean="0">
+              <a:solidFill>
+                <a:schemeClr val="tx1"/>
+              </a:solidFill>
+            </a:endParaRPr>
+          </a:p>
+          <a:p>
+            <a:pPr>
+              <a:buFont typeface="Arial" pitchFamily="34" charset="0"/>
+              <a:buChar char="•"/>
+            </a:pPr>
+            <a:r>
+              <a:rPr lang="es-ES" sz="2400" b="1" dirty="0" smtClean="0">
+                <a:solidFill>
+                  <a:schemeClr val="tx1"/>
+                </a:solidFill>
+              </a:rPr>
+              <a:t>Zurdos-</a:t>
+            </a:r>
+            <a:r>
+              <a:rPr lang="es-ES" sz="2400" b="1" dirty="0" err="1" smtClean="0">
+                <a:solidFill>
+                  <a:schemeClr val="tx1"/>
+                </a:solidFill>
+              </a:rPr>
+              <a:t>friendly</a:t>
+            </a:r>
+            <a:endParaRPr lang="es-ES" sz="2400" b="1" dirty="0" smtClean="0">
+              <a:solidFill>
+                <a:schemeClr val="tx1"/>
+              </a:solidFill>
+            </a:endParaRPr>
+          </a:p>
+          <a:p>
+            <a:pPr>
+              <a:buFont typeface="Arial" pitchFamily="34" charset="0"/>
+              <a:buChar char="•"/>
+            </a:pPr>
+            <a:r>
+              <a:rPr lang="es-ES" sz="2400" b="1" dirty="0" smtClean="0">
+                <a:solidFill>
+                  <a:schemeClr val="tx1"/>
+                </a:solidFill>
+              </a:rPr>
+              <a:t>Guardado estado del juego</a:t>
+            </a:r>
+            <a:endParaRPr lang="es-ES" sz="2400" b="1" dirty="0">
+              <a:solidFill>
+                <a:schemeClr val="tx1"/>
+              </a:solidFill>
             </a:endParaRPr>
           </a:p>
         </p:txBody>
@@ -14800,7 +14760,7 @@
                 <a:ea typeface="+mj-ea"/>
                 <a:cs typeface="+mj-cs"/>
               </a:rPr>
-              <a:t>$$$</a:t>
+              <a:t>VENTAJA COMPETITIVA</a:t>
             </a:r>
             <a:endParaRPr kumimoji="0" lang="es-ES" sz="4400" b="0" i="0" u="none" strike="noStrike" kern="1200" cap="none" spc="0" normalizeH="0" baseline="0" noProof="0" dirty="0" smtClean="0">
               <a:ln>
@@ -14829,54 +14789,149 @@
         </p:nvSpPr>
         <p:spPr>
           <a:xfrm>
-            <a:off x="428596" y="1357298"/>
-            <a:ext cx="4071966" cy="714380"/>
-          </a:xfrm>
-          <a:prstGeom prst="rect">
-            <a:avLst/>
-          </a:prstGeom>
-          <a:solidFill>
-            <a:schemeClr val="accent3"/>
-          </a:solidFill>
-          <a:ln w="38100" cap="flat">
-            <a:solidFill>
-              <a:schemeClr val="tx1">
-                <a:lumMod val="50000"/>
-                <a:lumOff val="50000"/>
-              </a:schemeClr>
-            </a:solidFill>
-          </a:ln>
+            <a:off x="1000100" y="1428736"/>
+            <a:ext cx="7072362" cy="5429264"/>
+          </a:xfrm>
+          <a:prstGeom prst="rect">
+            <a:avLst/>
+          </a:prstGeom>
         </p:spPr>
         <p:txBody>
           <a:bodyPr vert="horz" lIns="91440" tIns="45720" rIns="91440" bIns="45720" rtlCol="0" anchor="t" anchorCtr="0">
-            <a:noAutofit/>
+            <a:normAutofit/>
           </a:bodyPr>
           <a:lstStyle/>
           <a:p>
-            <a:pPr marL="0" marR="0" lvl="0" indent="0" algn="ctr" defTabSz="914400" rtl="0" eaLnBrk="1" fontAlgn="auto" latinLnBrk="0" hangingPunct="1">
-              <a:lnSpc>
-                <a:spcPct val="100000"/>
-              </a:lnSpc>
-              <a:spcBef>
-                <a:spcPct val="0"/>
-              </a:spcBef>
-              <a:spcAft>
-                <a:spcPts val="0"/>
-              </a:spcAft>
-              <a:buClrTx/>
-              <a:buSzTx/>
-              <a:tabLst/>
-              <a:defRPr/>
-            </a:pPr>
-            <a:r>
-              <a:rPr lang="es-ES" sz="4000" b="1" dirty="0" smtClean="0">
-                <a:latin typeface="Underwood Champion" pitchFamily="2" charset="0"/>
-                <a:ea typeface="+mj-ea"/>
-                <a:cs typeface="+mj-cs"/>
-              </a:rPr>
-              <a:t>Ingresos</a:t>
-            </a:r>
-            <a:endParaRPr kumimoji="0" lang="es-ES" sz="4000" b="1" i="0" u="none" strike="noStrike" kern="1200" cap="none" spc="0" normalizeH="0" baseline="0" dirty="0" smtClean="0">
+            <a:pPr>
+              <a:buFont typeface="Arial" pitchFamily="34" charset="0"/>
+              <a:buChar char="•"/>
+            </a:pPr>
+            <a:r>
+              <a:rPr lang="es-ES" sz="4400" dirty="0" smtClean="0">
+                <a:latin typeface="+mj-lt"/>
+                <a:cs typeface="Times New Roman" pitchFamily="18" charset="0"/>
+              </a:rPr>
+              <a:t>Personaje definido</a:t>
+            </a:r>
+          </a:p>
+          <a:p>
+            <a:pPr>
+              <a:buFont typeface="Arial" pitchFamily="34" charset="0"/>
+              <a:buChar char="•"/>
+            </a:pPr>
+            <a:r>
+              <a:rPr lang="es-ES" sz="4400" dirty="0" smtClean="0">
+                <a:latin typeface="+mj-lt"/>
+                <a:cs typeface="Times New Roman" pitchFamily="18" charset="0"/>
+              </a:rPr>
+              <a:t>Desarrollo rápido (</a:t>
+            </a:r>
+            <a:r>
+              <a:rPr lang="es-ES" sz="4400" dirty="0" err="1" smtClean="0">
+                <a:latin typeface="+mj-lt"/>
+                <a:cs typeface="Times New Roman" pitchFamily="18" charset="0"/>
+              </a:rPr>
+              <a:t>flavors</a:t>
+            </a:r>
+            <a:r>
+              <a:rPr lang="es-ES" sz="4400" dirty="0" smtClean="0">
+                <a:latin typeface="+mj-lt"/>
+                <a:cs typeface="Times New Roman" pitchFamily="18" charset="0"/>
+              </a:rPr>
+              <a:t>)</a:t>
+            </a:r>
+          </a:p>
+          <a:p>
+            <a:pPr>
+              <a:buFont typeface="Arial" pitchFamily="34" charset="0"/>
+              <a:buChar char="•"/>
+            </a:pPr>
+            <a:r>
+              <a:rPr lang="es-ES" sz="4400" dirty="0" smtClean="0">
+                <a:latin typeface="+mj-lt"/>
+                <a:cs typeface="Times New Roman" pitchFamily="18" charset="0"/>
+              </a:rPr>
+              <a:t>Recursos propios (- coste)</a:t>
+            </a:r>
+          </a:p>
+          <a:p>
+            <a:pPr>
+              <a:buFont typeface="Arial" pitchFamily="34" charset="0"/>
+              <a:buChar char="•"/>
+            </a:pPr>
+            <a:r>
+              <a:rPr lang="es-ES" sz="4400" dirty="0" smtClean="0">
+                <a:latin typeface="+mj-lt"/>
+                <a:cs typeface="Times New Roman" pitchFamily="18" charset="0"/>
+              </a:rPr>
+              <a:t>Adaptación </a:t>
+            </a:r>
+            <a:r>
+              <a:rPr lang="es-ES" sz="4400" dirty="0" err="1" smtClean="0">
+                <a:latin typeface="+mj-lt"/>
+                <a:cs typeface="Times New Roman" pitchFamily="18" charset="0"/>
+              </a:rPr>
+              <a:t>tablets</a:t>
+            </a:r>
+            <a:endParaRPr lang="es-ES" sz="4400" dirty="0" smtClean="0">
+              <a:latin typeface="+mj-lt"/>
+              <a:cs typeface="Times New Roman" pitchFamily="18" charset="0"/>
+            </a:endParaRPr>
+          </a:p>
+          <a:p>
+            <a:pPr>
+              <a:buFont typeface="Arial" pitchFamily="34" charset="0"/>
+              <a:buChar char="•"/>
+            </a:pPr>
+            <a:r>
+              <a:rPr lang="es-ES" sz="4400" dirty="0" smtClean="0">
+                <a:latin typeface="+mj-lt"/>
+                <a:cs typeface="Times New Roman" pitchFamily="18" charset="0"/>
+              </a:rPr>
+              <a:t>Zurdos-</a:t>
+            </a:r>
+            <a:r>
+              <a:rPr lang="es-ES" sz="4400" dirty="0" err="1" smtClean="0">
+                <a:latin typeface="+mj-lt"/>
+                <a:cs typeface="Times New Roman" pitchFamily="18" charset="0"/>
+              </a:rPr>
+              <a:t>friendly</a:t>
+            </a:r>
+            <a:endParaRPr lang="es-ES" sz="4400" dirty="0" smtClean="0">
+              <a:latin typeface="+mj-lt"/>
+              <a:cs typeface="Times New Roman" pitchFamily="18" charset="0"/>
+            </a:endParaRPr>
+          </a:p>
+          <a:p>
+            <a:pPr>
+              <a:buFont typeface="Arial" pitchFamily="34" charset="0"/>
+              <a:buChar char="•"/>
+            </a:pPr>
+            <a:r>
+              <a:rPr lang="es-ES" sz="4400" dirty="0" smtClean="0">
+                <a:latin typeface="+mj-lt"/>
+                <a:cs typeface="Times New Roman" pitchFamily="18" charset="0"/>
+              </a:rPr>
+              <a:t>Guardado estado del juego</a:t>
+            </a:r>
+          </a:p>
+          <a:p>
+            <a:pPr marL="0" marR="0" lvl="0" indent="0" defTabSz="914400" rtl="0" eaLnBrk="1" fontAlgn="auto" latinLnBrk="0" hangingPunct="1">
+              <a:lnSpc>
+                <a:spcPct val="100000"/>
+              </a:lnSpc>
+              <a:spcBef>
+                <a:spcPct val="0"/>
+              </a:spcBef>
+              <a:spcAft>
+                <a:spcPts val="0"/>
+              </a:spcAft>
+              <a:buClrTx/>
+              <a:buSzTx/>
+              <a:tabLst/>
+              <a:defRPr/>
+            </a:pPr>
+            <a:endParaRPr kumimoji="0" lang="es-ES" sz="3200" b="0" i="0" u="none" strike="noStrike" kern="1200" cap="none" spc="0" normalizeH="0" baseline="0" dirty="0" smtClean="0">
               <a:ln>
                 <a:noFill/>
               </a:ln>
@@ -14887,472 +14942,6 @@
               <a:uLnTx/>
               <a:uFillTx/>
               <a:latin typeface="Underwood Champion" pitchFamily="2" charset="0"/>
-              <a:ea typeface="+mj-ea"/>
-              <a:cs typeface="+mj-cs"/>
-            </a:endParaRPr>
-          </a:p>
-        </p:txBody>
-      </p:sp>
-      <p:sp>
-        <p:nvSpPr>
-          <p:cNvPr id="6" name="1 Título"/>
-          <p:cNvSpPr txBox="1">
-            <a:spLocks/>
-          </p:cNvSpPr>
-          <p:nvPr/>
-        </p:nvSpPr>
-        <p:spPr>
-          <a:xfrm>
-            <a:off x="4643438" y="1357298"/>
-            <a:ext cx="4071966" cy="714380"/>
-          </a:xfrm>
-          <a:prstGeom prst="rect">
-            <a:avLst/>
-          </a:prstGeom>
-          <a:solidFill>
-            <a:schemeClr val="accent2"/>
-          </a:solidFill>
-          <a:ln w="38100" cap="flat">
-            <a:solidFill>
-              <a:schemeClr val="tx1">
-                <a:lumMod val="50000"/>
-                <a:lumOff val="50000"/>
-              </a:schemeClr>
-            </a:solidFill>
-          </a:ln>
-        </p:spPr>
-        <p:txBody>
-          <a:bodyPr vert="horz" lIns="91440" tIns="45720" rIns="91440" bIns="45720" rtlCol="0" anchor="t" anchorCtr="0">
-            <a:noAutofit/>
-          </a:bodyPr>
-          <a:lstStyle/>
-          <a:p>
-            <a:pPr marL="0" marR="0" lvl="0" indent="0" algn="ctr" defTabSz="914400" rtl="0" eaLnBrk="1" fontAlgn="auto" latinLnBrk="0" hangingPunct="1">
-              <a:lnSpc>
-                <a:spcPct val="100000"/>
-              </a:lnSpc>
-              <a:spcBef>
-                <a:spcPct val="0"/>
-              </a:spcBef>
-              <a:spcAft>
-                <a:spcPts val="0"/>
-              </a:spcAft>
-              <a:buClrTx/>
-              <a:buSzTx/>
-              <a:tabLst/>
-              <a:defRPr/>
-            </a:pPr>
-            <a:r>
-              <a:rPr kumimoji="0" lang="es-ES" sz="4000" b="1" i="0" u="none" strike="noStrike" kern="1200" cap="none" spc="0" normalizeH="0" baseline="0" dirty="0" smtClean="0">
-                <a:ln>
-                  <a:noFill/>
-                </a:ln>
-                <a:solidFill>
-                  <a:schemeClr val="tx1"/>
-                </a:solidFill>
-                <a:effectLst/>
-                <a:uLnTx/>
-                <a:uFillTx/>
-                <a:latin typeface="Underwood Champion" pitchFamily="2" charset="0"/>
-                <a:ea typeface="+mj-ea"/>
-                <a:cs typeface="+mj-cs"/>
-              </a:rPr>
-              <a:t>Gastos</a:t>
-            </a:r>
-          </a:p>
-        </p:txBody>
-      </p:sp>
-      <p:sp>
-        <p:nvSpPr>
-          <p:cNvPr id="7" name="1 Título"/>
-          <p:cNvSpPr txBox="1">
-            <a:spLocks/>
-          </p:cNvSpPr>
-          <p:nvPr/>
-        </p:nvSpPr>
-        <p:spPr>
-          <a:xfrm>
-            <a:off x="428596" y="2071678"/>
-            <a:ext cx="4071966" cy="4000528"/>
-          </a:xfrm>
-          <a:prstGeom prst="rect">
-            <a:avLst/>
-          </a:prstGeom>
-          <a:solidFill>
-            <a:schemeClr val="accent3">
-              <a:lumMod val="40000"/>
-              <a:lumOff val="60000"/>
-            </a:schemeClr>
-          </a:solidFill>
-          <a:ln w="38100" cap="flat">
-            <a:solidFill>
-              <a:schemeClr val="tx1">
-                <a:lumMod val="50000"/>
-                <a:lumOff val="50000"/>
-              </a:schemeClr>
-            </a:solidFill>
-          </a:ln>
-        </p:spPr>
-        <p:txBody>
-          <a:bodyPr vert="horz" lIns="91440" tIns="45720" rIns="91440" bIns="45720" rtlCol="0" anchor="t" anchorCtr="0">
-            <a:noAutofit/>
-          </a:bodyPr>
-          <a:lstStyle/>
-          <a:p>
-            <a:pPr marL="0" marR="0" lvl="0" indent="0" defTabSz="914400" rtl="0" eaLnBrk="1" fontAlgn="auto" latinLnBrk="0" hangingPunct="1">
-              <a:lnSpc>
-                <a:spcPct val="100000"/>
-              </a:lnSpc>
-              <a:spcBef>
-                <a:spcPct val="0"/>
-              </a:spcBef>
-              <a:spcAft>
-                <a:spcPts val="0"/>
-              </a:spcAft>
-              <a:buClrTx/>
-              <a:buSzTx/>
-              <a:buFont typeface="Arial" pitchFamily="34" charset="0"/>
-              <a:buChar char="•"/>
-              <a:tabLst/>
-              <a:defRPr/>
-            </a:pPr>
-            <a:endParaRPr lang="es-ES" sz="3200" b="1" dirty="0" smtClean="0">
-              <a:latin typeface="+mj-lt"/>
-              <a:ea typeface="+mj-ea"/>
-              <a:cs typeface="+mj-cs"/>
-            </a:endParaRPr>
-          </a:p>
-          <a:p>
-            <a:pPr marL="0" marR="0" lvl="0" indent="0" defTabSz="914400" rtl="0" eaLnBrk="1" fontAlgn="auto" latinLnBrk="0" hangingPunct="1">
-              <a:lnSpc>
-                <a:spcPct val="100000"/>
-              </a:lnSpc>
-              <a:spcBef>
-                <a:spcPct val="0"/>
-              </a:spcBef>
-              <a:spcAft>
-                <a:spcPts val="0"/>
-              </a:spcAft>
-              <a:buClrTx/>
-              <a:buSzTx/>
-              <a:buFont typeface="Arial" pitchFamily="34" charset="0"/>
-              <a:buChar char="•"/>
-              <a:tabLst/>
-              <a:defRPr/>
-            </a:pPr>
-            <a:r>
-              <a:rPr lang="es-ES" sz="3200" b="1" dirty="0" smtClean="0">
-                <a:latin typeface="+mj-lt"/>
-                <a:ea typeface="+mj-ea"/>
-                <a:cs typeface="+mj-cs"/>
-              </a:rPr>
-              <a:t>1ª </a:t>
-            </a:r>
-            <a:r>
-              <a:rPr lang="es-ES" sz="3200" b="1" dirty="0" err="1" smtClean="0">
-                <a:latin typeface="+mj-lt"/>
-                <a:ea typeface="+mj-ea"/>
-                <a:cs typeface="+mj-cs"/>
-              </a:rPr>
-              <a:t>app</a:t>
-            </a:r>
-            <a:r>
-              <a:rPr lang="es-ES" sz="3200" b="1" dirty="0" smtClean="0">
-                <a:latin typeface="+mj-lt"/>
-                <a:ea typeface="+mj-ea"/>
-                <a:cs typeface="+mj-cs"/>
-              </a:rPr>
-              <a:t>: gratuita</a:t>
-            </a:r>
-          </a:p>
-          <a:p>
-            <a:pPr marL="0" marR="0" lvl="0" indent="0" defTabSz="914400" rtl="0" eaLnBrk="1" fontAlgn="auto" latinLnBrk="0" hangingPunct="1">
-              <a:lnSpc>
-                <a:spcPct val="100000"/>
-              </a:lnSpc>
-              <a:spcBef>
-                <a:spcPct val="0"/>
-              </a:spcBef>
-              <a:spcAft>
-                <a:spcPts val="0"/>
-              </a:spcAft>
-              <a:buClrTx/>
-              <a:buSzTx/>
-              <a:tabLst/>
-              <a:defRPr/>
-            </a:pPr>
-            <a:endParaRPr lang="es-ES" sz="3200" b="1" dirty="0" smtClean="0">
-              <a:latin typeface="+mj-lt"/>
-              <a:ea typeface="+mj-ea"/>
-              <a:cs typeface="+mj-cs"/>
-            </a:endParaRPr>
-          </a:p>
-          <a:p>
-            <a:pPr marL="0" marR="0" lvl="0" indent="0" defTabSz="914400" rtl="0" eaLnBrk="1" fontAlgn="auto" latinLnBrk="0" hangingPunct="1">
-              <a:lnSpc>
-                <a:spcPct val="100000"/>
-              </a:lnSpc>
-              <a:spcBef>
-                <a:spcPct val="0"/>
-              </a:spcBef>
-              <a:spcAft>
-                <a:spcPts val="0"/>
-              </a:spcAft>
-              <a:buClrTx/>
-              <a:buSzTx/>
-              <a:buFont typeface="Arial" pitchFamily="34" charset="0"/>
-              <a:buChar char="•"/>
-              <a:tabLst/>
-              <a:defRPr/>
-            </a:pPr>
-            <a:r>
-              <a:rPr lang="es-ES" sz="3200" b="1" dirty="0" smtClean="0">
-                <a:latin typeface="+mj-lt"/>
-                <a:ea typeface="+mj-ea"/>
-                <a:cs typeface="+mj-cs"/>
-              </a:rPr>
-              <a:t>2ª </a:t>
-            </a:r>
-            <a:r>
-              <a:rPr lang="es-ES" sz="3200" b="1" dirty="0" err="1" smtClean="0">
-                <a:latin typeface="+mj-lt"/>
-                <a:ea typeface="+mj-ea"/>
-                <a:cs typeface="+mj-cs"/>
-              </a:rPr>
-              <a:t>app</a:t>
-            </a:r>
-            <a:r>
-              <a:rPr kumimoji="0" lang="es-ES" sz="3200" b="1" i="0" u="none" strike="noStrike" kern="1200" cap="none" spc="0" normalizeH="0" baseline="0" dirty="0" smtClean="0">
-                <a:ln>
-                  <a:noFill/>
-                </a:ln>
-                <a:solidFill>
-                  <a:schemeClr val="tx1"/>
-                </a:solidFill>
-                <a:effectLst/>
-                <a:uLnTx/>
-                <a:uFillTx/>
-                <a:latin typeface="+mj-lt"/>
-                <a:ea typeface="+mj-ea"/>
-                <a:cs typeface="+mj-cs"/>
-              </a:rPr>
-              <a:t>:</a:t>
-            </a:r>
-            <a:r>
-              <a:rPr kumimoji="0" lang="es-ES" sz="3200" b="1" i="0" u="none" strike="noStrike" kern="1200" cap="none" spc="0" normalizeH="0" dirty="0" smtClean="0">
-                <a:ln>
-                  <a:noFill/>
-                </a:ln>
-                <a:solidFill>
-                  <a:schemeClr val="tx1"/>
-                </a:solidFill>
-                <a:effectLst/>
-                <a:uLnTx/>
-                <a:uFillTx/>
-                <a:latin typeface="+mj-lt"/>
-                <a:ea typeface="+mj-ea"/>
-                <a:cs typeface="+mj-cs"/>
-              </a:rPr>
-              <a:t> 1,5 €</a:t>
-            </a:r>
-          </a:p>
-          <a:p>
-            <a:pPr marL="0" marR="0" lvl="0" indent="0" defTabSz="914400" rtl="0" eaLnBrk="1" fontAlgn="auto" latinLnBrk="0" hangingPunct="1">
-              <a:lnSpc>
-                <a:spcPct val="100000"/>
-              </a:lnSpc>
-              <a:spcBef>
-                <a:spcPct val="0"/>
-              </a:spcBef>
-              <a:spcAft>
-                <a:spcPts val="0"/>
-              </a:spcAft>
-              <a:buClrTx/>
-              <a:buSzTx/>
-              <a:buFont typeface="Arial" pitchFamily="34" charset="0"/>
-              <a:buChar char="•"/>
-              <a:tabLst/>
-              <a:defRPr/>
-            </a:pPr>
-            <a:r>
-              <a:rPr lang="es-ES" sz="3200" b="1" baseline="0" dirty="0" smtClean="0">
-                <a:latin typeface="+mj-lt"/>
-                <a:ea typeface="+mj-ea"/>
-                <a:cs typeface="+mj-cs"/>
-              </a:rPr>
-              <a:t>Publicidad:</a:t>
-            </a:r>
-            <a:r>
-              <a:rPr lang="es-ES" sz="3200" b="1" dirty="0" smtClean="0">
-                <a:latin typeface="+mj-lt"/>
-                <a:ea typeface="+mj-ea"/>
-                <a:cs typeface="+mj-cs"/>
-              </a:rPr>
-              <a:t> +150 €</a:t>
-            </a:r>
-            <a:endParaRPr kumimoji="0" lang="es-ES" sz="3200" b="1" i="0" u="none" strike="noStrike" kern="1200" cap="none" spc="0" normalizeH="0" baseline="0" dirty="0" smtClean="0">
-              <a:ln>
-                <a:noFill/>
-              </a:ln>
-              <a:solidFill>
-                <a:schemeClr val="tx1"/>
-              </a:solidFill>
-              <a:effectLst/>
-              <a:uLnTx/>
-              <a:uFillTx/>
-              <a:latin typeface="+mj-lt"/>
-              <a:ea typeface="+mj-ea"/>
-              <a:cs typeface="+mj-cs"/>
-            </a:endParaRPr>
-          </a:p>
-        </p:txBody>
-      </p:sp>
-      <p:sp>
-        <p:nvSpPr>
-          <p:cNvPr id="8" name="1 Título"/>
-          <p:cNvSpPr txBox="1">
-            <a:spLocks/>
-          </p:cNvSpPr>
-          <p:nvPr/>
-        </p:nvSpPr>
-        <p:spPr>
-          <a:xfrm>
-            <a:off x="4643438" y="2071678"/>
-            <a:ext cx="4071966" cy="4000528"/>
-          </a:xfrm>
-          <a:prstGeom prst="rect">
-            <a:avLst/>
-          </a:prstGeom>
-          <a:solidFill>
-            <a:schemeClr val="accent2">
-              <a:lumMod val="40000"/>
-              <a:lumOff val="60000"/>
-            </a:schemeClr>
-          </a:solidFill>
-          <a:ln w="38100" cap="flat">
-            <a:solidFill>
-              <a:schemeClr val="tx1">
-                <a:lumMod val="50000"/>
-                <a:lumOff val="50000"/>
-              </a:schemeClr>
-            </a:solidFill>
-          </a:ln>
-        </p:spPr>
-        <p:txBody>
-          <a:bodyPr vert="horz" lIns="91440" tIns="45720" rIns="91440" bIns="45720" rtlCol="0" anchor="t" anchorCtr="0">
-            <a:noAutofit/>
-          </a:bodyPr>
-          <a:lstStyle/>
-          <a:p>
-            <a:pPr marL="0" marR="0" lvl="0" indent="0" defTabSz="914400" rtl="0" eaLnBrk="1" fontAlgn="auto" latinLnBrk="0" hangingPunct="1">
-              <a:lnSpc>
-                <a:spcPct val="100000"/>
-              </a:lnSpc>
-              <a:spcBef>
-                <a:spcPct val="0"/>
-              </a:spcBef>
-              <a:spcAft>
-                <a:spcPts val="0"/>
-              </a:spcAft>
-              <a:buClrTx/>
-              <a:buSzTx/>
-              <a:buFont typeface="Arial" pitchFamily="34" charset="0"/>
-              <a:buChar char="•"/>
-              <a:tabLst/>
-              <a:defRPr/>
-            </a:pPr>
-            <a:endParaRPr lang="es-ES" sz="3200" b="1" dirty="0" smtClean="0">
-              <a:latin typeface="+mj-lt"/>
-              <a:ea typeface="+mj-ea"/>
-              <a:cs typeface="+mj-cs"/>
-            </a:endParaRPr>
-          </a:p>
-          <a:p>
-            <a:pPr marL="0" marR="0" lvl="0" indent="0" defTabSz="914400" rtl="0" eaLnBrk="1" fontAlgn="auto" latinLnBrk="0" hangingPunct="1">
-              <a:lnSpc>
-                <a:spcPct val="100000"/>
-              </a:lnSpc>
-              <a:spcBef>
-                <a:spcPct val="0"/>
-              </a:spcBef>
-              <a:spcAft>
-                <a:spcPts val="0"/>
-              </a:spcAft>
-              <a:buClrTx/>
-              <a:buSzTx/>
-              <a:buFont typeface="Arial" pitchFamily="34" charset="0"/>
-              <a:buChar char="•"/>
-              <a:tabLst/>
-              <a:defRPr/>
-            </a:pPr>
-            <a:r>
-              <a:rPr lang="es-ES" sz="3200" b="1" dirty="0" smtClean="0">
-                <a:latin typeface="+mj-lt"/>
-                <a:ea typeface="+mj-ea"/>
-                <a:cs typeface="+mj-cs"/>
-              </a:rPr>
-              <a:t>Google Play: 22,11 €</a:t>
-            </a:r>
-          </a:p>
-          <a:p>
-            <a:pPr marL="0" marR="0" lvl="0" indent="0" defTabSz="914400" rtl="0" eaLnBrk="1" fontAlgn="auto" latinLnBrk="0" hangingPunct="1">
-              <a:lnSpc>
-                <a:spcPct val="100000"/>
-              </a:lnSpc>
-              <a:spcBef>
-                <a:spcPct val="0"/>
-              </a:spcBef>
-              <a:spcAft>
-                <a:spcPts val="0"/>
-              </a:spcAft>
-              <a:buClrTx/>
-              <a:buSzTx/>
-              <a:tabLst/>
-              <a:defRPr/>
-            </a:pPr>
-            <a:endParaRPr lang="es-ES" sz="3200" b="1" dirty="0" smtClean="0">
-              <a:latin typeface="+mj-lt"/>
-              <a:ea typeface="+mj-ea"/>
-              <a:cs typeface="+mj-cs"/>
-            </a:endParaRPr>
-          </a:p>
-          <a:p>
-            <a:pPr marL="0" marR="0" lvl="0" indent="0" defTabSz="914400" rtl="0" eaLnBrk="1" fontAlgn="auto" latinLnBrk="0" hangingPunct="1">
-              <a:lnSpc>
-                <a:spcPct val="100000"/>
-              </a:lnSpc>
-              <a:spcBef>
-                <a:spcPct val="0"/>
-              </a:spcBef>
-              <a:spcAft>
-                <a:spcPts val="0"/>
-              </a:spcAft>
-              <a:buClrTx/>
-              <a:buSzTx/>
-              <a:buFont typeface="Arial" pitchFamily="34" charset="0"/>
-              <a:buChar char="•"/>
-              <a:tabLst/>
-              <a:defRPr/>
-            </a:pPr>
-            <a:r>
-              <a:rPr lang="es-ES" sz="3200" b="1" dirty="0" smtClean="0">
-                <a:latin typeface="+mj-lt"/>
-                <a:ea typeface="+mj-ea"/>
-                <a:cs typeface="+mj-cs"/>
-              </a:rPr>
-              <a:t>Otros: 200 €</a:t>
-            </a:r>
-            <a:endParaRPr kumimoji="0" lang="es-ES" sz="3200" b="1" i="0" u="none" strike="noStrike" kern="1200" cap="none" spc="0" normalizeH="0" baseline="0" dirty="0" smtClean="0">
-              <a:ln>
-                <a:noFill/>
-              </a:ln>
-              <a:solidFill>
-                <a:schemeClr val="tx1"/>
-              </a:solidFill>
-              <a:effectLst/>
-              <a:uLnTx/>
-              <a:uFillTx/>
-              <a:latin typeface="+mj-lt"/>
               <a:ea typeface="+mj-ea"/>
               <a:cs typeface="+mj-cs"/>
             </a:endParaRPr>
@@ -15437,7 +15026,7 @@
                 <a:ea typeface="+mj-ea"/>
                 <a:cs typeface="+mj-cs"/>
               </a:rPr>
-              <a:t>GOOGLE PLAY</a:t>
+              <a:t>$$$</a:t>
             </a:r>
             <a:endParaRPr kumimoji="0" lang="es-ES" sz="4400" b="0" i="0" u="none" strike="noStrike" kern="1200" cap="none" spc="0" normalizeH="0" baseline="0" noProof="0" dirty="0" smtClean="0">
               <a:ln>
@@ -15458,7 +15047,7 @@
       </p:sp>
       <p:sp>
         <p:nvSpPr>
-          <p:cNvPr id="3" name="1 Título"/>
+          <p:cNvPr id="5" name="1 Título"/>
           <p:cNvSpPr txBox="1">
             <a:spLocks/>
           </p:cNvSpPr>
@@ -15466,16 +15055,27 @@
         </p:nvSpPr>
         <p:spPr>
           <a:xfrm>
-            <a:off x="0" y="6000752"/>
-            <a:ext cx="9144000" cy="857248"/>
-          </a:xfrm>
-          <a:prstGeom prst="rect">
-            <a:avLst/>
-          </a:prstGeom>
-        </p:spPr>
-        <p:txBody>
-          <a:bodyPr vert="horz" lIns="91440" tIns="45720" rIns="91440" bIns="45720" rtlCol="0" anchor="ctr">
-            <a:normAutofit/>
+            <a:off x="428596" y="1357298"/>
+            <a:ext cx="4071966" cy="714380"/>
+          </a:xfrm>
+          <a:prstGeom prst="rect">
+            <a:avLst/>
+          </a:prstGeom>
+          <a:solidFill>
+            <a:schemeClr val="accent3"/>
+          </a:solidFill>
+          <a:ln w="38100" cap="flat">
+            <a:solidFill>
+              <a:schemeClr val="tx1">
+                <a:lumMod val="50000"/>
+                <a:lumOff val="50000"/>
+              </a:schemeClr>
+            </a:solidFill>
+          </a:ln>
+        </p:spPr>
+        <p:txBody>
+          <a:bodyPr vert="horz" lIns="91440" tIns="45720" rIns="91440" bIns="45720" rtlCol="0" anchor="t" anchorCtr="0">
+            <a:noAutofit/>
           </a:bodyPr>
           <a:lstStyle/>
           <a:p>
@@ -15491,19 +15091,18 @@
               </a:spcAft>
               <a:buClrTx/>
               <a:buSzTx/>
-              <a:buFontTx/>
-              <a:buNone/>
-              <a:tabLst/>
-              <a:defRPr/>
-            </a:pPr>
-            <a:r>
-              <a:rPr lang="es-ES" sz="4000" noProof="0" dirty="0" err="1" smtClean="0">
-                <a:ea typeface="+mj-ea"/>
-                <a:cs typeface="+mj-cs"/>
-              </a:rPr>
-              <a:t>Feedback</a:t>
-            </a:r>
-            <a:endParaRPr kumimoji="0" lang="es-ES" sz="4000" b="0" i="0" u="none" strike="noStrike" kern="1200" cap="none" spc="0" normalizeH="0" baseline="0" noProof="0" dirty="0" smtClean="0">
+              <a:tabLst/>
+              <a:defRPr/>
+            </a:pPr>
+            <a:r>
+              <a:rPr lang="es-ES" sz="4000" b="1" dirty="0" smtClean="0">
+                <a:latin typeface="Underwood Champion" pitchFamily="2" charset="0"/>
+                <a:ea typeface="+mj-ea"/>
+                <a:cs typeface="+mj-cs"/>
+              </a:rPr>
+              <a:t>Ingresos</a:t>
+            </a:r>
+            <a:endParaRPr kumimoji="0" lang="es-ES" sz="4000" b="1" i="0" u="none" strike="noStrike" kern="1200" cap="none" spc="0" normalizeH="0" baseline="0" dirty="0" smtClean="0">
               <a:ln>
                 <a:noFill/>
               </a:ln>
@@ -15513,6 +15112,473 @@
               <a:effectLst/>
               <a:uLnTx/>
               <a:uFillTx/>
+              <a:latin typeface="Underwood Champion" pitchFamily="2" charset="0"/>
+              <a:ea typeface="+mj-ea"/>
+              <a:cs typeface="+mj-cs"/>
+            </a:endParaRPr>
+          </a:p>
+        </p:txBody>
+      </p:sp>
+      <p:sp>
+        <p:nvSpPr>
+          <p:cNvPr id="6" name="1 Título"/>
+          <p:cNvSpPr txBox="1">
+            <a:spLocks/>
+          </p:cNvSpPr>
+          <p:nvPr/>
+        </p:nvSpPr>
+        <p:spPr>
+          <a:xfrm>
+            <a:off x="4643438" y="1357298"/>
+            <a:ext cx="4071966" cy="714380"/>
+          </a:xfrm>
+          <a:prstGeom prst="rect">
+            <a:avLst/>
+          </a:prstGeom>
+          <a:solidFill>
+            <a:schemeClr val="accent2"/>
+          </a:solidFill>
+          <a:ln w="38100" cap="flat">
+            <a:solidFill>
+              <a:schemeClr val="tx1">
+                <a:lumMod val="50000"/>
+                <a:lumOff val="50000"/>
+              </a:schemeClr>
+            </a:solidFill>
+          </a:ln>
+        </p:spPr>
+        <p:txBody>
+          <a:bodyPr vert="horz" lIns="91440" tIns="45720" rIns="91440" bIns="45720" rtlCol="0" anchor="t" anchorCtr="0">
+            <a:noAutofit/>
+          </a:bodyPr>
+          <a:lstStyle/>
+          <a:p>
+            <a:pPr marL="0" marR="0" lvl="0" indent="0" algn="ctr" defTabSz="914400" rtl="0" eaLnBrk="1" fontAlgn="auto" latinLnBrk="0" hangingPunct="1">
+              <a:lnSpc>
+                <a:spcPct val="100000"/>
+              </a:lnSpc>
+              <a:spcBef>
+                <a:spcPct val="0"/>
+              </a:spcBef>
+              <a:spcAft>
+                <a:spcPts val="0"/>
+              </a:spcAft>
+              <a:buClrTx/>
+              <a:buSzTx/>
+              <a:tabLst/>
+              <a:defRPr/>
+            </a:pPr>
+            <a:r>
+              <a:rPr kumimoji="0" lang="es-ES" sz="4000" b="1" i="0" u="none" strike="noStrike" kern="1200" cap="none" spc="0" normalizeH="0" baseline="0" dirty="0" smtClean="0">
+                <a:ln>
+                  <a:noFill/>
+                </a:ln>
+                <a:solidFill>
+                  <a:schemeClr val="tx1"/>
+                </a:solidFill>
+                <a:effectLst/>
+                <a:uLnTx/>
+                <a:uFillTx/>
+                <a:latin typeface="Underwood Champion" pitchFamily="2" charset="0"/>
+                <a:ea typeface="+mj-ea"/>
+                <a:cs typeface="+mj-cs"/>
+              </a:rPr>
+              <a:t>Gastos</a:t>
+            </a:r>
+          </a:p>
+        </p:txBody>
+      </p:sp>
+      <p:sp>
+        <p:nvSpPr>
+          <p:cNvPr id="7" name="1 Título"/>
+          <p:cNvSpPr txBox="1">
+            <a:spLocks/>
+          </p:cNvSpPr>
+          <p:nvPr/>
+        </p:nvSpPr>
+        <p:spPr>
+          <a:xfrm>
+            <a:off x="428596" y="2071678"/>
+            <a:ext cx="4071966" cy="4000528"/>
+          </a:xfrm>
+          <a:prstGeom prst="rect">
+            <a:avLst/>
+          </a:prstGeom>
+          <a:solidFill>
+            <a:schemeClr val="accent3">
+              <a:lumMod val="40000"/>
+              <a:lumOff val="60000"/>
+            </a:schemeClr>
+          </a:solidFill>
+          <a:ln w="38100" cap="flat">
+            <a:solidFill>
+              <a:schemeClr val="tx1">
+                <a:lumMod val="50000"/>
+                <a:lumOff val="50000"/>
+              </a:schemeClr>
+            </a:solidFill>
+          </a:ln>
+        </p:spPr>
+        <p:txBody>
+          <a:bodyPr vert="horz" lIns="91440" tIns="45720" rIns="91440" bIns="45720" rtlCol="0" anchor="t" anchorCtr="0">
+            <a:noAutofit/>
+          </a:bodyPr>
+          <a:lstStyle/>
+          <a:p>
+            <a:pPr marL="0" marR="0" lvl="0" indent="0" defTabSz="914400" rtl="0" eaLnBrk="1" fontAlgn="auto" latinLnBrk="0" hangingPunct="1">
+              <a:lnSpc>
+                <a:spcPct val="100000"/>
+              </a:lnSpc>
+              <a:spcBef>
+                <a:spcPct val="0"/>
+              </a:spcBef>
+              <a:spcAft>
+                <a:spcPts val="0"/>
+              </a:spcAft>
+              <a:buClrTx/>
+              <a:buSzTx/>
+              <a:buFont typeface="Arial" pitchFamily="34" charset="0"/>
+              <a:buChar char="•"/>
+              <a:tabLst/>
+              <a:defRPr/>
+            </a:pPr>
+            <a:endParaRPr lang="es-ES" sz="3200" b="1" dirty="0" smtClean="0">
+              <a:latin typeface="+mj-lt"/>
+              <a:ea typeface="+mj-ea"/>
+              <a:cs typeface="+mj-cs"/>
+            </a:endParaRPr>
+          </a:p>
+          <a:p>
+            <a:pPr marL="0" marR="0" lvl="0" indent="0" defTabSz="914400" rtl="0" eaLnBrk="1" fontAlgn="auto" latinLnBrk="0" hangingPunct="1">
+              <a:lnSpc>
+                <a:spcPct val="100000"/>
+              </a:lnSpc>
+              <a:spcBef>
+                <a:spcPct val="0"/>
+              </a:spcBef>
+              <a:spcAft>
+                <a:spcPts val="0"/>
+              </a:spcAft>
+              <a:buClrTx/>
+              <a:buSzTx/>
+              <a:buFont typeface="Arial" pitchFamily="34" charset="0"/>
+              <a:buChar char="•"/>
+              <a:tabLst/>
+              <a:defRPr/>
+            </a:pPr>
+            <a:r>
+              <a:rPr lang="es-ES" sz="3200" b="1" dirty="0" smtClean="0">
+                <a:latin typeface="+mj-lt"/>
+                <a:ea typeface="+mj-ea"/>
+                <a:cs typeface="+mj-cs"/>
+              </a:rPr>
+              <a:t>1ª </a:t>
+            </a:r>
+            <a:r>
+              <a:rPr lang="es-ES" sz="3200" b="1" dirty="0" err="1" smtClean="0">
+                <a:latin typeface="+mj-lt"/>
+                <a:ea typeface="+mj-ea"/>
+                <a:cs typeface="+mj-cs"/>
+              </a:rPr>
+              <a:t>app</a:t>
+            </a:r>
+            <a:r>
+              <a:rPr lang="es-ES" sz="3200" b="1" dirty="0" smtClean="0">
+                <a:latin typeface="+mj-lt"/>
+                <a:ea typeface="+mj-ea"/>
+                <a:cs typeface="+mj-cs"/>
+              </a:rPr>
+              <a:t>: gratuita</a:t>
+            </a:r>
+          </a:p>
+          <a:p>
+            <a:pPr marL="0" marR="0" lvl="0" indent="0" defTabSz="914400" rtl="0" eaLnBrk="1" fontAlgn="auto" latinLnBrk="0" hangingPunct="1">
+              <a:lnSpc>
+                <a:spcPct val="100000"/>
+              </a:lnSpc>
+              <a:spcBef>
+                <a:spcPct val="0"/>
+              </a:spcBef>
+              <a:spcAft>
+                <a:spcPts val="0"/>
+              </a:spcAft>
+              <a:buClrTx/>
+              <a:buSzTx/>
+              <a:tabLst/>
+              <a:defRPr/>
+            </a:pPr>
+            <a:endParaRPr lang="es-ES" sz="3200" b="1" dirty="0" smtClean="0">
+              <a:latin typeface="+mj-lt"/>
+              <a:ea typeface="+mj-ea"/>
+              <a:cs typeface="+mj-cs"/>
+            </a:endParaRPr>
+          </a:p>
+          <a:p>
+            <a:pPr marL="0" marR="0" lvl="0" indent="0" defTabSz="914400" rtl="0" eaLnBrk="1" fontAlgn="auto" latinLnBrk="0" hangingPunct="1">
+              <a:lnSpc>
+                <a:spcPct val="100000"/>
+              </a:lnSpc>
+              <a:spcBef>
+                <a:spcPct val="0"/>
+              </a:spcBef>
+              <a:spcAft>
+                <a:spcPts val="0"/>
+              </a:spcAft>
+              <a:buClrTx/>
+              <a:buSzTx/>
+              <a:buFont typeface="Arial" pitchFamily="34" charset="0"/>
+              <a:buChar char="•"/>
+              <a:tabLst/>
+              <a:defRPr/>
+            </a:pPr>
+            <a:r>
+              <a:rPr lang="es-ES" sz="3200" b="1" dirty="0" smtClean="0">
+                <a:latin typeface="+mj-lt"/>
+                <a:ea typeface="+mj-ea"/>
+                <a:cs typeface="+mj-cs"/>
+              </a:rPr>
+              <a:t>2ª </a:t>
+            </a:r>
+            <a:r>
+              <a:rPr lang="es-ES" sz="3200" b="1" dirty="0" err="1" smtClean="0">
+                <a:latin typeface="+mj-lt"/>
+                <a:ea typeface="+mj-ea"/>
+                <a:cs typeface="+mj-cs"/>
+              </a:rPr>
+              <a:t>app</a:t>
+            </a:r>
+            <a:r>
+              <a:rPr kumimoji="0" lang="es-ES" sz="3200" b="1" i="0" u="none" strike="noStrike" kern="1200" cap="none" spc="0" normalizeH="0" baseline="0" dirty="0" smtClean="0">
+                <a:ln>
+                  <a:noFill/>
+                </a:ln>
+                <a:solidFill>
+                  <a:schemeClr val="tx1"/>
+                </a:solidFill>
+                <a:effectLst/>
+                <a:uLnTx/>
+                <a:uFillTx/>
+                <a:latin typeface="+mj-lt"/>
+                <a:ea typeface="+mj-ea"/>
+                <a:cs typeface="+mj-cs"/>
+              </a:rPr>
+              <a:t>:</a:t>
+            </a:r>
+            <a:r>
+              <a:rPr kumimoji="0" lang="es-ES" sz="3200" b="1" i="0" u="none" strike="noStrike" kern="1200" cap="none" spc="0" normalizeH="0" dirty="0" smtClean="0">
+                <a:ln>
+                  <a:noFill/>
+                </a:ln>
+                <a:solidFill>
+                  <a:schemeClr val="tx1"/>
+                </a:solidFill>
+                <a:effectLst/>
+                <a:uLnTx/>
+                <a:uFillTx/>
+                <a:latin typeface="+mj-lt"/>
+                <a:ea typeface="+mj-ea"/>
+                <a:cs typeface="+mj-cs"/>
+              </a:rPr>
+              <a:t> 1,5 €</a:t>
+            </a:r>
+          </a:p>
+          <a:p>
+            <a:pPr marL="0" marR="0" lvl="0" indent="0" defTabSz="914400" rtl="0" eaLnBrk="1" fontAlgn="auto" latinLnBrk="0" hangingPunct="1">
+              <a:lnSpc>
+                <a:spcPct val="100000"/>
+              </a:lnSpc>
+              <a:spcBef>
+                <a:spcPct val="0"/>
+              </a:spcBef>
+              <a:spcAft>
+                <a:spcPts val="0"/>
+              </a:spcAft>
+              <a:buClrTx/>
+              <a:buSzTx/>
+              <a:buFont typeface="Arial" pitchFamily="34" charset="0"/>
+              <a:buChar char="•"/>
+              <a:tabLst/>
+              <a:defRPr/>
+            </a:pPr>
+            <a:r>
+              <a:rPr lang="es-ES" sz="3200" b="1" baseline="0" dirty="0" smtClean="0">
+                <a:latin typeface="+mj-lt"/>
+                <a:ea typeface="+mj-ea"/>
+                <a:cs typeface="+mj-cs"/>
+              </a:rPr>
+              <a:t>Publicidad:</a:t>
+            </a:r>
+            <a:r>
+              <a:rPr lang="es-ES" sz="3200" b="1" dirty="0" smtClean="0">
+                <a:latin typeface="+mj-lt"/>
+                <a:ea typeface="+mj-ea"/>
+                <a:cs typeface="+mj-cs"/>
+              </a:rPr>
+              <a:t> +150 €</a:t>
+            </a:r>
+            <a:endParaRPr kumimoji="0" lang="es-ES" sz="3200" b="1" i="0" u="none" strike="noStrike" kern="1200" cap="none" spc="0" normalizeH="0" baseline="0" dirty="0" smtClean="0">
+              <a:ln>
+                <a:noFill/>
+              </a:ln>
+              <a:solidFill>
+                <a:schemeClr val="tx1"/>
+              </a:solidFill>
+              <a:effectLst/>
+              <a:uLnTx/>
+              <a:uFillTx/>
+              <a:latin typeface="+mj-lt"/>
+              <a:ea typeface="+mj-ea"/>
+              <a:cs typeface="+mj-cs"/>
+            </a:endParaRPr>
+          </a:p>
+        </p:txBody>
+      </p:sp>
+      <p:sp>
+        <p:nvSpPr>
+          <p:cNvPr id="8" name="1 Título"/>
+          <p:cNvSpPr txBox="1">
+            <a:spLocks/>
+          </p:cNvSpPr>
+          <p:nvPr/>
+        </p:nvSpPr>
+        <p:spPr>
+          <a:xfrm>
+            <a:off x="4643438" y="2071678"/>
+            <a:ext cx="4071966" cy="4000528"/>
+          </a:xfrm>
+          <a:prstGeom prst="rect">
+            <a:avLst/>
+          </a:prstGeom>
+          <a:solidFill>
+            <a:schemeClr val="accent2">
+              <a:lumMod val="40000"/>
+              <a:lumOff val="60000"/>
+            </a:schemeClr>
+          </a:solidFill>
+          <a:ln w="38100" cap="flat">
+            <a:solidFill>
+              <a:schemeClr val="tx1">
+                <a:lumMod val="50000"/>
+                <a:lumOff val="50000"/>
+              </a:schemeClr>
+            </a:solidFill>
+          </a:ln>
+        </p:spPr>
+        <p:txBody>
+          <a:bodyPr vert="horz" lIns="91440" tIns="45720" rIns="91440" bIns="45720" rtlCol="0" anchor="t" anchorCtr="0">
+            <a:noAutofit/>
+          </a:bodyPr>
+          <a:lstStyle/>
+          <a:p>
+            <a:pPr marL="0" marR="0" lvl="0" indent="0" defTabSz="914400" rtl="0" eaLnBrk="1" fontAlgn="auto" latinLnBrk="0" hangingPunct="1">
+              <a:lnSpc>
+                <a:spcPct val="100000"/>
+              </a:lnSpc>
+              <a:spcBef>
+                <a:spcPct val="0"/>
+              </a:spcBef>
+              <a:spcAft>
+                <a:spcPts val="0"/>
+              </a:spcAft>
+              <a:buClrTx/>
+              <a:buSzTx/>
+              <a:buFont typeface="Arial" pitchFamily="34" charset="0"/>
+              <a:buChar char="•"/>
+              <a:tabLst/>
+              <a:defRPr/>
+            </a:pPr>
+            <a:endParaRPr lang="es-ES" sz="3200" b="1" dirty="0" smtClean="0">
+              <a:latin typeface="+mj-lt"/>
+              <a:ea typeface="+mj-ea"/>
+              <a:cs typeface="+mj-cs"/>
+            </a:endParaRPr>
+          </a:p>
+          <a:p>
+            <a:pPr marL="0" marR="0" lvl="0" indent="0" defTabSz="914400" rtl="0" eaLnBrk="1" fontAlgn="auto" latinLnBrk="0" hangingPunct="1">
+              <a:lnSpc>
+                <a:spcPct val="100000"/>
+              </a:lnSpc>
+              <a:spcBef>
+                <a:spcPct val="0"/>
+              </a:spcBef>
+              <a:spcAft>
+                <a:spcPts val="0"/>
+              </a:spcAft>
+              <a:buClrTx/>
+              <a:buSzTx/>
+              <a:buFont typeface="Arial" pitchFamily="34" charset="0"/>
+              <a:buChar char="•"/>
+              <a:tabLst/>
+              <a:defRPr/>
+            </a:pPr>
+            <a:r>
+              <a:rPr lang="es-ES" sz="3200" b="1" dirty="0" smtClean="0">
+                <a:latin typeface="+mj-lt"/>
+                <a:ea typeface="+mj-ea"/>
+                <a:cs typeface="+mj-cs"/>
+              </a:rPr>
+              <a:t>Google Play: 22,11 €</a:t>
+            </a:r>
+          </a:p>
+          <a:p>
+            <a:pPr marL="0" marR="0" lvl="0" indent="0" defTabSz="914400" rtl="0" eaLnBrk="1" fontAlgn="auto" latinLnBrk="0" hangingPunct="1">
+              <a:lnSpc>
+                <a:spcPct val="100000"/>
+              </a:lnSpc>
+              <a:spcBef>
+                <a:spcPct val="0"/>
+              </a:spcBef>
+              <a:spcAft>
+                <a:spcPts val="0"/>
+              </a:spcAft>
+              <a:buClrTx/>
+              <a:buSzTx/>
+              <a:tabLst/>
+              <a:defRPr/>
+            </a:pPr>
+            <a:endParaRPr lang="es-ES" sz="3200" b="1" dirty="0" smtClean="0">
+              <a:latin typeface="+mj-lt"/>
+              <a:ea typeface="+mj-ea"/>
+              <a:cs typeface="+mj-cs"/>
+            </a:endParaRPr>
+          </a:p>
+          <a:p>
+            <a:pPr marL="0" marR="0" lvl="0" indent="0" defTabSz="914400" rtl="0" eaLnBrk="1" fontAlgn="auto" latinLnBrk="0" hangingPunct="1">
+              <a:lnSpc>
+                <a:spcPct val="100000"/>
+              </a:lnSpc>
+              <a:spcBef>
+                <a:spcPct val="0"/>
+              </a:spcBef>
+              <a:spcAft>
+                <a:spcPts val="0"/>
+              </a:spcAft>
+              <a:buClrTx/>
+              <a:buSzTx/>
+              <a:buFont typeface="Arial" pitchFamily="34" charset="0"/>
+              <a:buChar char="•"/>
+              <a:tabLst/>
+              <a:defRPr/>
+            </a:pPr>
+            <a:r>
+              <a:rPr lang="es-ES" sz="3200" b="1" dirty="0" smtClean="0">
+                <a:latin typeface="+mj-lt"/>
+                <a:ea typeface="+mj-ea"/>
+                <a:cs typeface="+mj-cs"/>
+              </a:rPr>
+              <a:t>Otros: 200 €</a:t>
+            </a:r>
+            <a:endParaRPr kumimoji="0" lang="es-ES" sz="3200" b="1" i="0" u="none" strike="noStrike" kern="1200" cap="none" spc="0" normalizeH="0" baseline="0" dirty="0" smtClean="0">
+              <a:ln>
+                <a:noFill/>
+              </a:ln>
+              <a:solidFill>
+                <a:schemeClr val="tx1"/>
+              </a:solidFill>
+              <a:effectLst/>
+              <a:uLnTx/>
+              <a:uFillTx/>
+              <a:latin typeface="+mj-lt"/>
               <a:ea typeface="+mj-ea"/>
               <a:cs typeface="+mj-cs"/>
             </a:endParaRPr>
@@ -15657,11 +15723,11 @@
               <a:defRPr/>
             </a:pPr>
             <a:r>
-              <a:rPr lang="es-ES" sz="4000" dirty="0" smtClean="0">
-                <a:ea typeface="+mj-ea"/>
-                <a:cs typeface="+mj-cs"/>
-              </a:rPr>
-              <a:t>Nº de instalaciones</a:t>
+              <a:rPr lang="es-ES" sz="4000" noProof="0" dirty="0" err="1" smtClean="0">
+                <a:ea typeface="+mj-ea"/>
+                <a:cs typeface="+mj-cs"/>
+              </a:rPr>
+              <a:t>Feedback</a:t>
             </a:r>
             <a:endParaRPr kumimoji="0" lang="es-ES" sz="4000" b="0" i="0" u="none" strike="noStrike" kern="1200" cap="none" spc="0" normalizeH="0" baseline="0" noProof="0" dirty="0" smtClean="0">
               <a:ln>
@@ -15679,6 +15745,44 @@
           </a:p>
         </p:txBody>
       </p:sp>
+      <p:pic>
+        <p:nvPicPr>
+          <p:cNvPr id="2050" name="Picture 2"/>
+          <p:cNvPicPr>
+            <a:picLocks noChangeAspect="1" noChangeArrowheads="1"/>
+          </p:cNvPicPr>
+          <p:nvPr/>
+        </p:nvPicPr>
+        <p:blipFill>
+          <a:blip r:embed="rId2" cstate="print"/>
+          <a:srcRect/>
+          <a:stretch>
+            <a:fillRect/>
+          </a:stretch>
+        </p:blipFill>
+        <p:spPr bwMode="auto">
+          <a:xfrm>
+            <a:off x="774700" y="1016000"/>
+            <a:ext cx="7593013" cy="4826000"/>
+          </a:xfrm>
+          <a:prstGeom prst="rect">
+            <a:avLst/>
+          </a:prstGeom>
+          <a:noFill/>
+          <a:ln w="9525">
+            <a:solidFill>
+              <a:schemeClr val="tx1">
+                <a:lumMod val="50000"/>
+                <a:lumOff val="50000"/>
+              </a:schemeClr>
+            </a:solidFill>
+            <a:miter lim="800000"/>
+            <a:headEnd/>
+            <a:tailEnd/>
+          </a:ln>
+          <a:effectLst/>
+        </p:spPr>
+      </p:pic>
     </p:spTree>
   </p:cSld>
   <p:clrMapOvr>
@@ -15821,14 +15925,7 @@
                 <a:ea typeface="+mj-ea"/>
                 <a:cs typeface="+mj-cs"/>
               </a:rPr>
-              <a:t>Versión </a:t>
-            </a:r>
-            <a:r>
-              <a:rPr lang="es-ES" sz="4000" dirty="0" err="1" smtClean="0">
-                <a:ea typeface="+mj-ea"/>
-                <a:cs typeface="+mj-cs"/>
-              </a:rPr>
-              <a:t>Android</a:t>
+              <a:t>Nº de instalaciones</a:t>
             </a:r>
             <a:endParaRPr kumimoji="0" lang="es-ES" sz="4000" b="0" i="0" u="none" strike="noStrike" kern="1200" cap="none" spc="0" normalizeH="0" baseline="0" noProof="0" dirty="0" smtClean="0">
               <a:ln>
@@ -15984,18 +16081,18 @@
               <a:defRPr/>
             </a:pPr>
             <a:r>
-              <a:rPr lang="es-ES" sz="4000" noProof="0" dirty="0" err="1" smtClean="0">
-                <a:ea typeface="+mj-ea"/>
-                <a:cs typeface="+mj-cs"/>
-              </a:rPr>
-              <a:t>Distribució</a:t>
-            </a:r>
-            <a:r>
               <a:rPr lang="es-ES" sz="4000" dirty="0" smtClean="0">
                 <a:ea typeface="+mj-ea"/>
                 <a:cs typeface="+mj-cs"/>
               </a:rPr>
-              <a:t>n por países</a:t>
+              <a:t>Versión </a:t>
+            </a:r>
+            <a:r>
+              <a:rPr lang="es-ES" sz="4000" dirty="0" err="1" smtClean="0">
+                <a:ea typeface="+mj-ea"/>
+                <a:cs typeface="+mj-cs"/>
+              </a:rPr>
+              <a:t>Android</a:t>
             </a:r>
             <a:endParaRPr kumimoji="0" lang="es-ES" sz="4000" b="0" i="0" u="none" strike="noStrike" kern="1200" cap="none" spc="0" normalizeH="0" baseline="0" noProof="0" dirty="0" smtClean="0">
               <a:ln>
@@ -16086,12 +16183,12 @@
               <a:defRPr/>
             </a:pPr>
             <a:r>
-              <a:rPr lang="es-ES" sz="4400" dirty="0" err="1" smtClean="0">
+              <a:rPr lang="es-ES" sz="4400" noProof="0" dirty="0" smtClean="0">
                 <a:latin typeface="Underwood Champion" pitchFamily="2" charset="0"/>
                 <a:ea typeface="+mj-ea"/>
                 <a:cs typeface="+mj-cs"/>
               </a:rPr>
-              <a:t>QlikView</a:t>
+              <a:t>GOOGLE PLAY</a:t>
             </a:r>
             <a:endParaRPr kumimoji="0" lang="es-ES" sz="4400" b="0" i="0" u="none" strike="noStrike" kern="1200" cap="none" spc="0" normalizeH="0" baseline="0" noProof="0" dirty="0" smtClean="0">
               <a:ln>
@@ -16151,11 +16248,18 @@
               <a:defRPr/>
             </a:pPr>
             <a:r>
+              <a:rPr lang="es-ES" sz="4000" noProof="0" dirty="0" err="1" smtClean="0">
+                <a:ea typeface="+mj-ea"/>
+                <a:cs typeface="+mj-cs"/>
+              </a:rPr>
+              <a:t>Distribució</a:t>
+            </a:r>
+            <a:r>
               <a:rPr lang="es-ES" sz="4000" dirty="0" smtClean="0">
                 <a:ea typeface="+mj-ea"/>
                 <a:cs typeface="+mj-cs"/>
               </a:rPr>
-              <a:t>Operadores</a:t>
+              <a:t>n por países</a:t>
             </a:r>
             <a:endParaRPr kumimoji="0" lang="es-ES" sz="4000" b="0" i="0" u="none" strike="noStrike" kern="1200" cap="none" spc="0" normalizeH="0" baseline="0" noProof="0" dirty="0" smtClean="0">
               <a:ln>
@@ -16246,12 +16350,12 @@
               <a:defRPr/>
             </a:pPr>
             <a:r>
-              <a:rPr lang="es-ES" sz="4400" noProof="0" dirty="0" smtClean="0">
+              <a:rPr lang="es-ES" sz="4400" dirty="0" err="1" smtClean="0">
                 <a:latin typeface="Underwood Champion" pitchFamily="2" charset="0"/>
                 <a:ea typeface="+mj-ea"/>
                 <a:cs typeface="+mj-cs"/>
               </a:rPr>
-              <a:t>Grado de resolución</a:t>
+              <a:t>QlikView</a:t>
             </a:r>
             <a:endParaRPr kumimoji="0" lang="es-ES" sz="4400" b="0" i="0" u="none" strike="noStrike" kern="1200" cap="none" spc="0" normalizeH="0" baseline="0" noProof="0" dirty="0" smtClean="0">
               <a:ln>
@@ -16280,8 +16384,8 @@
         </p:nvSpPr>
         <p:spPr>
           <a:xfrm>
-            <a:off x="0" y="1142984"/>
-            <a:ext cx="9144000" cy="5715016"/>
+            <a:off x="0" y="6000752"/>
+            <a:ext cx="9144000" cy="857248"/>
           </a:xfrm>
           <a:prstGeom prst="rect">
             <a:avLst/>
@@ -16289,7 +16393,7 @@
         </p:spPr>
         <p:txBody>
           <a:bodyPr vert="horz" lIns="91440" tIns="45720" rIns="91440" bIns="45720" rtlCol="0" anchor="ctr">
-            <a:normAutofit fontScale="92500" lnSpcReduction="20000"/>
+            <a:normAutofit/>
           </a:bodyPr>
           <a:lstStyle/>
           <a:p>
@@ -16311,348 +16415,11 @@
               <a:defRPr/>
             </a:pPr>
             <a:r>
-              <a:rPr lang="es-ES" sz="6000" b="1" noProof="0" dirty="0" smtClean="0">
-                <a:solidFill>
-                  <a:srgbClr val="C00000"/>
-                </a:solidFill>
-                <a:ea typeface="+mj-ea"/>
-                <a:cs typeface="+mj-cs"/>
-              </a:rPr>
-              <a:t>100%</a:t>
-            </a:r>
-          </a:p>
-          <a:p>
-            <a:pPr marL="0" marR="0" lvl="0" indent="0" algn="ctr" defTabSz="914400" rtl="0" eaLnBrk="1" fontAlgn="auto" latinLnBrk="0" hangingPunct="1">
-              <a:lnSpc>
-                <a:spcPct val="100000"/>
-              </a:lnSpc>
-              <a:spcBef>
-                <a:spcPct val="0"/>
-              </a:spcBef>
-              <a:spcAft>
-                <a:spcPts val="0"/>
-              </a:spcAft>
-              <a:buClrTx/>
-              <a:buSzTx/>
-              <a:buFontTx/>
-              <a:buNone/>
-              <a:tabLst/>
-              <a:defRPr/>
-            </a:pPr>
-            <a:endParaRPr lang="es-ES" sz="4000" noProof="0" dirty="0" smtClean="0">
-              <a:ea typeface="+mj-ea"/>
-              <a:cs typeface="+mj-cs"/>
-            </a:endParaRPr>
-          </a:p>
-          <a:p>
-            <a:pPr marL="0" marR="0" lvl="0" indent="0" algn="ctr" defTabSz="914400" rtl="0" eaLnBrk="1" fontAlgn="auto" latinLnBrk="0" hangingPunct="1">
-              <a:lnSpc>
-                <a:spcPct val="100000"/>
-              </a:lnSpc>
-              <a:spcBef>
-                <a:spcPct val="0"/>
-              </a:spcBef>
-              <a:spcAft>
-                <a:spcPts val="0"/>
-              </a:spcAft>
-              <a:buClrTx/>
-              <a:buSzTx/>
-              <a:buFontTx/>
-              <a:buNone/>
-              <a:tabLst/>
-              <a:defRPr/>
-            </a:pPr>
-            <a:r>
-              <a:rPr lang="es-ES" sz="4000" dirty="0" err="1" smtClean="0">
-                <a:ea typeface="+mj-ea"/>
-                <a:cs typeface="+mj-cs"/>
-              </a:rPr>
-              <a:t>App</a:t>
-            </a:r>
-            <a:r>
               <a:rPr lang="es-ES" sz="4000" dirty="0" smtClean="0">
                 <a:ea typeface="+mj-ea"/>
                 <a:cs typeface="+mj-cs"/>
               </a:rPr>
-              <a:t>, Web</a:t>
-            </a:r>
-            <a:endParaRPr lang="es-ES" sz="4000" noProof="0" dirty="0" smtClean="0">
-              <a:ea typeface="+mj-ea"/>
-              <a:cs typeface="+mj-cs"/>
-            </a:endParaRPr>
-          </a:p>
-          <a:p>
-            <a:pPr marL="0" marR="0" lvl="0" indent="0" algn="ctr" defTabSz="914400" rtl="0" eaLnBrk="1" fontAlgn="auto" latinLnBrk="0" hangingPunct="1">
-              <a:lnSpc>
-                <a:spcPct val="100000"/>
-              </a:lnSpc>
-              <a:spcBef>
-                <a:spcPct val="0"/>
-              </a:spcBef>
-              <a:spcAft>
-                <a:spcPts val="0"/>
-              </a:spcAft>
-              <a:buClrTx/>
-              <a:buSzTx/>
-              <a:buFontTx/>
-              <a:buNone/>
-              <a:tabLst/>
-              <a:defRPr/>
-            </a:pPr>
-            <a:r>
-              <a:rPr lang="es-ES" sz="4000" dirty="0" smtClean="0">
-                <a:ea typeface="+mj-ea"/>
-                <a:cs typeface="+mj-cs"/>
-              </a:rPr>
-              <a:t>Java, </a:t>
-            </a:r>
-            <a:r>
-              <a:rPr lang="es-ES" sz="4000" dirty="0" err="1" smtClean="0">
-                <a:ea typeface="+mj-ea"/>
-                <a:cs typeface="+mj-cs"/>
-              </a:rPr>
-              <a:t>Android</a:t>
-            </a:r>
-            <a:r>
-              <a:rPr lang="es-ES" sz="4000" dirty="0" smtClean="0">
-                <a:ea typeface="+mj-ea"/>
-                <a:cs typeface="+mj-cs"/>
-              </a:rPr>
-              <a:t>, XML, </a:t>
-            </a:r>
-            <a:r>
-              <a:rPr lang="es-ES" sz="4000" dirty="0" err="1" smtClean="0">
-                <a:ea typeface="+mj-ea"/>
-                <a:cs typeface="+mj-cs"/>
-              </a:rPr>
-              <a:t>SQLite</a:t>
-            </a:r>
-            <a:endParaRPr lang="es-ES" sz="4000" dirty="0" smtClean="0">
-              <a:ea typeface="+mj-ea"/>
-              <a:cs typeface="+mj-cs"/>
-            </a:endParaRPr>
-          </a:p>
-          <a:p>
-            <a:pPr marL="0" marR="0" lvl="0" indent="0" algn="ctr" defTabSz="914400" rtl="0" eaLnBrk="1" fontAlgn="auto" latinLnBrk="0" hangingPunct="1">
-              <a:lnSpc>
-                <a:spcPct val="100000"/>
-              </a:lnSpc>
-              <a:spcBef>
-                <a:spcPct val="0"/>
-              </a:spcBef>
-              <a:spcAft>
-                <a:spcPts val="0"/>
-              </a:spcAft>
-              <a:buClrTx/>
-              <a:buSzTx/>
-              <a:buFontTx/>
-              <a:buNone/>
-              <a:tabLst/>
-              <a:defRPr/>
-            </a:pPr>
-            <a:r>
-              <a:rPr lang="es-ES" sz="4000" noProof="0" dirty="0" smtClean="0">
-                <a:ea typeface="+mj-ea"/>
-                <a:cs typeface="+mj-cs"/>
-              </a:rPr>
-              <a:t>Imágenes, Sonidos</a:t>
-            </a:r>
-          </a:p>
-          <a:p>
-            <a:pPr marL="0" marR="0" lvl="0" indent="0" algn="ctr" defTabSz="914400" rtl="0" eaLnBrk="1" fontAlgn="auto" latinLnBrk="0" hangingPunct="1">
-              <a:lnSpc>
-                <a:spcPct val="100000"/>
-              </a:lnSpc>
-              <a:spcBef>
-                <a:spcPct val="0"/>
-              </a:spcBef>
-              <a:spcAft>
-                <a:spcPts val="0"/>
-              </a:spcAft>
-              <a:buClrTx/>
-              <a:buSzTx/>
-              <a:buFontTx/>
-              <a:buNone/>
-              <a:tabLst/>
-              <a:defRPr/>
-            </a:pPr>
-            <a:r>
-              <a:rPr lang="es-ES" sz="4000" dirty="0" smtClean="0">
-                <a:ea typeface="+mj-ea"/>
-                <a:cs typeface="+mj-cs"/>
-              </a:rPr>
-              <a:t>HTML5, CSS3</a:t>
-            </a:r>
-            <a:endParaRPr lang="es-ES" sz="4000" noProof="0" dirty="0" smtClean="0">
-              <a:ea typeface="+mj-ea"/>
-              <a:cs typeface="+mj-cs"/>
-            </a:endParaRPr>
-          </a:p>
-          <a:p>
-            <a:pPr marL="0" marR="0" lvl="0" indent="0" algn="ctr" defTabSz="914400" rtl="0" eaLnBrk="1" fontAlgn="auto" latinLnBrk="0" hangingPunct="1">
-              <a:lnSpc>
-                <a:spcPct val="100000"/>
-              </a:lnSpc>
-              <a:spcBef>
-                <a:spcPct val="0"/>
-              </a:spcBef>
-              <a:spcAft>
-                <a:spcPts val="0"/>
-              </a:spcAft>
-              <a:buClrTx/>
-              <a:buSzTx/>
-              <a:buFontTx/>
-              <a:buNone/>
-              <a:tabLst/>
-              <a:defRPr/>
-            </a:pPr>
-            <a:endParaRPr kumimoji="0" lang="es-ES" sz="4000" b="0" i="0" u="none" strike="noStrike" kern="1200" cap="none" spc="0" normalizeH="0" baseline="0" dirty="0" smtClean="0">
-              <a:ln>
-                <a:noFill/>
-              </a:ln>
-              <a:solidFill>
-                <a:schemeClr val="tx1"/>
-              </a:solidFill>
-              <a:effectLst/>
-              <a:uLnTx/>
-              <a:uFillTx/>
-              <a:ea typeface="+mj-ea"/>
-              <a:cs typeface="+mj-cs"/>
-            </a:endParaRPr>
-          </a:p>
-          <a:p>
-            <a:pPr marL="0" marR="0" lvl="0" indent="0" algn="ctr" defTabSz="914400" rtl="0" eaLnBrk="1" fontAlgn="auto" latinLnBrk="0" hangingPunct="1">
-              <a:lnSpc>
-                <a:spcPct val="100000"/>
-              </a:lnSpc>
-              <a:spcBef>
-                <a:spcPct val="0"/>
-              </a:spcBef>
-              <a:spcAft>
-                <a:spcPts val="0"/>
-              </a:spcAft>
-              <a:buClrTx/>
-              <a:buSzTx/>
-              <a:buFontTx/>
-              <a:buNone/>
-              <a:tabLst/>
-              <a:defRPr/>
-            </a:pPr>
-            <a:r>
-              <a:rPr lang="es-ES" sz="4000" noProof="0" dirty="0" smtClean="0">
-                <a:ea typeface="+mj-ea"/>
-                <a:cs typeface="+mj-cs"/>
-              </a:rPr>
-              <a:t>+</a:t>
-            </a:r>
-          </a:p>
-          <a:p>
-            <a:pPr marL="0" marR="0" lvl="0" indent="0" algn="ctr" defTabSz="914400" rtl="0" eaLnBrk="1" fontAlgn="auto" latinLnBrk="0" hangingPunct="1">
-              <a:lnSpc>
-                <a:spcPct val="100000"/>
-              </a:lnSpc>
-              <a:spcBef>
-                <a:spcPct val="0"/>
-              </a:spcBef>
-              <a:spcAft>
-                <a:spcPts val="0"/>
-              </a:spcAft>
-              <a:buClrTx/>
-              <a:buSzTx/>
-              <a:buFontTx/>
-              <a:buNone/>
-              <a:tabLst/>
-              <a:defRPr/>
-            </a:pPr>
-            <a:r>
-              <a:rPr kumimoji="0" lang="es-ES" sz="4000" b="1" i="0" u="none" strike="noStrike" kern="1200" cap="none" spc="0" normalizeH="0" baseline="0" dirty="0" smtClean="0">
-                <a:ln>
-                  <a:noFill/>
-                </a:ln>
-                <a:solidFill>
-                  <a:schemeClr val="tx1"/>
-                </a:solidFill>
-                <a:effectLst/>
-                <a:uLnTx/>
-                <a:uFillTx/>
-                <a:ea typeface="+mj-ea"/>
-                <a:cs typeface="+mj-cs"/>
-              </a:rPr>
-              <a:t>GUEST</a:t>
-            </a:r>
-            <a:r>
-              <a:rPr kumimoji="0" lang="es-ES" sz="4000" b="1" i="0" u="none" strike="noStrike" kern="1200" cap="none" spc="0" normalizeH="0" dirty="0" smtClean="0">
-                <a:ln>
-                  <a:noFill/>
-                </a:ln>
-                <a:solidFill>
-                  <a:schemeClr val="tx1"/>
-                </a:solidFill>
-                <a:effectLst/>
-                <a:uLnTx/>
-                <a:uFillTx/>
-                <a:ea typeface="+mj-ea"/>
-                <a:cs typeface="+mj-cs"/>
-              </a:rPr>
-              <a:t> STAR</a:t>
-            </a:r>
-          </a:p>
-          <a:p>
-            <a:pPr marL="0" marR="0" lvl="0" indent="0" algn="ctr" defTabSz="914400" rtl="0" eaLnBrk="1" fontAlgn="auto" latinLnBrk="0" hangingPunct="1">
-              <a:lnSpc>
-                <a:spcPct val="100000"/>
-              </a:lnSpc>
-              <a:spcBef>
-                <a:spcPct val="0"/>
-              </a:spcBef>
-              <a:spcAft>
-                <a:spcPts val="0"/>
-              </a:spcAft>
-              <a:buClrTx/>
-              <a:buSzTx/>
-              <a:buFontTx/>
-              <a:buNone/>
-              <a:tabLst/>
-              <a:defRPr/>
-            </a:pPr>
-            <a:endParaRPr kumimoji="0" lang="es-ES" sz="4000" b="0" i="0" u="none" strike="noStrike" kern="1200" cap="none" spc="0" normalizeH="0" dirty="0" smtClean="0">
-              <a:ln>
-                <a:noFill/>
-              </a:ln>
-              <a:solidFill>
-                <a:schemeClr val="tx1"/>
-              </a:solidFill>
-              <a:effectLst/>
-              <a:uLnTx/>
-              <a:uFillTx/>
-              <a:ea typeface="+mj-ea"/>
-              <a:cs typeface="+mj-cs"/>
-            </a:endParaRPr>
-          </a:p>
-          <a:p>
-            <a:pPr marL="0" marR="0" lvl="0" indent="0" algn="ctr" defTabSz="914400" rtl="0" eaLnBrk="1" fontAlgn="auto" latinLnBrk="0" hangingPunct="1">
-              <a:lnSpc>
-                <a:spcPct val="100000"/>
-              </a:lnSpc>
-              <a:spcBef>
-                <a:spcPct val="0"/>
-              </a:spcBef>
-              <a:spcAft>
-                <a:spcPts val="0"/>
-              </a:spcAft>
-              <a:buClrTx/>
-              <a:buSzTx/>
-              <a:buFontTx/>
-              <a:buNone/>
-              <a:tabLst/>
-              <a:defRPr/>
-            </a:pPr>
-            <a:r>
-              <a:rPr lang="es-ES" sz="4000" baseline="0" noProof="0" dirty="0" err="1" smtClean="0">
-                <a:ea typeface="+mj-ea"/>
-                <a:cs typeface="+mj-cs"/>
-              </a:rPr>
-              <a:t>JavaScript</a:t>
+              <a:t>Operadores</a:t>
             </a:r>
             <a:endParaRPr kumimoji="0" lang="es-ES" sz="4000" b="0" i="0" u="none" strike="noStrike" kern="1200" cap="none" spc="0" normalizeH="0" baseline="0" noProof="0" dirty="0" smtClean="0">
               <a:ln>
@@ -16743,13 +16510,27 @@
               <a:defRPr/>
             </a:pPr>
             <a:r>
-              <a:rPr lang="es-ES" sz="4400" dirty="0" smtClean="0">
+              <a:rPr lang="es-ES" sz="4400" noProof="0" dirty="0" smtClean="0">
                 <a:latin typeface="Underwood Champion" pitchFamily="2" charset="0"/>
                 <a:ea typeface="+mj-ea"/>
                 <a:cs typeface="+mj-cs"/>
               </a:rPr>
-              <a:t>Ampliaciones y mejoras</a:t>
-            </a:r>
+              <a:t>Grado de resolución</a:t>
+            </a:r>
+            <a:endParaRPr kumimoji="0" lang="es-ES" sz="4400" b="0" i="0" u="none" strike="noStrike" kern="1200" cap="none" spc="0" normalizeH="0" baseline="0" noProof="0" dirty="0" smtClean="0">
+              <a:ln>
+                <a:noFill/>
+              </a:ln>
+              <a:solidFill>
+                <a:schemeClr val="tx1"/>
+              </a:solidFill>
+              <a:effectLst/>
+              <a:uLnTx/>
+              <a:uFillTx/>
+              <a:latin typeface="Underwood Champion" pitchFamily="2" charset="0"/>
+              <a:ea typeface="+mj-ea"/>
+              <a:cs typeface="+mj-cs"/>
+            </a:endParaRPr>
           </a:p>
         </p:txBody>
       </p:sp>
@@ -16763,8 +16544,8 @@
         </p:nvSpPr>
         <p:spPr>
           <a:xfrm>
-            <a:off x="1285852" y="1142984"/>
-            <a:ext cx="6572296" cy="5715016"/>
+            <a:off x="0" y="1142984"/>
+            <a:ext cx="9144000" cy="5715016"/>
           </a:xfrm>
           <a:prstGeom prst="rect">
             <a:avLst/>
@@ -16772,29 +16553,283 @@
         </p:spPr>
         <p:txBody>
           <a:bodyPr vert="horz" lIns="91440" tIns="45720" rIns="91440" bIns="45720" rtlCol="0" anchor="ctr">
-            <a:normAutofit/>
+            <a:normAutofit fontScale="92500" lnSpcReduction="20000"/>
           </a:bodyPr>
           <a:lstStyle/>
           <a:p>
-            <a:pPr marL="0" marR="0" lvl="0" indent="0" defTabSz="914400" rtl="0" eaLnBrk="1" fontAlgn="auto" latinLnBrk="0" hangingPunct="1">
-              <a:lnSpc>
-                <a:spcPct val="100000"/>
-              </a:lnSpc>
-              <a:spcBef>
-                <a:spcPct val="0"/>
-              </a:spcBef>
-              <a:spcAft>
-                <a:spcPts val="0"/>
-              </a:spcAft>
-              <a:buClrTx/>
-              <a:buSzTx/>
-              <a:buFont typeface="Arial" pitchFamily="34" charset="0"/>
-              <a:buChar char="•"/>
-              <a:tabLst/>
-              <a:defRPr/>
-            </a:pPr>
-            <a:r>
-              <a:rPr kumimoji="0" lang="es-ES" sz="4000" b="0" i="0" u="none" strike="noStrike" kern="1200" cap="none" spc="0" normalizeH="0" baseline="0" noProof="0" dirty="0" smtClean="0">
+            <a:pPr marL="0" marR="0" lvl="0" indent="0" algn="ctr" defTabSz="914400" rtl="0" eaLnBrk="1" fontAlgn="auto" latinLnBrk="0" hangingPunct="1">
+              <a:lnSpc>
+                <a:spcPct val="100000"/>
+              </a:lnSpc>
+              <a:spcBef>
+                <a:spcPct val="0"/>
+              </a:spcBef>
+              <a:spcAft>
+                <a:spcPts val="0"/>
+              </a:spcAft>
+              <a:buClrTx/>
+              <a:buSzTx/>
+              <a:buFontTx/>
+              <a:buNone/>
+              <a:tabLst/>
+              <a:defRPr/>
+            </a:pPr>
+            <a:r>
+              <a:rPr lang="es-ES" sz="6000" b="1" noProof="0" dirty="0" smtClean="0">
+                <a:solidFill>
+                  <a:srgbClr val="C00000"/>
+                </a:solidFill>
+                <a:ea typeface="+mj-ea"/>
+                <a:cs typeface="+mj-cs"/>
+              </a:rPr>
+              <a:t>100%</a:t>
+            </a:r>
+          </a:p>
+          <a:p>
+            <a:pPr marL="0" marR="0" lvl="0" indent="0" algn="ctr" defTabSz="914400" rtl="0" eaLnBrk="1" fontAlgn="auto" latinLnBrk="0" hangingPunct="1">
+              <a:lnSpc>
+                <a:spcPct val="100000"/>
+              </a:lnSpc>
+              <a:spcBef>
+                <a:spcPct val="0"/>
+              </a:spcBef>
+              <a:spcAft>
+                <a:spcPts val="0"/>
+              </a:spcAft>
+              <a:buClrTx/>
+              <a:buSzTx/>
+              <a:buFontTx/>
+              <a:buNone/>
+              <a:tabLst/>
+              <a:defRPr/>
+            </a:pPr>
+            <a:endParaRPr lang="es-ES" sz="4000" noProof="0" dirty="0" smtClean="0">
+              <a:ea typeface="+mj-ea"/>
+              <a:cs typeface="+mj-cs"/>
+            </a:endParaRPr>
+          </a:p>
+          <a:p>
+            <a:pPr marL="0" marR="0" lvl="0" indent="0" algn="ctr" defTabSz="914400" rtl="0" eaLnBrk="1" fontAlgn="auto" latinLnBrk="0" hangingPunct="1">
+              <a:lnSpc>
+                <a:spcPct val="100000"/>
+              </a:lnSpc>
+              <a:spcBef>
+                <a:spcPct val="0"/>
+              </a:spcBef>
+              <a:spcAft>
+                <a:spcPts val="0"/>
+              </a:spcAft>
+              <a:buClrTx/>
+              <a:buSzTx/>
+              <a:buFontTx/>
+              <a:buNone/>
+              <a:tabLst/>
+              <a:defRPr/>
+            </a:pPr>
+            <a:r>
+              <a:rPr lang="es-ES" sz="4000" dirty="0" err="1" smtClean="0">
+                <a:ea typeface="+mj-ea"/>
+                <a:cs typeface="+mj-cs"/>
+              </a:rPr>
+              <a:t>App</a:t>
+            </a:r>
+            <a:r>
+              <a:rPr lang="es-ES" sz="4000" dirty="0" smtClean="0">
+                <a:ea typeface="+mj-ea"/>
+                <a:cs typeface="+mj-cs"/>
+              </a:rPr>
+              <a:t>, Web</a:t>
+            </a:r>
+            <a:endParaRPr lang="es-ES" sz="4000" noProof="0" dirty="0" smtClean="0">
+              <a:ea typeface="+mj-ea"/>
+              <a:cs typeface="+mj-cs"/>
+            </a:endParaRPr>
+          </a:p>
+          <a:p>
+            <a:pPr marL="0" marR="0" lvl="0" indent="0" algn="ctr" defTabSz="914400" rtl="0" eaLnBrk="1" fontAlgn="auto" latinLnBrk="0" hangingPunct="1">
+              <a:lnSpc>
+                <a:spcPct val="100000"/>
+              </a:lnSpc>
+              <a:spcBef>
+                <a:spcPct val="0"/>
+              </a:spcBef>
+              <a:spcAft>
+                <a:spcPts val="0"/>
+              </a:spcAft>
+              <a:buClrTx/>
+              <a:buSzTx/>
+              <a:buFontTx/>
+              <a:buNone/>
+              <a:tabLst/>
+              <a:defRPr/>
+            </a:pPr>
+            <a:r>
+              <a:rPr lang="es-ES" sz="4000" dirty="0" smtClean="0">
+                <a:ea typeface="+mj-ea"/>
+                <a:cs typeface="+mj-cs"/>
+              </a:rPr>
+              <a:t>Java, </a:t>
+            </a:r>
+            <a:r>
+              <a:rPr lang="es-ES" sz="4000" dirty="0" err="1" smtClean="0">
+                <a:ea typeface="+mj-ea"/>
+                <a:cs typeface="+mj-cs"/>
+              </a:rPr>
+              <a:t>Android</a:t>
+            </a:r>
+            <a:r>
+              <a:rPr lang="es-ES" sz="4000" dirty="0" smtClean="0">
+                <a:ea typeface="+mj-ea"/>
+                <a:cs typeface="+mj-cs"/>
+              </a:rPr>
+              <a:t>, XML, </a:t>
+            </a:r>
+            <a:r>
+              <a:rPr lang="es-ES" sz="4000" dirty="0" err="1" smtClean="0">
+                <a:ea typeface="+mj-ea"/>
+                <a:cs typeface="+mj-cs"/>
+              </a:rPr>
+              <a:t>SQLite</a:t>
+            </a:r>
+            <a:endParaRPr lang="es-ES" sz="4000" dirty="0" smtClean="0">
+              <a:ea typeface="+mj-ea"/>
+              <a:cs typeface="+mj-cs"/>
+            </a:endParaRPr>
+          </a:p>
+          <a:p>
+            <a:pPr marL="0" marR="0" lvl="0" indent="0" algn="ctr" defTabSz="914400" rtl="0" eaLnBrk="1" fontAlgn="auto" latinLnBrk="0" hangingPunct="1">
+              <a:lnSpc>
+                <a:spcPct val="100000"/>
+              </a:lnSpc>
+              <a:spcBef>
+                <a:spcPct val="0"/>
+              </a:spcBef>
+              <a:spcAft>
+                <a:spcPts val="0"/>
+              </a:spcAft>
+              <a:buClrTx/>
+              <a:buSzTx/>
+              <a:buFontTx/>
+              <a:buNone/>
+              <a:tabLst/>
+              <a:defRPr/>
+            </a:pPr>
+            <a:r>
+              <a:rPr lang="es-ES" sz="4000" noProof="0" dirty="0" smtClean="0">
+                <a:ea typeface="+mj-ea"/>
+                <a:cs typeface="+mj-cs"/>
+              </a:rPr>
+              <a:t>Imágenes, Sonidos</a:t>
+            </a:r>
+          </a:p>
+          <a:p>
+            <a:pPr marL="0" marR="0" lvl="0" indent="0" algn="ctr" defTabSz="914400" rtl="0" eaLnBrk="1" fontAlgn="auto" latinLnBrk="0" hangingPunct="1">
+              <a:lnSpc>
+                <a:spcPct val="100000"/>
+              </a:lnSpc>
+              <a:spcBef>
+                <a:spcPct val="0"/>
+              </a:spcBef>
+              <a:spcAft>
+                <a:spcPts val="0"/>
+              </a:spcAft>
+              <a:buClrTx/>
+              <a:buSzTx/>
+              <a:buFontTx/>
+              <a:buNone/>
+              <a:tabLst/>
+              <a:defRPr/>
+            </a:pPr>
+            <a:r>
+              <a:rPr lang="es-ES" sz="4000" dirty="0" smtClean="0">
+                <a:ea typeface="+mj-ea"/>
+                <a:cs typeface="+mj-cs"/>
+              </a:rPr>
+              <a:t>HTML5, CSS3</a:t>
+            </a:r>
+            <a:endParaRPr lang="es-ES" sz="4000" noProof="0" dirty="0" smtClean="0">
+              <a:ea typeface="+mj-ea"/>
+              <a:cs typeface="+mj-cs"/>
+            </a:endParaRPr>
+          </a:p>
+          <a:p>
+            <a:pPr marL="0" marR="0" lvl="0" indent="0" algn="ctr" defTabSz="914400" rtl="0" eaLnBrk="1" fontAlgn="auto" latinLnBrk="0" hangingPunct="1">
+              <a:lnSpc>
+                <a:spcPct val="100000"/>
+              </a:lnSpc>
+              <a:spcBef>
+                <a:spcPct val="0"/>
+              </a:spcBef>
+              <a:spcAft>
+                <a:spcPts val="0"/>
+              </a:spcAft>
+              <a:buClrTx/>
+              <a:buSzTx/>
+              <a:buFontTx/>
+              <a:buNone/>
+              <a:tabLst/>
+              <a:defRPr/>
+            </a:pPr>
+            <a:endParaRPr kumimoji="0" lang="es-ES" sz="4000" b="0" i="0" u="none" strike="noStrike" kern="1200" cap="none" spc="0" normalizeH="0" baseline="0" dirty="0" smtClean="0">
+              <a:ln>
+                <a:noFill/>
+              </a:ln>
+              <a:solidFill>
+                <a:schemeClr val="tx1"/>
+              </a:solidFill>
+              <a:effectLst/>
+              <a:uLnTx/>
+              <a:uFillTx/>
+              <a:ea typeface="+mj-ea"/>
+              <a:cs typeface="+mj-cs"/>
+            </a:endParaRPr>
+          </a:p>
+          <a:p>
+            <a:pPr marL="0" marR="0" lvl="0" indent="0" algn="ctr" defTabSz="914400" rtl="0" eaLnBrk="1" fontAlgn="auto" latinLnBrk="0" hangingPunct="1">
+              <a:lnSpc>
+                <a:spcPct val="100000"/>
+              </a:lnSpc>
+              <a:spcBef>
+                <a:spcPct val="0"/>
+              </a:spcBef>
+              <a:spcAft>
+                <a:spcPts val="0"/>
+              </a:spcAft>
+              <a:buClrTx/>
+              <a:buSzTx/>
+              <a:buFontTx/>
+              <a:buNone/>
+              <a:tabLst/>
+              <a:defRPr/>
+            </a:pPr>
+            <a:r>
+              <a:rPr lang="es-ES" sz="4000" noProof="0" dirty="0" smtClean="0">
+                <a:ea typeface="+mj-ea"/>
+                <a:cs typeface="+mj-cs"/>
+              </a:rPr>
+              <a:t>+</a:t>
+            </a:r>
+          </a:p>
+          <a:p>
+            <a:pPr marL="0" marR="0" lvl="0" indent="0" algn="ctr" defTabSz="914400" rtl="0" eaLnBrk="1" fontAlgn="auto" latinLnBrk="0" hangingPunct="1">
+              <a:lnSpc>
+                <a:spcPct val="100000"/>
+              </a:lnSpc>
+              <a:spcBef>
+                <a:spcPct val="0"/>
+              </a:spcBef>
+              <a:spcAft>
+                <a:spcPts val="0"/>
+              </a:spcAft>
+              <a:buClrTx/>
+              <a:buSzTx/>
+              <a:buFontTx/>
+              <a:buNone/>
+              <a:tabLst/>
+              <a:defRPr/>
+            </a:pPr>
+            <a:r>
+              <a:rPr kumimoji="0" lang="es-ES" sz="4000" b="1" i="0" u="none" strike="noStrike" kern="1200" cap="none" spc="0" normalizeH="0" baseline="0" dirty="0" smtClean="0">
                 <a:ln>
                   <a:noFill/>
                 </a:ln>
@@ -16807,55 +16842,10 @@
                 <a:ea typeface="+mj-ea"/>
                 <a:cs typeface="+mj-cs"/>
               </a:rPr>
-              <a:t>Imágenes de mayor calidad</a:t>
-            </a:r>
-          </a:p>
-          <a:p>
-            <a:pPr marL="0" marR="0" lvl="0" indent="0" defTabSz="914400" rtl="0" eaLnBrk="1" fontAlgn="auto" latinLnBrk="0" hangingPunct="1">
-              <a:lnSpc>
-                <a:spcPct val="100000"/>
-              </a:lnSpc>
-              <a:spcBef>
-                <a:spcPct val="0"/>
-              </a:spcBef>
-              <a:spcAft>
-                <a:spcPts val="0"/>
-              </a:spcAft>
-              <a:buClrTx/>
-              <a:buSzTx/>
-              <a:buFont typeface="Arial" pitchFamily="34" charset="0"/>
-              <a:buChar char="•"/>
-              <a:tabLst/>
-              <a:defRPr/>
-            </a:pPr>
-            <a:r>
-              <a:rPr lang="es-ES" sz="4000" noProof="0" dirty="0" smtClean="0">
-                <a:ea typeface="+mj-ea"/>
-                <a:cs typeface="+mj-cs"/>
-              </a:rPr>
-              <a:t>Más actores itinerantes</a:t>
-            </a:r>
-          </a:p>
-          <a:p>
-            <a:pPr marL="0" marR="0" lvl="0" indent="0" defTabSz="914400" rtl="0" eaLnBrk="1" fontAlgn="auto" latinLnBrk="0" hangingPunct="1">
-              <a:lnSpc>
-                <a:spcPct val="100000"/>
-              </a:lnSpc>
-              <a:spcBef>
-                <a:spcPct val="0"/>
-              </a:spcBef>
-              <a:spcAft>
-                <a:spcPts val="0"/>
-              </a:spcAft>
-              <a:buClrTx/>
-              <a:buSzTx/>
-              <a:buFont typeface="Arial" pitchFamily="34" charset="0"/>
-              <a:buChar char="•"/>
-              <a:tabLst/>
-              <a:defRPr/>
-            </a:pPr>
-            <a:r>
-              <a:rPr kumimoji="0" lang="es-ES" sz="4000" b="0" i="0" u="none" strike="noStrike" kern="1200" cap="none" spc="0" normalizeH="0" baseline="0" dirty="0" smtClean="0">
+              <a:t>GUEST</a:t>
+            </a:r>
+            <a:r>
+              <a:rPr kumimoji="0" lang="es-ES" sz="4000" b="1" i="0" u="none" strike="noStrike" kern="1200" cap="none" spc="0" normalizeH="0" dirty="0" smtClean="0">
                 <a:ln>
                   <a:noFill/>
                 </a:ln>
@@ -16868,84 +16858,7 @@
                 <a:ea typeface="+mj-ea"/>
                 <a:cs typeface="+mj-cs"/>
               </a:rPr>
-              <a:t>Estadísticas</a:t>
-            </a:r>
-            <a:r>
-              <a:rPr kumimoji="0" lang="es-ES" sz="4000" b="0" i="0" u="none" strike="noStrike" kern="1200" cap="none" spc="0" normalizeH="0" dirty="0" smtClean="0">
-                <a:ln>
-                  <a:noFill/>
-                </a:ln>
-                <a:solidFill>
-                  <a:schemeClr val="tx1"/>
-                </a:solidFill>
-                <a:effectLst/>
-                <a:uLnTx/>
-                <a:uFillTx/>
-                <a:ea typeface="+mj-ea"/>
-                <a:cs typeface="+mj-cs"/>
-              </a:rPr>
-              <a:t> (datos perfil)</a:t>
-            </a:r>
-          </a:p>
-          <a:p>
-            <a:pPr marL="0" marR="0" lvl="0" indent="0" defTabSz="914400" rtl="0" eaLnBrk="1" fontAlgn="auto" latinLnBrk="0" hangingPunct="1">
-              <a:lnSpc>
-                <a:spcPct val="100000"/>
-              </a:lnSpc>
-              <a:spcBef>
-                <a:spcPct val="0"/>
-              </a:spcBef>
-              <a:spcAft>
-                <a:spcPts val="0"/>
-              </a:spcAft>
-              <a:buClrTx/>
-              <a:buSzTx/>
-              <a:buFont typeface="Arial" pitchFamily="34" charset="0"/>
-              <a:buChar char="•"/>
-              <a:tabLst/>
-              <a:defRPr/>
-            </a:pPr>
-            <a:r>
-              <a:rPr lang="es-ES" sz="4000" dirty="0" smtClean="0">
-                <a:ea typeface="+mj-ea"/>
-                <a:cs typeface="+mj-cs"/>
-              </a:rPr>
-              <a:t>Publicidad</a:t>
-            </a:r>
-          </a:p>
-          <a:p>
-            <a:pPr marL="0" marR="0" lvl="0" indent="0" defTabSz="914400" rtl="0" eaLnBrk="1" fontAlgn="auto" latinLnBrk="0" hangingPunct="1">
-              <a:lnSpc>
-                <a:spcPct val="100000"/>
-              </a:lnSpc>
-              <a:spcBef>
-                <a:spcPct val="0"/>
-              </a:spcBef>
-              <a:spcAft>
-                <a:spcPts val="0"/>
-              </a:spcAft>
-              <a:buClrTx/>
-              <a:buSzTx/>
-              <a:buFont typeface="Arial" pitchFamily="34" charset="0"/>
-              <a:buChar char="•"/>
-              <a:tabLst/>
-              <a:defRPr/>
-            </a:pPr>
-            <a:r>
-              <a:rPr kumimoji="0" lang="es-ES" sz="4000" b="0" i="0" u="none" strike="noStrike" kern="1200" cap="none" spc="0" normalizeH="0" dirty="0" smtClean="0">
-                <a:ln>
-                  <a:noFill/>
-                </a:ln>
-                <a:solidFill>
-                  <a:schemeClr val="tx1"/>
-                </a:solidFill>
-                <a:effectLst/>
-                <a:uLnTx/>
-                <a:uFillTx/>
-                <a:ea typeface="+mj-ea"/>
-                <a:cs typeface="+mj-cs"/>
-              </a:rPr>
-              <a:t>Tienda on-line</a:t>
+              <a:t> STAR</a:t>
             </a:r>
           </a:p>
           <a:p>
@@ -16961,11 +16874,50 @@
               </a:spcAft>
               <a:buClrTx/>
               <a:buSzTx/>
-              <a:buFont typeface="Arial" pitchFamily="34" charset="0"/>
-              <a:buChar char="•"/>
-              <a:tabLst/>
-              <a:defRPr/>
-            </a:pPr>
+              <a:buFontTx/>
+              <a:buNone/>
+              <a:tabLst/>
+              <a:defRPr/>
+            </a:pPr>
+            <a:endParaRPr kumimoji="0" lang="es-ES" sz="4000" b="0" i="0" u="none" strike="noStrike" kern="1200" cap="none" spc="0" normalizeH="0" dirty="0" smtClean="0">
+              <a:ln>
+                <a:noFill/>
+              </a:ln>
+              <a:solidFill>
+                <a:schemeClr val="tx1"/>
+              </a:solidFill>
+              <a:effectLst/>
+              <a:uLnTx/>
+              <a:uFillTx/>
+              <a:ea typeface="+mj-ea"/>
+              <a:cs typeface="+mj-cs"/>
+            </a:endParaRPr>
+          </a:p>
+          <a:p>
+            <a:pPr marL="0" marR="0" lvl="0" indent="0" algn="ctr" defTabSz="914400" rtl="0" eaLnBrk="1" fontAlgn="auto" latinLnBrk="0" hangingPunct="1">
+              <a:lnSpc>
+                <a:spcPct val="100000"/>
+              </a:lnSpc>
+              <a:spcBef>
+                <a:spcPct val="0"/>
+              </a:spcBef>
+              <a:spcAft>
+                <a:spcPts val="0"/>
+              </a:spcAft>
+              <a:buClrTx/>
+              <a:buSzTx/>
+              <a:buFontTx/>
+              <a:buNone/>
+              <a:tabLst/>
+              <a:defRPr/>
+            </a:pPr>
+            <a:r>
+              <a:rPr lang="es-ES" sz="4000" baseline="0" noProof="0" dirty="0" err="1" smtClean="0">
+                <a:ea typeface="+mj-ea"/>
+                <a:cs typeface="+mj-cs"/>
+              </a:rPr>
+              <a:t>JavaScript</a:t>
+            </a:r>
             <a:endParaRPr kumimoji="0" lang="es-ES" sz="4000" b="0" i="0" u="none" strike="noStrike" kern="1200" cap="none" spc="0" normalizeH="0" baseline="0" noProof="0" dirty="0" smtClean="0">
               <a:ln>
                 <a:noFill/>
@@ -17259,6 +17211,318 @@
                 <a:ea typeface="+mj-ea"/>
                 <a:cs typeface="+mj-cs"/>
               </a:rPr>
+              <a:t>Ampliaciones y mejoras</a:t>
+            </a:r>
+          </a:p>
+        </p:txBody>
+      </p:sp>
+      <p:sp>
+        <p:nvSpPr>
+          <p:cNvPr id="3" name="1 Título"/>
+          <p:cNvSpPr txBox="1">
+            <a:spLocks/>
+          </p:cNvSpPr>
+          <p:nvPr/>
+        </p:nvSpPr>
+        <p:spPr>
+          <a:xfrm>
+            <a:off x="1285852" y="1142984"/>
+            <a:ext cx="6572296" cy="5715016"/>
+          </a:xfrm>
+          <a:prstGeom prst="rect">
+            <a:avLst/>
+          </a:prstGeom>
+        </p:spPr>
+        <p:txBody>
+          <a:bodyPr vert="horz" lIns="91440" tIns="45720" rIns="91440" bIns="45720" rtlCol="0" anchor="ctr">
+            <a:normAutofit/>
+          </a:bodyPr>
+          <a:lstStyle/>
+          <a:p>
+            <a:pPr marL="0" marR="0" lvl="0" indent="0" defTabSz="914400" rtl="0" eaLnBrk="1" fontAlgn="auto" latinLnBrk="0" hangingPunct="1">
+              <a:lnSpc>
+                <a:spcPct val="100000"/>
+              </a:lnSpc>
+              <a:spcBef>
+                <a:spcPct val="0"/>
+              </a:spcBef>
+              <a:spcAft>
+                <a:spcPts val="0"/>
+              </a:spcAft>
+              <a:buClrTx/>
+              <a:buSzTx/>
+              <a:buFont typeface="Arial" pitchFamily="34" charset="0"/>
+              <a:buChar char="•"/>
+              <a:tabLst/>
+              <a:defRPr/>
+            </a:pPr>
+            <a:r>
+              <a:rPr kumimoji="0" lang="es-ES" sz="4000" b="0" i="0" u="none" strike="noStrike" kern="1200" cap="none" spc="0" normalizeH="0" baseline="0" noProof="0" dirty="0" smtClean="0">
+                <a:ln>
+                  <a:noFill/>
+                </a:ln>
+                <a:solidFill>
+                  <a:schemeClr val="tx1"/>
+                </a:solidFill>
+                <a:effectLst/>
+                <a:uLnTx/>
+                <a:uFillTx/>
+                <a:ea typeface="+mj-ea"/>
+                <a:cs typeface="+mj-cs"/>
+              </a:rPr>
+              <a:t>Imágenes de mayor calidad</a:t>
+            </a:r>
+          </a:p>
+          <a:p>
+            <a:pPr marL="0" marR="0" lvl="0" indent="0" defTabSz="914400" rtl="0" eaLnBrk="1" fontAlgn="auto" latinLnBrk="0" hangingPunct="1">
+              <a:lnSpc>
+                <a:spcPct val="100000"/>
+              </a:lnSpc>
+              <a:spcBef>
+                <a:spcPct val="0"/>
+              </a:spcBef>
+              <a:spcAft>
+                <a:spcPts val="0"/>
+              </a:spcAft>
+              <a:buClrTx/>
+              <a:buSzTx/>
+              <a:buFont typeface="Arial" pitchFamily="34" charset="0"/>
+              <a:buChar char="•"/>
+              <a:tabLst/>
+              <a:defRPr/>
+            </a:pPr>
+            <a:r>
+              <a:rPr lang="es-ES" sz="4000" noProof="0" dirty="0" smtClean="0">
+                <a:ea typeface="+mj-ea"/>
+                <a:cs typeface="+mj-cs"/>
+              </a:rPr>
+              <a:t>Más actores itinerantes</a:t>
+            </a:r>
+          </a:p>
+          <a:p>
+            <a:pPr marL="0" marR="0" lvl="0" indent="0" defTabSz="914400" rtl="0" eaLnBrk="1" fontAlgn="auto" latinLnBrk="0" hangingPunct="1">
+              <a:lnSpc>
+                <a:spcPct val="100000"/>
+              </a:lnSpc>
+              <a:spcBef>
+                <a:spcPct val="0"/>
+              </a:spcBef>
+              <a:spcAft>
+                <a:spcPts val="0"/>
+              </a:spcAft>
+              <a:buClrTx/>
+              <a:buSzTx/>
+              <a:buFont typeface="Arial" pitchFamily="34" charset="0"/>
+              <a:buChar char="•"/>
+              <a:tabLst/>
+              <a:defRPr/>
+            </a:pPr>
+            <a:r>
+              <a:rPr kumimoji="0" lang="es-ES" sz="4000" b="0" i="0" u="none" strike="noStrike" kern="1200" cap="none" spc="0" normalizeH="0" baseline="0" dirty="0" smtClean="0">
+                <a:ln>
+                  <a:noFill/>
+                </a:ln>
+                <a:solidFill>
+                  <a:schemeClr val="tx1"/>
+                </a:solidFill>
+                <a:effectLst/>
+                <a:uLnTx/>
+                <a:uFillTx/>
+                <a:ea typeface="+mj-ea"/>
+                <a:cs typeface="+mj-cs"/>
+              </a:rPr>
+              <a:t>Estadísticas</a:t>
+            </a:r>
+            <a:r>
+              <a:rPr kumimoji="0" lang="es-ES" sz="4000" b="0" i="0" u="none" strike="noStrike" kern="1200" cap="none" spc="0" normalizeH="0" dirty="0" smtClean="0">
+                <a:ln>
+                  <a:noFill/>
+                </a:ln>
+                <a:solidFill>
+                  <a:schemeClr val="tx1"/>
+                </a:solidFill>
+                <a:effectLst/>
+                <a:uLnTx/>
+                <a:uFillTx/>
+                <a:ea typeface="+mj-ea"/>
+                <a:cs typeface="+mj-cs"/>
+              </a:rPr>
+              <a:t> (datos perfil)</a:t>
+            </a:r>
+          </a:p>
+          <a:p>
+            <a:pPr marL="0" marR="0" lvl="0" indent="0" defTabSz="914400" rtl="0" eaLnBrk="1" fontAlgn="auto" latinLnBrk="0" hangingPunct="1">
+              <a:lnSpc>
+                <a:spcPct val="100000"/>
+              </a:lnSpc>
+              <a:spcBef>
+                <a:spcPct val="0"/>
+              </a:spcBef>
+              <a:spcAft>
+                <a:spcPts val="0"/>
+              </a:spcAft>
+              <a:buClrTx/>
+              <a:buSzTx/>
+              <a:buFont typeface="Arial" pitchFamily="34" charset="0"/>
+              <a:buChar char="•"/>
+              <a:tabLst/>
+              <a:defRPr/>
+            </a:pPr>
+            <a:r>
+              <a:rPr lang="es-ES" sz="4000" dirty="0" smtClean="0">
+                <a:ea typeface="+mj-ea"/>
+                <a:cs typeface="+mj-cs"/>
+              </a:rPr>
+              <a:t>Publicidad</a:t>
+            </a:r>
+          </a:p>
+          <a:p>
+            <a:pPr marL="0" marR="0" lvl="0" indent="0" defTabSz="914400" rtl="0" eaLnBrk="1" fontAlgn="auto" latinLnBrk="0" hangingPunct="1">
+              <a:lnSpc>
+                <a:spcPct val="100000"/>
+              </a:lnSpc>
+              <a:spcBef>
+                <a:spcPct val="0"/>
+              </a:spcBef>
+              <a:spcAft>
+                <a:spcPts val="0"/>
+              </a:spcAft>
+              <a:buClrTx/>
+              <a:buSzTx/>
+              <a:buFont typeface="Arial" pitchFamily="34" charset="0"/>
+              <a:buChar char="•"/>
+              <a:tabLst/>
+              <a:defRPr/>
+            </a:pPr>
+            <a:r>
+              <a:rPr kumimoji="0" lang="es-ES" sz="4000" b="0" i="0" u="none" strike="noStrike" kern="1200" cap="none" spc="0" normalizeH="0" dirty="0" smtClean="0">
+                <a:ln>
+                  <a:noFill/>
+                </a:ln>
+                <a:solidFill>
+                  <a:schemeClr val="tx1"/>
+                </a:solidFill>
+                <a:effectLst/>
+                <a:uLnTx/>
+                <a:uFillTx/>
+                <a:ea typeface="+mj-ea"/>
+                <a:cs typeface="+mj-cs"/>
+              </a:rPr>
+              <a:t>Tienda on-line</a:t>
+            </a:r>
+          </a:p>
+          <a:p>
+            <a:pPr marL="0" marR="0" lvl="0" indent="0" algn="ctr" defTabSz="914400" rtl="0" eaLnBrk="1" fontAlgn="auto" latinLnBrk="0" hangingPunct="1">
+              <a:lnSpc>
+                <a:spcPct val="100000"/>
+              </a:lnSpc>
+              <a:spcBef>
+                <a:spcPct val="0"/>
+              </a:spcBef>
+              <a:spcAft>
+                <a:spcPts val="0"/>
+              </a:spcAft>
+              <a:buClrTx/>
+              <a:buSzTx/>
+              <a:buFont typeface="Arial" pitchFamily="34" charset="0"/>
+              <a:buChar char="•"/>
+              <a:tabLst/>
+              <a:defRPr/>
+            </a:pPr>
+            <a:endParaRPr kumimoji="0" lang="es-ES" sz="4000" b="0" i="0" u="none" strike="noStrike" kern="1200" cap="none" spc="0" normalizeH="0" baseline="0" noProof="0" dirty="0" smtClean="0">
+              <a:ln>
+                <a:noFill/>
+              </a:ln>
+              <a:solidFill>
+                <a:schemeClr val="tx1"/>
+              </a:solidFill>
+              <a:effectLst/>
+              <a:uLnTx/>
+              <a:uFillTx/>
+              <a:ea typeface="+mj-ea"/>
+              <a:cs typeface="+mj-cs"/>
+            </a:endParaRPr>
+          </a:p>
+        </p:txBody>
+      </p:sp>
+    </p:spTree>
+  </p:cSld>
+  <p:clrMapOvr>
+    <a:masterClrMapping/>
+  </p:clrMapOvr>
+  <p:timing>
+    <p:tnLst>
+      <p:par>
+        <p:cTn id="1" dur="indefinite" restart="never" nodeType="tmRoot"/>
+      </p:par>
+    </p:tnLst>
+  </p:timing>
+</p:sld>
+</file>
+
+<file path=ppt/slides/slide51.xml><?xml version="1.0" encoding="utf-8"?>
+<p:sld xmlns:a="http://schemas.openxmlformats.org/drawingml/2006/main" xmlns:r="http://schemas.openxmlformats.org/officeDocument/2006/relationships" xmlns:p="http://schemas.openxmlformats.org/presentationml/2006/main">
+  <p:cSld>
+    <p:spTree>
+      <p:nvGrpSpPr>
+        <p:cNvPr id="1" name=""/>
+        <p:cNvGrpSpPr/>
+        <p:nvPr/>
+      </p:nvGrpSpPr>
+      <p:grpSpPr>
+        <a:xfrm>
+          <a:off x="0" y="0"/>
+          <a:ext cx="0" cy="0"/>
+          <a:chOff x="0" y="0"/>
+          <a:chExt cx="0" cy="0"/>
+        </a:xfrm>
+      </p:grpSpPr>
+      <p:sp>
+        <p:nvSpPr>
+          <p:cNvPr id="4" name="1 Título"/>
+          <p:cNvSpPr txBox="1">
+            <a:spLocks/>
+          </p:cNvSpPr>
+          <p:nvPr/>
+        </p:nvSpPr>
+        <p:spPr>
+          <a:xfrm>
+            <a:off x="0" y="0"/>
+            <a:ext cx="9144000" cy="857248"/>
+          </a:xfrm>
+          <a:prstGeom prst="rect">
+            <a:avLst/>
+          </a:prstGeom>
+        </p:spPr>
+        <p:txBody>
+          <a:bodyPr vert="horz" lIns="91440" tIns="45720" rIns="91440" bIns="45720" rtlCol="0" anchor="ctr">
+            <a:normAutofit/>
+          </a:bodyPr>
+          <a:lstStyle/>
+          <a:p>
+            <a:pPr marL="0" marR="0" lvl="0" indent="0" algn="ctr" defTabSz="914400" rtl="0" eaLnBrk="1" fontAlgn="auto" latinLnBrk="0" hangingPunct="1">
+              <a:lnSpc>
+                <a:spcPct val="100000"/>
+              </a:lnSpc>
+              <a:spcBef>
+                <a:spcPct val="0"/>
+              </a:spcBef>
+              <a:spcAft>
+                <a:spcPts val="0"/>
+              </a:spcAft>
+              <a:buClrTx/>
+              <a:buSzTx/>
+              <a:buFontTx/>
+              <a:buNone/>
+              <a:tabLst/>
+              <a:defRPr/>
+            </a:pPr>
+            <a:r>
+              <a:rPr lang="es-ES" sz="4400" dirty="0" smtClean="0">
+                <a:latin typeface="Underwood Champion" pitchFamily="2" charset="0"/>
+                <a:ea typeface="+mj-ea"/>
+                <a:cs typeface="+mj-cs"/>
+              </a:rPr>
               <a:t>Conclusiones</a:t>
             </a:r>
           </a:p>
@@ -18052,15 +18316,7 @@
                 <a:ea typeface="+mj-ea"/>
                 <a:cs typeface="+mj-cs"/>
               </a:rPr>
-              <a:t>, Exuperio, </a:t>
-            </a:r>
-            <a:r>
-              <a:rPr lang="es-ES" sz="3200" dirty="0" smtClean="0">
-                <a:latin typeface="+mj-lt"/>
-                <a:ea typeface="+mj-ea"/>
-                <a:cs typeface="+mj-cs"/>
-              </a:rPr>
-              <a:t>Loli,</a:t>
+              <a:t>, Exuperio, Loli,</a:t>
             </a:r>
           </a:p>
           <a:p>
@@ -18539,11 +18795,79 @@
             </a:pPr>
             <a:r>
               <a:rPr lang="es-ES" sz="3200" noProof="0" dirty="0" smtClean="0">
-                <a:latin typeface="+mj-lt"/>
+                <a:solidFill>
+                  <a:srgbClr val="002060"/>
+                </a:solidFill>
+                <a:latin typeface="Underwood Champion" pitchFamily="2" charset="0"/>
                 <a:ea typeface="+mj-ea"/>
                 <a:cs typeface="+mj-cs"/>
               </a:rPr>
               <a:t>Personajes</a:t>
+            </a:r>
+            <a:endParaRPr kumimoji="0" lang="es-ES" sz="3200" b="0" i="0" u="none" strike="noStrike" kern="1200" cap="none" spc="0" normalizeH="0" baseline="0" noProof="0" dirty="0" smtClean="0">
+              <a:ln>
+                <a:noFill/>
+              </a:ln>
+              <a:solidFill>
+                <a:srgbClr val="002060"/>
+              </a:solidFill>
+              <a:effectLst/>
+              <a:uLnTx/>
+              <a:uFillTx/>
+              <a:latin typeface="Underwood Champion" pitchFamily="2" charset="0"/>
+              <a:ea typeface="+mj-ea"/>
+              <a:cs typeface="+mj-cs"/>
+            </a:endParaRPr>
+          </a:p>
+        </p:txBody>
+      </p:sp>
+      <p:sp>
+        <p:nvSpPr>
+          <p:cNvPr id="6" name="1 Título"/>
+          <p:cNvSpPr txBox="1">
+            <a:spLocks/>
+          </p:cNvSpPr>
+          <p:nvPr/>
+        </p:nvSpPr>
+        <p:spPr>
+          <a:xfrm>
+            <a:off x="5572132" y="4500570"/>
+            <a:ext cx="3000396" cy="714380"/>
+          </a:xfrm>
+          <a:prstGeom prst="rect">
+            <a:avLst/>
+          </a:prstGeom>
+        </p:spPr>
+        <p:txBody>
+          <a:bodyPr vert="horz" lIns="91440" tIns="45720" rIns="91440" bIns="45720" rtlCol="0" anchor="ctr">
+            <a:normAutofit/>
+          </a:bodyPr>
+          <a:lstStyle/>
+          <a:p>
+            <a:pPr marL="0" marR="0" lvl="0" indent="0" algn="ctr" defTabSz="914400" rtl="0" eaLnBrk="1" fontAlgn="auto" latinLnBrk="0" hangingPunct="1">
+              <a:lnSpc>
+                <a:spcPct val="100000"/>
+              </a:lnSpc>
+              <a:spcBef>
+                <a:spcPct val="0"/>
+              </a:spcBef>
+              <a:spcAft>
+                <a:spcPts val="0"/>
+              </a:spcAft>
+              <a:buClrTx/>
+              <a:buSzTx/>
+              <a:buFontTx/>
+              <a:buNone/>
+              <a:tabLst/>
+              <a:defRPr/>
+            </a:pPr>
+            <a:r>
+              <a:rPr lang="es-ES" sz="3200" dirty="0" smtClean="0">
+                <a:latin typeface="Underwood Champion" pitchFamily="2" charset="0"/>
+                <a:ea typeface="+mj-ea"/>
+                <a:cs typeface="+mj-cs"/>
+              </a:rPr>
+              <a:t>Misterios</a:t>
             </a:r>
             <a:endParaRPr kumimoji="0" lang="es-ES" sz="3200" b="0" i="0" u="none" strike="noStrike" kern="1200" cap="none" spc="0" normalizeH="0" baseline="0" noProof="0" dirty="0" smtClean="0">
               <a:ln>
@@ -18555,7 +18879,7 @@
               <a:effectLst/>
               <a:uLnTx/>
               <a:uFillTx/>
-              <a:latin typeface="+mj-lt"/>
+              <a:latin typeface="Underwood Champion" pitchFamily="2" charset="0"/>
               <a:ea typeface="+mj-ea"/>
               <a:cs typeface="+mj-cs"/>
             </a:endParaRPr>
@@ -18564,7 +18888,7 @@
       </p:sp>
       <p:sp>
         <p:nvSpPr>
-          <p:cNvPr id="6" name="1 Título"/>
+          <p:cNvPr id="7" name="1 Título"/>
           <p:cNvSpPr txBox="1">
             <a:spLocks/>
           </p:cNvSpPr>
@@ -18572,8 +18896,8 @@
         </p:nvSpPr>
         <p:spPr>
           <a:xfrm>
-            <a:off x="5572132" y="4500570"/>
-            <a:ext cx="3000396" cy="714380"/>
+            <a:off x="1428728" y="2857496"/>
+            <a:ext cx="3714776" cy="714380"/>
           </a:xfrm>
           <a:prstGeom prst="rect">
             <a:avLst/>
@@ -18604,23 +18928,26 @@
             </a:pPr>
             <a:r>
               <a:rPr lang="es-ES" sz="3200" dirty="0" smtClean="0">
-                <a:latin typeface="+mj-lt"/>
-                <a:ea typeface="+mj-ea"/>
-                <a:cs typeface="+mj-cs"/>
-              </a:rPr>
-              <a:t>Misterios</a:t>
+                <a:solidFill>
+                  <a:srgbClr val="00B050"/>
+                </a:solidFill>
+                <a:latin typeface="Underwood Champion" pitchFamily="2" charset="0"/>
+                <a:ea typeface="+mj-ea"/>
+                <a:cs typeface="+mj-cs"/>
+              </a:rPr>
+              <a:t>Localizaciones</a:t>
             </a:r>
             <a:endParaRPr kumimoji="0" lang="es-ES" sz="3200" b="0" i="0" u="none" strike="noStrike" kern="1200" cap="none" spc="0" normalizeH="0" baseline="0" noProof="0" dirty="0" smtClean="0">
               <a:ln>
                 <a:noFill/>
               </a:ln>
               <a:solidFill>
-                <a:schemeClr val="tx1"/>
+                <a:srgbClr val="00B050"/>
               </a:solidFill>
               <a:effectLst/>
               <a:uLnTx/>
               <a:uFillTx/>
-              <a:latin typeface="+mj-lt"/>
+              <a:latin typeface="Underwood Champion" pitchFamily="2" charset="0"/>
               <a:ea typeface="+mj-ea"/>
               <a:cs typeface="+mj-cs"/>
             </a:endParaRPr>
@@ -18629,7 +18956,7 @@
       </p:sp>
       <p:sp>
         <p:nvSpPr>
-          <p:cNvPr id="7" name="1 Título"/>
+          <p:cNvPr id="8" name="1 Título"/>
           <p:cNvSpPr txBox="1">
             <a:spLocks/>
           </p:cNvSpPr>
@@ -18637,8 +18964,8 @@
         </p:nvSpPr>
         <p:spPr>
           <a:xfrm>
-            <a:off x="1428728" y="2857496"/>
-            <a:ext cx="3714776" cy="714380"/>
+            <a:off x="4786314" y="1643050"/>
+            <a:ext cx="3000396" cy="714380"/>
           </a:xfrm>
           <a:prstGeom prst="rect">
             <a:avLst/>
@@ -18669,86 +18996,26 @@
             </a:pPr>
             <a:r>
               <a:rPr lang="es-ES" sz="3200" dirty="0" smtClean="0">
-                <a:ea typeface="+mj-ea"/>
-                <a:cs typeface="+mj-cs"/>
-              </a:rPr>
-              <a:t>Localizaciones</a:t>
+                <a:solidFill>
+                  <a:srgbClr val="C00000"/>
+                </a:solidFill>
+                <a:latin typeface="Underwood Champion" pitchFamily="2" charset="0"/>
+                <a:ea typeface="+mj-ea"/>
+                <a:cs typeface="+mj-cs"/>
+              </a:rPr>
+              <a:t>Mapa</a:t>
             </a:r>
             <a:endParaRPr kumimoji="0" lang="es-ES" sz="3200" b="0" i="0" u="none" strike="noStrike" kern="1200" cap="none" spc="0" normalizeH="0" baseline="0" noProof="0" dirty="0" smtClean="0">
               <a:ln>
                 <a:noFill/>
               </a:ln>
               <a:solidFill>
-                <a:schemeClr val="tx1"/>
+                <a:srgbClr val="C00000"/>
               </a:solidFill>
               <a:effectLst/>
               <a:uLnTx/>
               <a:uFillTx/>
-              <a:ea typeface="+mj-ea"/>
-              <a:cs typeface="+mj-cs"/>
-            </a:endParaRPr>
-          </a:p>
-        </p:txBody>
-      </p:sp>
-      <p:sp>
-        <p:nvSpPr>
-          <p:cNvPr id="8" name="1 Título"/>
-          <p:cNvSpPr txBox="1">
-            <a:spLocks/>
-          </p:cNvSpPr>
-          <p:nvPr/>
-        </p:nvSpPr>
-        <p:spPr>
-          <a:xfrm>
-            <a:off x="4786314" y="1643050"/>
-            <a:ext cx="3000396" cy="714380"/>
-          </a:xfrm>
-          <a:prstGeom prst="rect">
-            <a:avLst/>
-          </a:prstGeom>
-        </p:spPr>
-        <p:txBody>
-          <a:bodyPr vert="horz" lIns="91440" tIns="45720" rIns="91440" bIns="45720" rtlCol="0" anchor="ctr">
-            <a:normAutofit/>
-          </a:bodyPr>
-          <a:lstStyle/>
-          <a:p>
-            <a:pPr marL="0" marR="0" lvl="0" indent="0" algn="ctr" defTabSz="914400" rtl="0" eaLnBrk="1" fontAlgn="auto" latinLnBrk="0" hangingPunct="1">
-              <a:lnSpc>
-                <a:spcPct val="100000"/>
-              </a:lnSpc>
-              <a:spcBef>
-                <a:spcPct val="0"/>
-              </a:spcBef>
-              <a:spcAft>
-                <a:spcPts val="0"/>
-              </a:spcAft>
-              <a:buClrTx/>
-              <a:buSzTx/>
-              <a:buFontTx/>
-              <a:buNone/>
-              <a:tabLst/>
-              <a:defRPr/>
-            </a:pPr>
-            <a:r>
-              <a:rPr lang="es-ES" sz="3200" dirty="0" smtClean="0">
-                <a:latin typeface="+mj-lt"/>
-                <a:ea typeface="+mj-ea"/>
-                <a:cs typeface="+mj-cs"/>
-              </a:rPr>
-              <a:t>Mapa</a:t>
-            </a:r>
-            <a:endParaRPr kumimoji="0" lang="es-ES" sz="3200" b="0" i="0" u="none" strike="noStrike" kern="1200" cap="none" spc="0" normalizeH="0" baseline="0" noProof="0" dirty="0" smtClean="0">
-              <a:ln>
-                <a:noFill/>
-              </a:ln>
-              <a:solidFill>
-                <a:schemeClr val="tx1"/>
-              </a:solidFill>
-              <a:effectLst/>
-              <a:uLnTx/>
-              <a:uFillTx/>
-              <a:latin typeface="+mj-lt"/>
+              <a:latin typeface="Underwood Champion" pitchFamily="2" charset="0"/>
               <a:ea typeface="+mj-ea"/>
               <a:cs typeface="+mj-cs"/>
             </a:endParaRPr>
@@ -18949,7 +19216,7 @@
                   <a:noFill/>
                 </a:ln>
                 <a:solidFill>
-                  <a:srgbClr val="FF0000"/>
+                  <a:srgbClr val="C00000"/>
                 </a:solidFill>
                 <a:effectLst/>
                 <a:uLnTx/>

--- a/presentacion/presentacion_miguel_indalecio_garcia_lopez.pptx
+++ b/presentacion/presentacion_miguel_indalecio_garcia_lopez.pptx
@@ -56,6 +56,7 @@
     <p:sldId id="306" r:id="rId50"/>
     <p:sldId id="307" r:id="rId51"/>
     <p:sldId id="308" r:id="rId52"/>
+    <p:sldId id="310" r:id="rId53"/>
   </p:sldIdLst>
   <p:sldSz cx="9144000" cy="6858000" type="screen4x3"/>
   <p:notesSz cx="6858000" cy="9144000"/>
@@ -339,7 +340,7 @@
             <a:fld id="{045C9ACF-B5BA-4A7D-9AFB-510D50510C08}" type="datetimeFigureOut">
               <a:rPr lang="es-ES" smtClean="0"/>
               <a:pPr/>
-              <a:t>24/05/2016</a:t>
+              <a:t>26/05/2016</a:t>
             </a:fld>
             <a:endParaRPr lang="es-ES"/>
           </a:p>
@@ -506,7 +507,7 @@
             <a:fld id="{045C9ACF-B5BA-4A7D-9AFB-510D50510C08}" type="datetimeFigureOut">
               <a:rPr lang="es-ES" smtClean="0"/>
               <a:pPr/>
-              <a:t>24/05/2016</a:t>
+              <a:t>26/05/2016</a:t>
             </a:fld>
             <a:endParaRPr lang="es-ES"/>
           </a:p>
@@ -683,7 +684,7 @@
             <a:fld id="{045C9ACF-B5BA-4A7D-9AFB-510D50510C08}" type="datetimeFigureOut">
               <a:rPr lang="es-ES" smtClean="0"/>
               <a:pPr/>
-              <a:t>24/05/2016</a:t>
+              <a:t>26/05/2016</a:t>
             </a:fld>
             <a:endParaRPr lang="es-ES"/>
           </a:p>
@@ -850,7 +851,7 @@
             <a:fld id="{045C9ACF-B5BA-4A7D-9AFB-510D50510C08}" type="datetimeFigureOut">
               <a:rPr lang="es-ES" smtClean="0"/>
               <a:pPr/>
-              <a:t>24/05/2016</a:t>
+              <a:t>26/05/2016</a:t>
             </a:fld>
             <a:endParaRPr lang="es-ES"/>
           </a:p>
@@ -1093,7 +1094,7 @@
             <a:fld id="{045C9ACF-B5BA-4A7D-9AFB-510D50510C08}" type="datetimeFigureOut">
               <a:rPr lang="es-ES" smtClean="0"/>
               <a:pPr/>
-              <a:t>24/05/2016</a:t>
+              <a:t>26/05/2016</a:t>
             </a:fld>
             <a:endParaRPr lang="es-ES"/>
           </a:p>
@@ -1378,7 +1379,7 @@
             <a:fld id="{045C9ACF-B5BA-4A7D-9AFB-510D50510C08}" type="datetimeFigureOut">
               <a:rPr lang="es-ES" smtClean="0"/>
               <a:pPr/>
-              <a:t>24/05/2016</a:t>
+              <a:t>26/05/2016</a:t>
             </a:fld>
             <a:endParaRPr lang="es-ES"/>
           </a:p>
@@ -1797,7 +1798,7 @@
             <a:fld id="{045C9ACF-B5BA-4A7D-9AFB-510D50510C08}" type="datetimeFigureOut">
               <a:rPr lang="es-ES" smtClean="0"/>
               <a:pPr/>
-              <a:t>24/05/2016</a:t>
+              <a:t>26/05/2016</a:t>
             </a:fld>
             <a:endParaRPr lang="es-ES"/>
           </a:p>
@@ -1912,7 +1913,7 @@
             <a:fld id="{045C9ACF-B5BA-4A7D-9AFB-510D50510C08}" type="datetimeFigureOut">
               <a:rPr lang="es-ES" smtClean="0"/>
               <a:pPr/>
-              <a:t>24/05/2016</a:t>
+              <a:t>26/05/2016</a:t>
             </a:fld>
             <a:endParaRPr lang="es-ES"/>
           </a:p>
@@ -2004,7 +2005,7 @@
             <a:fld id="{045C9ACF-B5BA-4A7D-9AFB-510D50510C08}" type="datetimeFigureOut">
               <a:rPr lang="es-ES" smtClean="0"/>
               <a:pPr/>
-              <a:t>24/05/2016</a:t>
+              <a:t>26/05/2016</a:t>
             </a:fld>
             <a:endParaRPr lang="es-ES"/>
           </a:p>
@@ -2278,7 +2279,7 @@
             <a:fld id="{045C9ACF-B5BA-4A7D-9AFB-510D50510C08}" type="datetimeFigureOut">
               <a:rPr lang="es-ES" smtClean="0"/>
               <a:pPr/>
-              <a:t>24/05/2016</a:t>
+              <a:t>26/05/2016</a:t>
             </a:fld>
             <a:endParaRPr lang="es-ES"/>
           </a:p>
@@ -2528,7 +2529,7 @@
             <a:fld id="{045C9ACF-B5BA-4A7D-9AFB-510D50510C08}" type="datetimeFigureOut">
               <a:rPr lang="es-ES" smtClean="0"/>
               <a:pPr/>
-              <a:t>24/05/2016</a:t>
+              <a:t>26/05/2016</a:t>
             </a:fld>
             <a:endParaRPr lang="es-ES"/>
           </a:p>
@@ -2762,7 +2763,7 @@
             <a:fld id="{045C9ACF-B5BA-4A7D-9AFB-510D50510C08}" type="datetimeFigureOut">
               <a:rPr lang="es-ES" smtClean="0"/>
               <a:pPr/>
-              <a:t>24/05/2016</a:t>
+              <a:t>26/05/2016</a:t>
             </a:fld>
             <a:endParaRPr lang="es-ES"/>
           </a:p>
@@ -3356,6 +3357,9 @@
   <p:clrMapOvr>
     <a:masterClrMapping/>
   </p:clrMapOvr>
+  <p:transition>
+    <p:newsflash/>
+  </p:transition>
   <p:timing>
     <p:tnLst>
       <p:par>
@@ -3722,6 +3726,9 @@
   <p:clrMapOvr>
     <a:masterClrMapping/>
   </p:clrMapOvr>
+  <p:transition>
+    <p:push dir="r"/>
+  </p:transition>
   <p:timing>
     <p:tnLst>
       <p:par>
@@ -4152,6 +4159,9 @@
   <p:clrMapOvr>
     <a:masterClrMapping/>
   </p:clrMapOvr>
+  <p:transition>
+    <p:push dir="r"/>
+  </p:transition>
   <p:timing>
     <p:tnLst>
       <p:par>
@@ -4759,6 +4769,9 @@
   <p:clrMapOvr>
     <a:masterClrMapping/>
   </p:clrMapOvr>
+  <p:transition>
+    <p:newsflash/>
+  </p:transition>
   <p:timing>
     <p:tnLst>
       <p:par>
@@ -5432,6 +5445,9 @@
   <p:clrMapOvr>
     <a:masterClrMapping/>
   </p:clrMapOvr>
+  <p:transition>
+    <p:push dir="r"/>
+  </p:transition>
   <p:timing>
     <p:tnLst>
       <p:par>
@@ -5727,6 +5743,9 @@
   <p:clrMapOvr>
     <a:masterClrMapping/>
   </p:clrMapOvr>
+  <p:transition>
+    <p:push dir="r"/>
+  </p:transition>
   <p:timing>
     <p:tnLst>
       <p:par>
@@ -5966,6 +5985,9 @@
   <p:clrMapOvr>
     <a:masterClrMapping/>
   </p:clrMapOvr>
+  <p:transition>
+    <p:push dir="r"/>
+  </p:transition>
   <p:timing>
     <p:tnLst>
       <p:par>
@@ -6180,6 +6202,9 @@
   <p:clrMapOvr>
     <a:masterClrMapping/>
   </p:clrMapOvr>
+  <p:transition>
+    <p:push dir="r"/>
+  </p:transition>
   <p:timing>
     <p:tnLst>
       <p:par>
@@ -6392,6 +6417,9 @@
   <p:clrMapOvr>
     <a:masterClrMapping/>
   </p:clrMapOvr>
+  <p:transition>
+    <p:push dir="r"/>
+  </p:transition>
   <p:timing>
     <p:tnLst>
       <p:par>
@@ -6893,6 +6921,9 @@
   <p:clrMapOvr>
     <a:masterClrMapping/>
   </p:clrMapOvr>
+  <p:transition>
+    <p:newsflash/>
+  </p:transition>
   <p:timing>
     <p:tnLst>
       <p:par>
@@ -7106,6 +7137,9 @@
   <p:clrMapOvr>
     <a:masterClrMapping/>
   </p:clrMapOvr>
+  <p:transition>
+    <p:newsflash/>
+  </p:transition>
   <p:timing>
     <p:tnLst>
       <p:par>
@@ -7401,6 +7435,9 @@
   <p:clrMapOvr>
     <a:masterClrMapping/>
   </p:clrMapOvr>
+  <p:transition>
+    <p:newsflash/>
+  </p:transition>
   <p:timing>
     <p:tnLst>
       <p:par>
@@ -7598,6 +7635,9 @@
   <p:clrMapOvr>
     <a:masterClrMapping/>
   </p:clrMapOvr>
+  <p:transition>
+    <p:push dir="r"/>
+  </p:transition>
   <p:timing>
     <p:tnLst>
       <p:par>
@@ -7795,6 +7835,9 @@
   <p:clrMapOvr>
     <a:masterClrMapping/>
   </p:clrMapOvr>
+  <p:transition>
+    <p:push dir="r"/>
+  </p:transition>
   <p:timing>
     <p:tnLst>
       <p:par>
@@ -7992,6 +8035,9 @@
   <p:clrMapOvr>
     <a:masterClrMapping/>
   </p:clrMapOvr>
+  <p:transition>
+    <p:push dir="r"/>
+  </p:transition>
   <p:timing>
     <p:tnLst>
       <p:par>
@@ -8189,6 +8235,9 @@
   <p:clrMapOvr>
     <a:masterClrMapping/>
   </p:clrMapOvr>
+  <p:transition>
+    <p:push dir="r"/>
+  </p:transition>
   <p:timing>
     <p:tnLst>
       <p:par>
@@ -8386,6 +8435,9 @@
   <p:clrMapOvr>
     <a:masterClrMapping/>
   </p:clrMapOvr>
+  <p:transition>
+    <p:push dir="r"/>
+  </p:transition>
   <p:timing>
     <p:tnLst>
       <p:par>
@@ -8582,6 +8634,9 @@
   <p:clrMapOvr>
     <a:masterClrMapping/>
   </p:clrMapOvr>
+  <p:transition>
+    <p:push dir="r"/>
+  </p:transition>
   <p:timing>
     <p:tnLst>
       <p:par>
@@ -8779,6 +8834,9 @@
   <p:clrMapOvr>
     <a:masterClrMapping/>
   </p:clrMapOvr>
+  <p:transition>
+    <p:push dir="r"/>
+  </p:transition>
   <p:timing>
     <p:tnLst>
       <p:par>
@@ -8976,6 +9034,9 @@
   <p:clrMapOvr>
     <a:masterClrMapping/>
   </p:clrMapOvr>
+  <p:transition>
+    <p:push dir="r"/>
+  </p:transition>
   <p:timing>
     <p:tnLst>
       <p:par>
@@ -9171,6 +9232,9 @@
   <p:clrMapOvr>
     <a:masterClrMapping/>
   </p:clrMapOvr>
+  <p:transition>
+    <p:push dir="r"/>
+  </p:transition>
   <p:timing>
     <p:tnLst>
       <p:par>
@@ -9732,6 +9796,9 @@
   <p:clrMapOvr>
     <a:masterClrMapping/>
   </p:clrMapOvr>
+  <p:transition>
+    <p:newsflash/>
+  </p:transition>
   <p:timing>
     <p:tnLst>
       <p:par>
@@ -10246,6 +10313,9 @@
   <p:clrMapOvr>
     <a:masterClrMapping/>
   </p:clrMapOvr>
+  <p:transition>
+    <p:push dir="r"/>
+  </p:transition>
   <p:timing>
     <p:tnLst>
       <p:par>
@@ -10830,6 +10900,9 @@
   <p:clrMapOvr>
     <a:masterClrMapping/>
   </p:clrMapOvr>
+  <p:transition>
+    <p:push dir="r"/>
+  </p:transition>
   <p:timing>
     <p:tnLst>
       <p:par>
@@ -11016,6 +11089,9 @@
   <p:clrMapOvr>
     <a:masterClrMapping/>
   </p:clrMapOvr>
+  <p:transition>
+    <p:newsflash/>
+  </p:transition>
   <p:timing>
     <p:tnLst>
       <p:par>
@@ -11240,6 +11316,9 @@
   <p:clrMapOvr>
     <a:masterClrMapping/>
   </p:clrMapOvr>
+  <p:transition>
+    <p:push dir="r"/>
+  </p:transition>
   <p:timing>
     <p:tnLst>
       <p:par>
@@ -11536,6 +11615,9 @@
   <p:clrMapOvr>
     <a:masterClrMapping/>
   </p:clrMapOvr>
+  <p:transition>
+    <p:push dir="r"/>
+  </p:transition>
   <p:timing>
     <p:tnLst>
       <p:par>
@@ -11740,6 +11822,9 @@
   <p:clrMapOvr>
     <a:masterClrMapping/>
   </p:clrMapOvr>
+  <p:transition>
+    <p:push dir="r"/>
+  </p:transition>
   <p:timing>
     <p:tnLst>
       <p:par>
@@ -11961,6 +12046,9 @@
   <p:clrMapOvr>
     <a:masterClrMapping/>
   </p:clrMapOvr>
+  <p:transition>
+    <p:newsflash/>
+  </p:transition>
   <p:timing>
     <p:tnLst>
       <p:par>
@@ -12320,6 +12408,9 @@
   <p:clrMapOvr>
     <a:masterClrMapping/>
   </p:clrMapOvr>
+  <p:transition>
+    <p:push dir="r"/>
+  </p:transition>
   <p:timing>
     <p:tnLst>
       <p:par>
@@ -12522,6 +12613,9 @@
   <p:clrMapOvr>
     <a:masterClrMapping/>
   </p:clrMapOvr>
+  <p:transition>
+    <p:push dir="r"/>
+  </p:transition>
   <p:timing>
     <p:tnLst>
       <p:par>
@@ -12784,6 +12878,9 @@
   <p:clrMapOvr>
     <a:masterClrMapping/>
   </p:clrMapOvr>
+  <p:transition>
+    <p:push dir="r"/>
+  </p:transition>
   <p:timing>
     <p:tnLst>
       <p:par>
@@ -13356,6 +13453,9 @@
   <p:clrMapOvr>
     <a:masterClrMapping/>
   </p:clrMapOvr>
+  <p:transition>
+    <p:newsflash/>
+  </p:transition>
   <p:timing>
     <p:tnLst>
       <p:par>
@@ -13599,6 +13699,9 @@
   <p:clrMapOvr>
     <a:masterClrMapping/>
   </p:clrMapOvr>
+  <p:transition>
+    <p:push dir="r"/>
+  </p:transition>
   <p:timing>
     <p:tnLst>
       <p:par>
@@ -13965,6 +14068,47 @@
               <a:t>Destinatarios</a:t>
             </a:r>
           </a:p>
+          <a:p>
+            <a:pPr marL="0" marR="0" lvl="0" indent="0" defTabSz="914400" rtl="0" eaLnBrk="1" fontAlgn="auto" latinLnBrk="0" hangingPunct="1">
+              <a:lnSpc>
+                <a:spcPct val="100000"/>
+              </a:lnSpc>
+              <a:spcBef>
+                <a:spcPct val="0"/>
+              </a:spcBef>
+              <a:spcAft>
+                <a:spcPts val="0"/>
+              </a:spcAft>
+              <a:buClrTx/>
+              <a:buSzTx/>
+              <a:buFont typeface="Arial" pitchFamily="34" charset="0"/>
+              <a:buChar char="•"/>
+              <a:tabLst/>
+              <a:defRPr/>
+            </a:pPr>
+            <a:r>
+              <a:rPr lang="es-ES" sz="4800" dirty="0" smtClean="0">
+                <a:latin typeface="+mj-lt"/>
+                <a:ea typeface="+mj-ea"/>
+                <a:cs typeface="+mj-cs"/>
+              </a:rPr>
+              <a:t>Competencia</a:t>
+            </a:r>
+            <a:endParaRPr kumimoji="0" lang="es-ES" sz="4800" b="0" i="0" u="none" strike="noStrike" kern="1200" cap="none" spc="0" normalizeH="0" baseline="0" dirty="0" smtClean="0">
+              <a:ln>
+                <a:noFill/>
+              </a:ln>
+              <a:solidFill>
+                <a:schemeClr val="tx1"/>
+              </a:solidFill>
+              <a:effectLst/>
+              <a:uLnTx/>
+              <a:uFillTx/>
+              <a:latin typeface="+mj-lt"/>
+              <a:ea typeface="+mj-ea"/>
+              <a:cs typeface="+mj-cs"/>
+            </a:endParaRPr>
+          </a:p>
         </p:txBody>
       </p:sp>
     </p:spTree>
@@ -13972,6 +14116,9 @@
   <p:clrMapOvr>
     <a:masterClrMapping/>
   </p:clrMapOvr>
+  <p:transition>
+    <p:push dir="r"/>
+  </p:transition>
   <p:timing>
     <p:tnLst>
       <p:par>
@@ -14687,6 +14834,9 @@
   <p:clrMapOvr>
     <a:masterClrMapping/>
   </p:clrMapOvr>
+  <p:transition>
+    <p:push dir="r"/>
+  </p:transition>
   <p:timing>
     <p:tnLst>
       <p:par>
@@ -14953,6 +15103,9 @@
   <p:clrMapOvr>
     <a:masterClrMapping/>
   </p:clrMapOvr>
+  <p:transition>
+    <p:push dir="r"/>
+  </p:transition>
   <p:timing>
     <p:tnLst>
       <p:par>
@@ -15590,6 +15743,9 @@
   <p:clrMapOvr>
     <a:masterClrMapping/>
   </p:clrMapOvr>
+  <p:transition>
+    <p:push dir="r"/>
+  </p:transition>
   <p:timing>
     <p:tnLst>
       <p:par>
@@ -15788,6 +15944,9 @@
   <p:clrMapOvr>
     <a:masterClrMapping/>
   </p:clrMapOvr>
+  <p:transition>
+    <p:newsflash/>
+  </p:transition>
   <p:timing>
     <p:tnLst>
       <p:par>
@@ -15948,6 +16107,9 @@
   <p:clrMapOvr>
     <a:masterClrMapping/>
   </p:clrMapOvr>
+  <p:transition>
+    <p:push dir="r"/>
+  </p:transition>
   <p:timing>
     <p:tnLst>
       <p:par>
@@ -16115,6 +16277,9 @@
   <p:clrMapOvr>
     <a:masterClrMapping/>
   </p:clrMapOvr>
+  <p:transition>
+    <p:push dir="r"/>
+  </p:transition>
   <p:timing>
     <p:tnLst>
       <p:par>
@@ -16282,6 +16447,9 @@
   <p:clrMapOvr>
     <a:masterClrMapping/>
   </p:clrMapOvr>
+  <p:transition>
+    <p:push dir="r"/>
+  </p:transition>
   <p:timing>
     <p:tnLst>
       <p:par>
@@ -16442,6 +16610,9 @@
   <p:clrMapOvr>
     <a:masterClrMapping/>
   </p:clrMapOvr>
+  <p:transition>
+    <p:push dir="r"/>
+  </p:transition>
   <p:timing>
     <p:tnLst>
       <p:par>
@@ -16939,6 +17110,9 @@
   <p:clrMapOvr>
     <a:masterClrMapping/>
   </p:clrMapOvr>
+  <p:transition>
+    <p:newsflash/>
+  </p:transition>
   <p:timing>
     <p:tnLst>
       <p:par>
@@ -17138,6 +17312,9 @@
   <p:clrMapOvr>
     <a:masterClrMapping/>
   </p:clrMapOvr>
+  <p:transition>
+    <p:push dir="r"/>
+  </p:transition>
   <p:timing>
     <p:tnLst>
       <p:par>
@@ -17450,6 +17627,9 @@
   <p:clrMapOvr>
     <a:masterClrMapping/>
   </p:clrMapOvr>
+  <p:transition>
+    <p:push dir="r"/>
+  </p:transition>
   <p:timing>
     <p:tnLst>
       <p:par>
@@ -17684,6 +17864,211 @@
   <p:clrMapOvr>
     <a:masterClrMapping/>
   </p:clrMapOvr>
+  <p:transition>
+    <p:newsflash/>
+  </p:transition>
+  <p:timing>
+    <p:tnLst>
+      <p:par>
+        <p:cTn id="1" dur="indefinite" restart="never" nodeType="tmRoot"/>
+      </p:par>
+    </p:tnLst>
+  </p:timing>
+</p:sld>
+</file>
+
+<file path=ppt/slides/slide52.xml><?xml version="1.0" encoding="utf-8"?>
+<p:sld xmlns:a="http://schemas.openxmlformats.org/drawingml/2006/main" xmlns:r="http://schemas.openxmlformats.org/officeDocument/2006/relationships" xmlns:p="http://schemas.openxmlformats.org/presentationml/2006/main">
+  <p:cSld>
+    <p:spTree>
+      <p:nvGrpSpPr>
+        <p:cNvPr id="1" name=""/>
+        <p:cNvGrpSpPr/>
+        <p:nvPr/>
+      </p:nvGrpSpPr>
+      <p:grpSpPr>
+        <a:xfrm>
+          <a:off x="0" y="0"/>
+          <a:ext cx="0" cy="0"/>
+          <a:chOff x="0" y="0"/>
+          <a:chExt cx="0" cy="0"/>
+        </a:xfrm>
+      </p:grpSpPr>
+      <p:sp>
+        <p:nvSpPr>
+          <p:cNvPr id="4" name="1 Título"/>
+          <p:cNvSpPr txBox="1">
+            <a:spLocks/>
+          </p:cNvSpPr>
+          <p:nvPr/>
+        </p:nvSpPr>
+        <p:spPr>
+          <a:xfrm>
+            <a:off x="0" y="0"/>
+            <a:ext cx="9144000" cy="857248"/>
+          </a:xfrm>
+          <a:prstGeom prst="rect">
+            <a:avLst/>
+          </a:prstGeom>
+        </p:spPr>
+        <p:txBody>
+          <a:bodyPr vert="horz" lIns="91440" tIns="45720" rIns="91440" bIns="45720" rtlCol="0" anchor="ctr">
+            <a:normAutofit/>
+          </a:bodyPr>
+          <a:lstStyle/>
+          <a:p>
+            <a:pPr marL="0" marR="0" lvl="0" indent="0" algn="ctr" defTabSz="914400" rtl="0" eaLnBrk="1" fontAlgn="auto" latinLnBrk="0" hangingPunct="1">
+              <a:lnSpc>
+                <a:spcPct val="100000"/>
+              </a:lnSpc>
+              <a:spcBef>
+                <a:spcPct val="0"/>
+              </a:spcBef>
+              <a:spcAft>
+                <a:spcPts val="0"/>
+              </a:spcAft>
+              <a:buClrTx/>
+              <a:buSzTx/>
+              <a:buFontTx/>
+              <a:buNone/>
+              <a:tabLst/>
+              <a:defRPr/>
+            </a:pPr>
+            <a:r>
+              <a:rPr lang="es-ES" sz="4400" dirty="0" smtClean="0">
+                <a:latin typeface="Underwood Champion" pitchFamily="2" charset="0"/>
+                <a:ea typeface="+mj-ea"/>
+                <a:cs typeface="+mj-cs"/>
+              </a:rPr>
+              <a:t>EOF</a:t>
+            </a:r>
+            <a:endParaRPr lang="es-ES" sz="4400" dirty="0" smtClean="0">
+              <a:latin typeface="Underwood Champion" pitchFamily="2" charset="0"/>
+              <a:ea typeface="+mj-ea"/>
+              <a:cs typeface="+mj-cs"/>
+            </a:endParaRPr>
+          </a:p>
+        </p:txBody>
+      </p:sp>
+      <p:sp>
+        <p:nvSpPr>
+          <p:cNvPr id="3" name="1 Título"/>
+          <p:cNvSpPr txBox="1">
+            <a:spLocks/>
+          </p:cNvSpPr>
+          <p:nvPr/>
+        </p:nvSpPr>
+        <p:spPr>
+          <a:xfrm>
+            <a:off x="1285852" y="1142984"/>
+            <a:ext cx="6572296" cy="4572032"/>
+          </a:xfrm>
+          <a:prstGeom prst="rect">
+            <a:avLst/>
+          </a:prstGeom>
+        </p:spPr>
+        <p:txBody>
+          <a:bodyPr vert="horz" lIns="91440" tIns="45720" rIns="91440" bIns="45720" rtlCol="0" anchor="ctr">
+            <a:normAutofit/>
+          </a:bodyPr>
+          <a:lstStyle/>
+          <a:p>
+            <a:pPr marL="0" marR="0" lvl="0" indent="0" algn="ctr" defTabSz="914400" rtl="0" eaLnBrk="1" fontAlgn="auto" latinLnBrk="0" hangingPunct="1">
+              <a:lnSpc>
+                <a:spcPct val="100000"/>
+              </a:lnSpc>
+              <a:spcBef>
+                <a:spcPct val="0"/>
+              </a:spcBef>
+              <a:spcAft>
+                <a:spcPts val="0"/>
+              </a:spcAft>
+              <a:buClrTx/>
+              <a:buSzTx/>
+              <a:tabLst/>
+              <a:defRPr/>
+            </a:pPr>
+            <a:r>
+              <a:rPr lang="es-ES" sz="4000" dirty="0" smtClean="0">
+                <a:ea typeface="+mj-ea"/>
+                <a:cs typeface="+mj-cs"/>
+              </a:rPr>
+              <a:t>Muchas gracias</a:t>
+            </a:r>
+            <a:endParaRPr lang="es-ES" sz="4000" dirty="0" smtClean="0">
+              <a:ea typeface="+mj-ea"/>
+              <a:cs typeface="+mj-cs"/>
+            </a:endParaRPr>
+          </a:p>
+          <a:p>
+            <a:pPr marL="0" marR="0" lvl="0" indent="0" algn="ctr" defTabSz="914400" rtl="0" eaLnBrk="1" fontAlgn="auto" latinLnBrk="0" hangingPunct="1">
+              <a:lnSpc>
+                <a:spcPct val="100000"/>
+              </a:lnSpc>
+              <a:spcBef>
+                <a:spcPct val="0"/>
+              </a:spcBef>
+              <a:spcAft>
+                <a:spcPts val="0"/>
+              </a:spcAft>
+              <a:buClrTx/>
+              <a:buSzTx/>
+              <a:tabLst/>
+              <a:defRPr/>
+            </a:pPr>
+            <a:r>
+              <a:rPr lang="es-ES" sz="4000" dirty="0" smtClean="0">
+                <a:ea typeface="+mj-ea"/>
+                <a:cs typeface="+mj-cs"/>
+              </a:rPr>
+              <a:t>por la</a:t>
+            </a:r>
+          </a:p>
+          <a:p>
+            <a:pPr marL="0" marR="0" lvl="0" indent="0" algn="ctr" defTabSz="914400" rtl="0" eaLnBrk="1" fontAlgn="auto" latinLnBrk="0" hangingPunct="1">
+              <a:lnSpc>
+                <a:spcPct val="100000"/>
+              </a:lnSpc>
+              <a:spcBef>
+                <a:spcPct val="0"/>
+              </a:spcBef>
+              <a:spcAft>
+                <a:spcPts val="0"/>
+              </a:spcAft>
+              <a:buClrTx/>
+              <a:buSzTx/>
+              <a:tabLst/>
+              <a:defRPr/>
+            </a:pPr>
+            <a:r>
+              <a:rPr lang="es-ES" sz="4000" dirty="0" smtClean="0">
+                <a:ea typeface="+mj-ea"/>
+                <a:cs typeface="+mj-cs"/>
+              </a:rPr>
+              <a:t>a</a:t>
+            </a:r>
+            <a:r>
+              <a:rPr lang="es-ES" sz="4000" dirty="0" smtClean="0">
+                <a:ea typeface="+mj-ea"/>
+                <a:cs typeface="+mj-cs"/>
+              </a:rPr>
+              <a:t>tención prestada.</a:t>
+            </a:r>
+            <a:endParaRPr lang="es-ES" sz="4000" dirty="0" smtClean="0">
+              <a:ea typeface="+mj-ea"/>
+              <a:cs typeface="+mj-cs"/>
+            </a:endParaRPr>
+          </a:p>
+        </p:txBody>
+      </p:sp>
+    </p:spTree>
+  </p:cSld>
+  <p:clrMapOvr>
+    <a:masterClrMapping/>
+  </p:clrMapOvr>
+  <p:transition>
+    <p:newsflash/>
+  </p:transition>
   <p:timing>
     <p:tnLst>
       <p:par>
@@ -18170,6 +18555,9 @@
   <p:clrMapOvr>
     <a:masterClrMapping/>
   </p:clrMapOvr>
+  <p:transition>
+    <p:push dir="r"/>
+  </p:transition>
   <p:timing>
     <p:tnLst>
       <p:par>
@@ -18661,6 +19049,9 @@
   <p:clrMapOvr>
     <a:masterClrMapping/>
   </p:clrMapOvr>
+  <p:transition>
+    <p:push dir="r"/>
+  </p:transition>
   <p:timing>
     <p:tnLst>
       <p:par>
@@ -19027,6 +19418,9 @@
   <p:clrMapOvr>
     <a:masterClrMapping/>
   </p:clrMapOvr>
+  <p:transition>
+    <p:newsflash/>
+  </p:transition>
   <p:timing>
     <p:tnLst>
       <p:par>
@@ -19498,6 +19892,9 @@
   <p:clrMapOvr>
     <a:masterClrMapping/>
   </p:clrMapOvr>
+  <p:transition>
+    <p:push dir="r"/>
+  </p:transition>
   <p:timing>
     <p:tnLst>
       <p:par>
